--- a/FinalPresentation.pptx
+++ b/FinalPresentation.pptx
@@ -5,12 +5,22 @@
     <p:sldMasterId id="2147483648" r:id="rId1"/>
   </p:sldMasterIdLst>
   <p:notesMasterIdLst>
-    <p:notesMasterId r:id="rId5"/>
+    <p:notesMasterId r:id="rId15"/>
   </p:notesMasterIdLst>
   <p:sldIdLst>
     <p:sldId id="256" r:id="rId2"/>
     <p:sldId id="257" r:id="rId3"/>
-    <p:sldId id="258" r:id="rId4"/>
+    <p:sldId id="269" r:id="rId4"/>
+    <p:sldId id="270" r:id="rId5"/>
+    <p:sldId id="271" r:id="rId6"/>
+    <p:sldId id="272" r:id="rId7"/>
+    <p:sldId id="273" r:id="rId8"/>
+    <p:sldId id="274" r:id="rId9"/>
+    <p:sldId id="275" r:id="rId10"/>
+    <p:sldId id="276" r:id="rId11"/>
+    <p:sldId id="277" r:id="rId12"/>
+    <p:sldId id="278" r:id="rId13"/>
+    <p:sldId id="279" r:id="rId14"/>
   </p:sldIdLst>
   <p:sldSz cx="12192000" cy="6858000"/>
   <p:notesSz cx="6858000" cy="9144000"/>
@@ -548,6 +558,354 @@
 </p:notes>
 </file>
 
+<file path=ppt/notesSlides/notesSlide10.xml><?xml version="1.0" encoding="utf-8"?>
+<p:notes xmlns:a="http://schemas.openxmlformats.org/drawingml/2006/main" xmlns:r="http://schemas.openxmlformats.org/officeDocument/2006/relationships" xmlns:p="http://schemas.openxmlformats.org/presentationml/2006/main">
+  <p:cSld>
+    <p:spTree>
+      <p:nvGrpSpPr>
+        <p:cNvPr id="1" name=""/>
+        <p:cNvGrpSpPr/>
+        <p:nvPr/>
+      </p:nvGrpSpPr>
+      <p:grpSpPr>
+        <a:xfrm>
+          <a:off x="0" y="0"/>
+          <a:ext cx="0" cy="0"/>
+          <a:chOff x="0" y="0"/>
+          <a:chExt cx="0" cy="0"/>
+        </a:xfrm>
+      </p:grpSpPr>
+      <p:sp>
+        <p:nvSpPr>
+          <p:cNvPr id="2" name="Slide Image Placeholder 1"/>
+          <p:cNvSpPr>
+            <a:spLocks noGrp="1" noRot="1" noChangeAspect="1"/>
+          </p:cNvSpPr>
+          <p:nvPr>
+            <p:ph type="sldImg"/>
+          </p:nvPr>
+        </p:nvSpPr>
+        <p:spPr/>
+      </p:sp>
+      <p:sp>
+        <p:nvSpPr>
+          <p:cNvPr id="3" name="Notes Placeholder 2"/>
+          <p:cNvSpPr>
+            <a:spLocks noGrp="1"/>
+          </p:cNvSpPr>
+          <p:nvPr>
+            <p:ph type="body" idx="1"/>
+          </p:nvPr>
+        </p:nvSpPr>
+        <p:spPr/>
+        <p:txBody>
+          <a:bodyPr/>
+          <a:lstStyle/>
+          <a:p>
+            <a:r>
+              <a:rPr lang="en-US" dirty="0"/>
+              <a:t>Overview</a:t>
+            </a:r>
+          </a:p>
+        </p:txBody>
+      </p:sp>
+      <p:sp>
+        <p:nvSpPr>
+          <p:cNvPr id="4" name="Slide Number Placeholder 3"/>
+          <p:cNvSpPr>
+            <a:spLocks noGrp="1"/>
+          </p:cNvSpPr>
+          <p:nvPr>
+            <p:ph type="sldNum" sz="quarter" idx="5"/>
+          </p:nvPr>
+        </p:nvSpPr>
+        <p:spPr/>
+        <p:txBody>
+          <a:bodyPr/>
+          <a:lstStyle/>
+          <a:p>
+            <a:fld id="{CF9818CD-9A36-484E-9EC8-BC5DD93832BD}" type="slidenum">
+              <a:rPr lang="en-US" smtClean="0"/>
+              <a:t>10</a:t>
+            </a:fld>
+            <a:endParaRPr lang="en-US"/>
+          </a:p>
+        </p:txBody>
+      </p:sp>
+    </p:spTree>
+    <p:extLst>
+      <p:ext uri="{BB962C8B-B14F-4D97-AF65-F5344CB8AC3E}">
+        <p14:creationId xmlns:p14="http://schemas.microsoft.com/office/powerpoint/2010/main" val="108926881"/>
+      </p:ext>
+    </p:extLst>
+  </p:cSld>
+  <p:clrMapOvr>
+    <a:masterClrMapping/>
+  </p:clrMapOvr>
+</p:notes>
+</file>
+
+<file path=ppt/notesSlides/notesSlide11.xml><?xml version="1.0" encoding="utf-8"?>
+<p:notes xmlns:a="http://schemas.openxmlformats.org/drawingml/2006/main" xmlns:r="http://schemas.openxmlformats.org/officeDocument/2006/relationships" xmlns:p="http://schemas.openxmlformats.org/presentationml/2006/main">
+  <p:cSld>
+    <p:spTree>
+      <p:nvGrpSpPr>
+        <p:cNvPr id="1" name=""/>
+        <p:cNvGrpSpPr/>
+        <p:nvPr/>
+      </p:nvGrpSpPr>
+      <p:grpSpPr>
+        <a:xfrm>
+          <a:off x="0" y="0"/>
+          <a:ext cx="0" cy="0"/>
+          <a:chOff x="0" y="0"/>
+          <a:chExt cx="0" cy="0"/>
+        </a:xfrm>
+      </p:grpSpPr>
+      <p:sp>
+        <p:nvSpPr>
+          <p:cNvPr id="2" name="Slide Image Placeholder 1"/>
+          <p:cNvSpPr>
+            <a:spLocks noGrp="1" noRot="1" noChangeAspect="1"/>
+          </p:cNvSpPr>
+          <p:nvPr>
+            <p:ph type="sldImg"/>
+          </p:nvPr>
+        </p:nvSpPr>
+        <p:spPr/>
+      </p:sp>
+      <p:sp>
+        <p:nvSpPr>
+          <p:cNvPr id="3" name="Notes Placeholder 2"/>
+          <p:cNvSpPr>
+            <a:spLocks noGrp="1"/>
+          </p:cNvSpPr>
+          <p:nvPr>
+            <p:ph type="body" idx="1"/>
+          </p:nvPr>
+        </p:nvSpPr>
+        <p:spPr/>
+        <p:txBody>
+          <a:bodyPr/>
+          <a:lstStyle/>
+          <a:p>
+            <a:r>
+              <a:rPr lang="en-US" dirty="0"/>
+              <a:t>Overview</a:t>
+            </a:r>
+          </a:p>
+        </p:txBody>
+      </p:sp>
+      <p:sp>
+        <p:nvSpPr>
+          <p:cNvPr id="4" name="Slide Number Placeholder 3"/>
+          <p:cNvSpPr>
+            <a:spLocks noGrp="1"/>
+          </p:cNvSpPr>
+          <p:nvPr>
+            <p:ph type="sldNum" sz="quarter" idx="5"/>
+          </p:nvPr>
+        </p:nvSpPr>
+        <p:spPr/>
+        <p:txBody>
+          <a:bodyPr/>
+          <a:lstStyle/>
+          <a:p>
+            <a:fld id="{CF9818CD-9A36-484E-9EC8-BC5DD93832BD}" type="slidenum">
+              <a:rPr lang="en-US" smtClean="0"/>
+              <a:t>11</a:t>
+            </a:fld>
+            <a:endParaRPr lang="en-US"/>
+          </a:p>
+        </p:txBody>
+      </p:sp>
+    </p:spTree>
+    <p:extLst>
+      <p:ext uri="{BB962C8B-B14F-4D97-AF65-F5344CB8AC3E}">
+        <p14:creationId xmlns:p14="http://schemas.microsoft.com/office/powerpoint/2010/main" val="3401218393"/>
+      </p:ext>
+    </p:extLst>
+  </p:cSld>
+  <p:clrMapOvr>
+    <a:masterClrMapping/>
+  </p:clrMapOvr>
+</p:notes>
+</file>
+
+<file path=ppt/notesSlides/notesSlide12.xml><?xml version="1.0" encoding="utf-8"?>
+<p:notes xmlns:a="http://schemas.openxmlformats.org/drawingml/2006/main" xmlns:r="http://schemas.openxmlformats.org/officeDocument/2006/relationships" xmlns:p="http://schemas.openxmlformats.org/presentationml/2006/main">
+  <p:cSld>
+    <p:spTree>
+      <p:nvGrpSpPr>
+        <p:cNvPr id="1" name=""/>
+        <p:cNvGrpSpPr/>
+        <p:nvPr/>
+      </p:nvGrpSpPr>
+      <p:grpSpPr>
+        <a:xfrm>
+          <a:off x="0" y="0"/>
+          <a:ext cx="0" cy="0"/>
+          <a:chOff x="0" y="0"/>
+          <a:chExt cx="0" cy="0"/>
+        </a:xfrm>
+      </p:grpSpPr>
+      <p:sp>
+        <p:nvSpPr>
+          <p:cNvPr id="2" name="Slide Image Placeholder 1"/>
+          <p:cNvSpPr>
+            <a:spLocks noGrp="1" noRot="1" noChangeAspect="1"/>
+          </p:cNvSpPr>
+          <p:nvPr>
+            <p:ph type="sldImg"/>
+          </p:nvPr>
+        </p:nvSpPr>
+        <p:spPr/>
+      </p:sp>
+      <p:sp>
+        <p:nvSpPr>
+          <p:cNvPr id="3" name="Notes Placeholder 2"/>
+          <p:cNvSpPr>
+            <a:spLocks noGrp="1"/>
+          </p:cNvSpPr>
+          <p:nvPr>
+            <p:ph type="body" idx="1"/>
+          </p:nvPr>
+        </p:nvSpPr>
+        <p:spPr/>
+        <p:txBody>
+          <a:bodyPr/>
+          <a:lstStyle/>
+          <a:p>
+            <a:r>
+              <a:rPr lang="en-US" dirty="0"/>
+              <a:t>Overview</a:t>
+            </a:r>
+          </a:p>
+        </p:txBody>
+      </p:sp>
+      <p:sp>
+        <p:nvSpPr>
+          <p:cNvPr id="4" name="Slide Number Placeholder 3"/>
+          <p:cNvSpPr>
+            <a:spLocks noGrp="1"/>
+          </p:cNvSpPr>
+          <p:nvPr>
+            <p:ph type="sldNum" sz="quarter" idx="5"/>
+          </p:nvPr>
+        </p:nvSpPr>
+        <p:spPr/>
+        <p:txBody>
+          <a:bodyPr/>
+          <a:lstStyle/>
+          <a:p>
+            <a:fld id="{CF9818CD-9A36-484E-9EC8-BC5DD93832BD}" type="slidenum">
+              <a:rPr lang="en-US" smtClean="0"/>
+              <a:t>12</a:t>
+            </a:fld>
+            <a:endParaRPr lang="en-US"/>
+          </a:p>
+        </p:txBody>
+      </p:sp>
+    </p:spTree>
+    <p:extLst>
+      <p:ext uri="{BB962C8B-B14F-4D97-AF65-F5344CB8AC3E}">
+        <p14:creationId xmlns:p14="http://schemas.microsoft.com/office/powerpoint/2010/main" val="2797850069"/>
+      </p:ext>
+    </p:extLst>
+  </p:cSld>
+  <p:clrMapOvr>
+    <a:masterClrMapping/>
+  </p:clrMapOvr>
+</p:notes>
+</file>
+
+<file path=ppt/notesSlides/notesSlide13.xml><?xml version="1.0" encoding="utf-8"?>
+<p:notes xmlns:a="http://schemas.openxmlformats.org/drawingml/2006/main" xmlns:r="http://schemas.openxmlformats.org/officeDocument/2006/relationships" xmlns:p="http://schemas.openxmlformats.org/presentationml/2006/main">
+  <p:cSld>
+    <p:spTree>
+      <p:nvGrpSpPr>
+        <p:cNvPr id="1" name=""/>
+        <p:cNvGrpSpPr/>
+        <p:nvPr/>
+      </p:nvGrpSpPr>
+      <p:grpSpPr>
+        <a:xfrm>
+          <a:off x="0" y="0"/>
+          <a:ext cx="0" cy="0"/>
+          <a:chOff x="0" y="0"/>
+          <a:chExt cx="0" cy="0"/>
+        </a:xfrm>
+      </p:grpSpPr>
+      <p:sp>
+        <p:nvSpPr>
+          <p:cNvPr id="2" name="Slide Image Placeholder 1"/>
+          <p:cNvSpPr>
+            <a:spLocks noGrp="1" noRot="1" noChangeAspect="1"/>
+          </p:cNvSpPr>
+          <p:nvPr>
+            <p:ph type="sldImg"/>
+          </p:nvPr>
+        </p:nvSpPr>
+        <p:spPr/>
+      </p:sp>
+      <p:sp>
+        <p:nvSpPr>
+          <p:cNvPr id="3" name="Notes Placeholder 2"/>
+          <p:cNvSpPr>
+            <a:spLocks noGrp="1"/>
+          </p:cNvSpPr>
+          <p:nvPr>
+            <p:ph type="body" idx="1"/>
+          </p:nvPr>
+        </p:nvSpPr>
+        <p:spPr/>
+        <p:txBody>
+          <a:bodyPr/>
+          <a:lstStyle/>
+          <a:p>
+            <a:r>
+              <a:rPr lang="en-US" dirty="0"/>
+              <a:t>Overview</a:t>
+            </a:r>
+          </a:p>
+        </p:txBody>
+      </p:sp>
+      <p:sp>
+        <p:nvSpPr>
+          <p:cNvPr id="4" name="Slide Number Placeholder 3"/>
+          <p:cNvSpPr>
+            <a:spLocks noGrp="1"/>
+          </p:cNvSpPr>
+          <p:nvPr>
+            <p:ph type="sldNum" sz="quarter" idx="5"/>
+          </p:nvPr>
+        </p:nvSpPr>
+        <p:spPr/>
+        <p:txBody>
+          <a:bodyPr/>
+          <a:lstStyle/>
+          <a:p>
+            <a:fld id="{CF9818CD-9A36-484E-9EC8-BC5DD93832BD}" type="slidenum">
+              <a:rPr lang="en-US" smtClean="0"/>
+              <a:t>13</a:t>
+            </a:fld>
+            <a:endParaRPr lang="en-US"/>
+          </a:p>
+        </p:txBody>
+      </p:sp>
+    </p:spTree>
+    <p:extLst>
+      <p:ext uri="{BB962C8B-B14F-4D97-AF65-F5344CB8AC3E}">
+        <p14:creationId xmlns:p14="http://schemas.microsoft.com/office/powerpoint/2010/main" val="1690532678"/>
+      </p:ext>
+    </p:extLst>
+  </p:cSld>
+  <p:clrMapOvr>
+    <a:masterClrMapping/>
+  </p:clrMapOvr>
+</p:notes>
+</file>
+
 <file path=ppt/notesSlides/notesSlide2.xml><?xml version="1.0" encoding="utf-8"?>
 <p:notes xmlns:a="http://schemas.openxmlformats.org/drawingml/2006/main" xmlns:r="http://schemas.openxmlformats.org/officeDocument/2006/relationships" xmlns:p="http://schemas.openxmlformats.org/presentationml/2006/main">
   <p:cSld>
@@ -680,8 +1038,8 @@
           <a:lstStyle/>
           <a:p>
             <a:r>
-              <a:rPr lang="en-US"/>
-              <a:t>Tools Used</a:t>
+              <a:rPr lang="en-US" dirty="0"/>
+              <a:t>Overview</a:t>
             </a:r>
           </a:p>
         </p:txBody>
@@ -712,7 +1070,529 @@
     </p:spTree>
     <p:extLst>
       <p:ext uri="{BB962C8B-B14F-4D97-AF65-F5344CB8AC3E}">
-        <p14:creationId xmlns:p14="http://schemas.microsoft.com/office/powerpoint/2010/main" val="3912831775"/>
+        <p14:creationId xmlns:p14="http://schemas.microsoft.com/office/powerpoint/2010/main" val="3568514019"/>
+      </p:ext>
+    </p:extLst>
+  </p:cSld>
+  <p:clrMapOvr>
+    <a:masterClrMapping/>
+  </p:clrMapOvr>
+</p:notes>
+</file>
+
+<file path=ppt/notesSlides/notesSlide4.xml><?xml version="1.0" encoding="utf-8"?>
+<p:notes xmlns:a="http://schemas.openxmlformats.org/drawingml/2006/main" xmlns:r="http://schemas.openxmlformats.org/officeDocument/2006/relationships" xmlns:p="http://schemas.openxmlformats.org/presentationml/2006/main">
+  <p:cSld>
+    <p:spTree>
+      <p:nvGrpSpPr>
+        <p:cNvPr id="1" name=""/>
+        <p:cNvGrpSpPr/>
+        <p:nvPr/>
+      </p:nvGrpSpPr>
+      <p:grpSpPr>
+        <a:xfrm>
+          <a:off x="0" y="0"/>
+          <a:ext cx="0" cy="0"/>
+          <a:chOff x="0" y="0"/>
+          <a:chExt cx="0" cy="0"/>
+        </a:xfrm>
+      </p:grpSpPr>
+      <p:sp>
+        <p:nvSpPr>
+          <p:cNvPr id="2" name="Slide Image Placeholder 1"/>
+          <p:cNvSpPr>
+            <a:spLocks noGrp="1" noRot="1" noChangeAspect="1"/>
+          </p:cNvSpPr>
+          <p:nvPr>
+            <p:ph type="sldImg"/>
+          </p:nvPr>
+        </p:nvSpPr>
+        <p:spPr/>
+      </p:sp>
+      <p:sp>
+        <p:nvSpPr>
+          <p:cNvPr id="3" name="Notes Placeholder 2"/>
+          <p:cNvSpPr>
+            <a:spLocks noGrp="1"/>
+          </p:cNvSpPr>
+          <p:nvPr>
+            <p:ph type="body" idx="1"/>
+          </p:nvPr>
+        </p:nvSpPr>
+        <p:spPr/>
+        <p:txBody>
+          <a:bodyPr/>
+          <a:lstStyle/>
+          <a:p>
+            <a:r>
+              <a:rPr lang="en-US" dirty="0"/>
+              <a:t>Overview</a:t>
+            </a:r>
+          </a:p>
+        </p:txBody>
+      </p:sp>
+      <p:sp>
+        <p:nvSpPr>
+          <p:cNvPr id="4" name="Slide Number Placeholder 3"/>
+          <p:cNvSpPr>
+            <a:spLocks noGrp="1"/>
+          </p:cNvSpPr>
+          <p:nvPr>
+            <p:ph type="sldNum" sz="quarter" idx="5"/>
+          </p:nvPr>
+        </p:nvSpPr>
+        <p:spPr/>
+        <p:txBody>
+          <a:bodyPr/>
+          <a:lstStyle/>
+          <a:p>
+            <a:fld id="{CF9818CD-9A36-484E-9EC8-BC5DD93832BD}" type="slidenum">
+              <a:rPr lang="en-US" smtClean="0"/>
+              <a:t>4</a:t>
+            </a:fld>
+            <a:endParaRPr lang="en-US"/>
+          </a:p>
+        </p:txBody>
+      </p:sp>
+    </p:spTree>
+    <p:extLst>
+      <p:ext uri="{BB962C8B-B14F-4D97-AF65-F5344CB8AC3E}">
+        <p14:creationId xmlns:p14="http://schemas.microsoft.com/office/powerpoint/2010/main" val="2398514731"/>
+      </p:ext>
+    </p:extLst>
+  </p:cSld>
+  <p:clrMapOvr>
+    <a:masterClrMapping/>
+  </p:clrMapOvr>
+</p:notes>
+</file>
+
+<file path=ppt/notesSlides/notesSlide5.xml><?xml version="1.0" encoding="utf-8"?>
+<p:notes xmlns:a="http://schemas.openxmlformats.org/drawingml/2006/main" xmlns:r="http://schemas.openxmlformats.org/officeDocument/2006/relationships" xmlns:p="http://schemas.openxmlformats.org/presentationml/2006/main">
+  <p:cSld>
+    <p:spTree>
+      <p:nvGrpSpPr>
+        <p:cNvPr id="1" name=""/>
+        <p:cNvGrpSpPr/>
+        <p:nvPr/>
+      </p:nvGrpSpPr>
+      <p:grpSpPr>
+        <a:xfrm>
+          <a:off x="0" y="0"/>
+          <a:ext cx="0" cy="0"/>
+          <a:chOff x="0" y="0"/>
+          <a:chExt cx="0" cy="0"/>
+        </a:xfrm>
+      </p:grpSpPr>
+      <p:sp>
+        <p:nvSpPr>
+          <p:cNvPr id="2" name="Slide Image Placeholder 1"/>
+          <p:cNvSpPr>
+            <a:spLocks noGrp="1" noRot="1" noChangeAspect="1"/>
+          </p:cNvSpPr>
+          <p:nvPr>
+            <p:ph type="sldImg"/>
+          </p:nvPr>
+        </p:nvSpPr>
+        <p:spPr/>
+      </p:sp>
+      <p:sp>
+        <p:nvSpPr>
+          <p:cNvPr id="3" name="Notes Placeholder 2"/>
+          <p:cNvSpPr>
+            <a:spLocks noGrp="1"/>
+          </p:cNvSpPr>
+          <p:nvPr>
+            <p:ph type="body" idx="1"/>
+          </p:nvPr>
+        </p:nvSpPr>
+        <p:spPr/>
+        <p:txBody>
+          <a:bodyPr/>
+          <a:lstStyle/>
+          <a:p>
+            <a:r>
+              <a:rPr lang="en-US" dirty="0"/>
+              <a:t>Overview</a:t>
+            </a:r>
+          </a:p>
+        </p:txBody>
+      </p:sp>
+      <p:sp>
+        <p:nvSpPr>
+          <p:cNvPr id="4" name="Slide Number Placeholder 3"/>
+          <p:cNvSpPr>
+            <a:spLocks noGrp="1"/>
+          </p:cNvSpPr>
+          <p:nvPr>
+            <p:ph type="sldNum" sz="quarter" idx="5"/>
+          </p:nvPr>
+        </p:nvSpPr>
+        <p:spPr/>
+        <p:txBody>
+          <a:bodyPr/>
+          <a:lstStyle/>
+          <a:p>
+            <a:fld id="{CF9818CD-9A36-484E-9EC8-BC5DD93832BD}" type="slidenum">
+              <a:rPr lang="en-US" smtClean="0"/>
+              <a:t>5</a:t>
+            </a:fld>
+            <a:endParaRPr lang="en-US"/>
+          </a:p>
+        </p:txBody>
+      </p:sp>
+    </p:spTree>
+    <p:extLst>
+      <p:ext uri="{BB962C8B-B14F-4D97-AF65-F5344CB8AC3E}">
+        <p14:creationId xmlns:p14="http://schemas.microsoft.com/office/powerpoint/2010/main" val="3397105528"/>
+      </p:ext>
+    </p:extLst>
+  </p:cSld>
+  <p:clrMapOvr>
+    <a:masterClrMapping/>
+  </p:clrMapOvr>
+</p:notes>
+</file>
+
+<file path=ppt/notesSlides/notesSlide6.xml><?xml version="1.0" encoding="utf-8"?>
+<p:notes xmlns:a="http://schemas.openxmlformats.org/drawingml/2006/main" xmlns:r="http://schemas.openxmlformats.org/officeDocument/2006/relationships" xmlns:p="http://schemas.openxmlformats.org/presentationml/2006/main">
+  <p:cSld>
+    <p:spTree>
+      <p:nvGrpSpPr>
+        <p:cNvPr id="1" name=""/>
+        <p:cNvGrpSpPr/>
+        <p:nvPr/>
+      </p:nvGrpSpPr>
+      <p:grpSpPr>
+        <a:xfrm>
+          <a:off x="0" y="0"/>
+          <a:ext cx="0" cy="0"/>
+          <a:chOff x="0" y="0"/>
+          <a:chExt cx="0" cy="0"/>
+        </a:xfrm>
+      </p:grpSpPr>
+      <p:sp>
+        <p:nvSpPr>
+          <p:cNvPr id="2" name="Slide Image Placeholder 1"/>
+          <p:cNvSpPr>
+            <a:spLocks noGrp="1" noRot="1" noChangeAspect="1"/>
+          </p:cNvSpPr>
+          <p:nvPr>
+            <p:ph type="sldImg"/>
+          </p:nvPr>
+        </p:nvSpPr>
+        <p:spPr/>
+      </p:sp>
+      <p:sp>
+        <p:nvSpPr>
+          <p:cNvPr id="3" name="Notes Placeholder 2"/>
+          <p:cNvSpPr>
+            <a:spLocks noGrp="1"/>
+          </p:cNvSpPr>
+          <p:nvPr>
+            <p:ph type="body" idx="1"/>
+          </p:nvPr>
+        </p:nvSpPr>
+        <p:spPr/>
+        <p:txBody>
+          <a:bodyPr/>
+          <a:lstStyle/>
+          <a:p>
+            <a:r>
+              <a:rPr lang="en-US" dirty="0"/>
+              <a:t>Overview</a:t>
+            </a:r>
+          </a:p>
+        </p:txBody>
+      </p:sp>
+      <p:sp>
+        <p:nvSpPr>
+          <p:cNvPr id="4" name="Slide Number Placeholder 3"/>
+          <p:cNvSpPr>
+            <a:spLocks noGrp="1"/>
+          </p:cNvSpPr>
+          <p:nvPr>
+            <p:ph type="sldNum" sz="quarter" idx="5"/>
+          </p:nvPr>
+        </p:nvSpPr>
+        <p:spPr/>
+        <p:txBody>
+          <a:bodyPr/>
+          <a:lstStyle/>
+          <a:p>
+            <a:fld id="{CF9818CD-9A36-484E-9EC8-BC5DD93832BD}" type="slidenum">
+              <a:rPr lang="en-US" smtClean="0"/>
+              <a:t>6</a:t>
+            </a:fld>
+            <a:endParaRPr lang="en-US"/>
+          </a:p>
+        </p:txBody>
+      </p:sp>
+    </p:spTree>
+    <p:extLst>
+      <p:ext uri="{BB962C8B-B14F-4D97-AF65-F5344CB8AC3E}">
+        <p14:creationId xmlns:p14="http://schemas.microsoft.com/office/powerpoint/2010/main" val="2816926482"/>
+      </p:ext>
+    </p:extLst>
+  </p:cSld>
+  <p:clrMapOvr>
+    <a:masterClrMapping/>
+  </p:clrMapOvr>
+</p:notes>
+</file>
+
+<file path=ppt/notesSlides/notesSlide7.xml><?xml version="1.0" encoding="utf-8"?>
+<p:notes xmlns:a="http://schemas.openxmlformats.org/drawingml/2006/main" xmlns:r="http://schemas.openxmlformats.org/officeDocument/2006/relationships" xmlns:p="http://schemas.openxmlformats.org/presentationml/2006/main">
+  <p:cSld>
+    <p:spTree>
+      <p:nvGrpSpPr>
+        <p:cNvPr id="1" name=""/>
+        <p:cNvGrpSpPr/>
+        <p:nvPr/>
+      </p:nvGrpSpPr>
+      <p:grpSpPr>
+        <a:xfrm>
+          <a:off x="0" y="0"/>
+          <a:ext cx="0" cy="0"/>
+          <a:chOff x="0" y="0"/>
+          <a:chExt cx="0" cy="0"/>
+        </a:xfrm>
+      </p:grpSpPr>
+      <p:sp>
+        <p:nvSpPr>
+          <p:cNvPr id="2" name="Slide Image Placeholder 1"/>
+          <p:cNvSpPr>
+            <a:spLocks noGrp="1" noRot="1" noChangeAspect="1"/>
+          </p:cNvSpPr>
+          <p:nvPr>
+            <p:ph type="sldImg"/>
+          </p:nvPr>
+        </p:nvSpPr>
+        <p:spPr/>
+      </p:sp>
+      <p:sp>
+        <p:nvSpPr>
+          <p:cNvPr id="3" name="Notes Placeholder 2"/>
+          <p:cNvSpPr>
+            <a:spLocks noGrp="1"/>
+          </p:cNvSpPr>
+          <p:nvPr>
+            <p:ph type="body" idx="1"/>
+          </p:nvPr>
+        </p:nvSpPr>
+        <p:spPr/>
+        <p:txBody>
+          <a:bodyPr/>
+          <a:lstStyle/>
+          <a:p>
+            <a:r>
+              <a:rPr lang="en-US" dirty="0"/>
+              <a:t>Overview</a:t>
+            </a:r>
+          </a:p>
+        </p:txBody>
+      </p:sp>
+      <p:sp>
+        <p:nvSpPr>
+          <p:cNvPr id="4" name="Slide Number Placeholder 3"/>
+          <p:cNvSpPr>
+            <a:spLocks noGrp="1"/>
+          </p:cNvSpPr>
+          <p:nvPr>
+            <p:ph type="sldNum" sz="quarter" idx="5"/>
+          </p:nvPr>
+        </p:nvSpPr>
+        <p:spPr/>
+        <p:txBody>
+          <a:bodyPr/>
+          <a:lstStyle/>
+          <a:p>
+            <a:fld id="{CF9818CD-9A36-484E-9EC8-BC5DD93832BD}" type="slidenum">
+              <a:rPr lang="en-US" smtClean="0"/>
+              <a:t>7</a:t>
+            </a:fld>
+            <a:endParaRPr lang="en-US"/>
+          </a:p>
+        </p:txBody>
+      </p:sp>
+    </p:spTree>
+    <p:extLst>
+      <p:ext uri="{BB962C8B-B14F-4D97-AF65-F5344CB8AC3E}">
+        <p14:creationId xmlns:p14="http://schemas.microsoft.com/office/powerpoint/2010/main" val="267724840"/>
+      </p:ext>
+    </p:extLst>
+  </p:cSld>
+  <p:clrMapOvr>
+    <a:masterClrMapping/>
+  </p:clrMapOvr>
+</p:notes>
+</file>
+
+<file path=ppt/notesSlides/notesSlide8.xml><?xml version="1.0" encoding="utf-8"?>
+<p:notes xmlns:a="http://schemas.openxmlformats.org/drawingml/2006/main" xmlns:r="http://schemas.openxmlformats.org/officeDocument/2006/relationships" xmlns:p="http://schemas.openxmlformats.org/presentationml/2006/main">
+  <p:cSld>
+    <p:spTree>
+      <p:nvGrpSpPr>
+        <p:cNvPr id="1" name=""/>
+        <p:cNvGrpSpPr/>
+        <p:nvPr/>
+      </p:nvGrpSpPr>
+      <p:grpSpPr>
+        <a:xfrm>
+          <a:off x="0" y="0"/>
+          <a:ext cx="0" cy="0"/>
+          <a:chOff x="0" y="0"/>
+          <a:chExt cx="0" cy="0"/>
+        </a:xfrm>
+      </p:grpSpPr>
+      <p:sp>
+        <p:nvSpPr>
+          <p:cNvPr id="2" name="Slide Image Placeholder 1"/>
+          <p:cNvSpPr>
+            <a:spLocks noGrp="1" noRot="1" noChangeAspect="1"/>
+          </p:cNvSpPr>
+          <p:nvPr>
+            <p:ph type="sldImg"/>
+          </p:nvPr>
+        </p:nvSpPr>
+        <p:spPr/>
+      </p:sp>
+      <p:sp>
+        <p:nvSpPr>
+          <p:cNvPr id="3" name="Notes Placeholder 2"/>
+          <p:cNvSpPr>
+            <a:spLocks noGrp="1"/>
+          </p:cNvSpPr>
+          <p:nvPr>
+            <p:ph type="body" idx="1"/>
+          </p:nvPr>
+        </p:nvSpPr>
+        <p:spPr/>
+        <p:txBody>
+          <a:bodyPr/>
+          <a:lstStyle/>
+          <a:p>
+            <a:r>
+              <a:rPr lang="en-US" dirty="0"/>
+              <a:t>Overview</a:t>
+            </a:r>
+          </a:p>
+        </p:txBody>
+      </p:sp>
+      <p:sp>
+        <p:nvSpPr>
+          <p:cNvPr id="4" name="Slide Number Placeholder 3"/>
+          <p:cNvSpPr>
+            <a:spLocks noGrp="1"/>
+          </p:cNvSpPr>
+          <p:nvPr>
+            <p:ph type="sldNum" sz="quarter" idx="5"/>
+          </p:nvPr>
+        </p:nvSpPr>
+        <p:spPr/>
+        <p:txBody>
+          <a:bodyPr/>
+          <a:lstStyle/>
+          <a:p>
+            <a:fld id="{CF9818CD-9A36-484E-9EC8-BC5DD93832BD}" type="slidenum">
+              <a:rPr lang="en-US" smtClean="0"/>
+              <a:t>8</a:t>
+            </a:fld>
+            <a:endParaRPr lang="en-US"/>
+          </a:p>
+        </p:txBody>
+      </p:sp>
+    </p:spTree>
+    <p:extLst>
+      <p:ext uri="{BB962C8B-B14F-4D97-AF65-F5344CB8AC3E}">
+        <p14:creationId xmlns:p14="http://schemas.microsoft.com/office/powerpoint/2010/main" val="1337452173"/>
+      </p:ext>
+    </p:extLst>
+  </p:cSld>
+  <p:clrMapOvr>
+    <a:masterClrMapping/>
+  </p:clrMapOvr>
+</p:notes>
+</file>
+
+<file path=ppt/notesSlides/notesSlide9.xml><?xml version="1.0" encoding="utf-8"?>
+<p:notes xmlns:a="http://schemas.openxmlformats.org/drawingml/2006/main" xmlns:r="http://schemas.openxmlformats.org/officeDocument/2006/relationships" xmlns:p="http://schemas.openxmlformats.org/presentationml/2006/main">
+  <p:cSld>
+    <p:spTree>
+      <p:nvGrpSpPr>
+        <p:cNvPr id="1" name=""/>
+        <p:cNvGrpSpPr/>
+        <p:nvPr/>
+      </p:nvGrpSpPr>
+      <p:grpSpPr>
+        <a:xfrm>
+          <a:off x="0" y="0"/>
+          <a:ext cx="0" cy="0"/>
+          <a:chOff x="0" y="0"/>
+          <a:chExt cx="0" cy="0"/>
+        </a:xfrm>
+      </p:grpSpPr>
+      <p:sp>
+        <p:nvSpPr>
+          <p:cNvPr id="2" name="Slide Image Placeholder 1"/>
+          <p:cNvSpPr>
+            <a:spLocks noGrp="1" noRot="1" noChangeAspect="1"/>
+          </p:cNvSpPr>
+          <p:nvPr>
+            <p:ph type="sldImg"/>
+          </p:nvPr>
+        </p:nvSpPr>
+        <p:spPr/>
+      </p:sp>
+      <p:sp>
+        <p:nvSpPr>
+          <p:cNvPr id="3" name="Notes Placeholder 2"/>
+          <p:cNvSpPr>
+            <a:spLocks noGrp="1"/>
+          </p:cNvSpPr>
+          <p:nvPr>
+            <p:ph type="body" idx="1"/>
+          </p:nvPr>
+        </p:nvSpPr>
+        <p:spPr/>
+        <p:txBody>
+          <a:bodyPr/>
+          <a:lstStyle/>
+          <a:p>
+            <a:r>
+              <a:rPr lang="en-US" dirty="0"/>
+              <a:t>Overview</a:t>
+            </a:r>
+          </a:p>
+        </p:txBody>
+      </p:sp>
+      <p:sp>
+        <p:nvSpPr>
+          <p:cNvPr id="4" name="Slide Number Placeholder 3"/>
+          <p:cNvSpPr>
+            <a:spLocks noGrp="1"/>
+          </p:cNvSpPr>
+          <p:nvPr>
+            <p:ph type="sldNum" sz="quarter" idx="5"/>
+          </p:nvPr>
+        </p:nvSpPr>
+        <p:spPr/>
+        <p:txBody>
+          <a:bodyPr/>
+          <a:lstStyle/>
+          <a:p>
+            <a:fld id="{CF9818CD-9A36-484E-9EC8-BC5DD93832BD}" type="slidenum">
+              <a:rPr lang="en-US" smtClean="0"/>
+              <a:t>9</a:t>
+            </a:fld>
+            <a:endParaRPr lang="en-US"/>
+          </a:p>
+        </p:txBody>
+      </p:sp>
+    </p:spTree>
+    <p:extLst>
+      <p:ext uri="{BB962C8B-B14F-4D97-AF65-F5344CB8AC3E}">
+        <p14:creationId xmlns:p14="http://schemas.microsoft.com/office/powerpoint/2010/main" val="4145895740"/>
       </p:ext>
     </p:extLst>
   </p:cSld>
@@ -3922,6 +4802,14 @@
 <file path=ppt/slides/slide1.xml><?xml version="1.0" encoding="utf-8"?>
 <p:sld xmlns:a="http://schemas.openxmlformats.org/drawingml/2006/main" xmlns:r="http://schemas.openxmlformats.org/officeDocument/2006/relationships" xmlns:p="http://schemas.openxmlformats.org/presentationml/2006/main">
   <p:cSld>
+    <p:bg>
+      <p:bgPr>
+        <a:solidFill>
+          <a:srgbClr val="CE2D75"/>
+        </a:solidFill>
+        <a:effectLst/>
+      </p:bgPr>
+    </p:bg>
     <p:spTree>
       <p:nvGrpSpPr>
         <p:cNvPr id="1" name=""/>
@@ -3938,6 +4826,348 @@
       </p:grpSpPr>
       <p:sp>
         <p:nvSpPr>
+          <p:cNvPr id="4" name="Rectangle 3">
+            <a:extLst>
+              <a:ext uri="{FF2B5EF4-FFF2-40B4-BE49-F238E27FC236}">
+                <a16:creationId xmlns:a16="http://schemas.microsoft.com/office/drawing/2014/main" id="{901AEA60-5861-4788-93EB-2CCA0D370546}"/>
+              </a:ext>
+            </a:extLst>
+          </p:cNvPr>
+          <p:cNvSpPr/>
+          <p:nvPr/>
+        </p:nvSpPr>
+        <p:spPr>
+          <a:xfrm rot="10800000">
+            <a:off x="9714271" y="-2266335"/>
+            <a:ext cx="2477729" cy="12565626"/>
+          </a:xfrm>
+          <a:prstGeom prst="rect">
+            <a:avLst/>
+          </a:prstGeom>
+          <a:solidFill>
+            <a:srgbClr val="CE2D75"/>
+          </a:solidFill>
+          <a:ln>
+            <a:noFill/>
+          </a:ln>
+          <a:effectLst>
+            <a:innerShdw blurRad="546100" dist="50800">
+              <a:prstClr val="black">
+                <a:alpha val="45000"/>
+              </a:prstClr>
+            </a:innerShdw>
+          </a:effectLst>
+        </p:spPr>
+        <p:style>
+          <a:lnRef idx="2">
+            <a:schemeClr val="accent1">
+              <a:shade val="50000"/>
+            </a:schemeClr>
+          </a:lnRef>
+          <a:fillRef idx="1">
+            <a:schemeClr val="accent1"/>
+          </a:fillRef>
+          <a:effectRef idx="0">
+            <a:schemeClr val="accent1"/>
+          </a:effectRef>
+          <a:fontRef idx="minor">
+            <a:schemeClr val="lt1"/>
+          </a:fontRef>
+        </p:style>
+        <p:txBody>
+          <a:bodyPr rtlCol="0" anchor="ctr"/>
+          <a:lstStyle/>
+          <a:p>
+            <a:pPr algn="ctr"/>
+            <a:endParaRPr lang="en-US"/>
+          </a:p>
+        </p:txBody>
+      </p:sp>
+      <p:sp>
+        <p:nvSpPr>
+          <p:cNvPr id="5" name="Rectangle 4">
+            <a:extLst>
+              <a:ext uri="{FF2B5EF4-FFF2-40B4-BE49-F238E27FC236}">
+                <a16:creationId xmlns:a16="http://schemas.microsoft.com/office/drawing/2014/main" id="{3ECEB7EC-B435-4BEB-8BCF-8E69AA88CCAA}"/>
+              </a:ext>
+            </a:extLst>
+          </p:cNvPr>
+          <p:cNvSpPr/>
+          <p:nvPr/>
+        </p:nvSpPr>
+        <p:spPr>
+          <a:xfrm rot="10800000">
+            <a:off x="8038004" y="-2477729"/>
+            <a:ext cx="3416710" cy="13219471"/>
+          </a:xfrm>
+          <a:prstGeom prst="rect">
+            <a:avLst/>
+          </a:prstGeom>
+          <a:solidFill>
+            <a:srgbClr val="CE2D75"/>
+          </a:solidFill>
+          <a:ln>
+            <a:noFill/>
+          </a:ln>
+          <a:effectLst/>
+        </p:spPr>
+        <p:style>
+          <a:lnRef idx="2">
+            <a:schemeClr val="accent1">
+              <a:shade val="50000"/>
+            </a:schemeClr>
+          </a:lnRef>
+          <a:fillRef idx="1">
+            <a:schemeClr val="accent1"/>
+          </a:fillRef>
+          <a:effectRef idx="0">
+            <a:schemeClr val="accent1"/>
+          </a:effectRef>
+          <a:fontRef idx="minor">
+            <a:schemeClr val="lt1"/>
+          </a:fontRef>
+        </p:style>
+        <p:txBody>
+          <a:bodyPr rtlCol="0" anchor="ctr"/>
+          <a:lstStyle/>
+          <a:p>
+            <a:pPr algn="ctr"/>
+            <a:endParaRPr lang="en-US"/>
+          </a:p>
+        </p:txBody>
+      </p:sp>
+      <p:sp>
+        <p:nvSpPr>
+          <p:cNvPr id="6" name="Rectangle 5">
+            <a:extLst>
+              <a:ext uri="{FF2B5EF4-FFF2-40B4-BE49-F238E27FC236}">
+                <a16:creationId xmlns:a16="http://schemas.microsoft.com/office/drawing/2014/main" id="{8E2FCB8D-B69B-4166-8145-DD29CD06294A}"/>
+              </a:ext>
+            </a:extLst>
+          </p:cNvPr>
+          <p:cNvSpPr/>
+          <p:nvPr/>
+        </p:nvSpPr>
+        <p:spPr>
+          <a:xfrm>
+            <a:off x="0" y="-2477729"/>
+            <a:ext cx="2477729" cy="12565626"/>
+          </a:xfrm>
+          <a:prstGeom prst="rect">
+            <a:avLst/>
+          </a:prstGeom>
+          <a:solidFill>
+            <a:srgbClr val="CE2D75"/>
+          </a:solidFill>
+          <a:ln>
+            <a:noFill/>
+          </a:ln>
+          <a:effectLst>
+            <a:innerShdw blurRad="546100" dist="50800" dir="10800000">
+              <a:prstClr val="black">
+                <a:alpha val="45000"/>
+              </a:prstClr>
+            </a:innerShdw>
+          </a:effectLst>
+        </p:spPr>
+        <p:style>
+          <a:lnRef idx="2">
+            <a:schemeClr val="accent1">
+              <a:shade val="50000"/>
+            </a:schemeClr>
+          </a:lnRef>
+          <a:fillRef idx="1">
+            <a:schemeClr val="accent1"/>
+          </a:fillRef>
+          <a:effectRef idx="0">
+            <a:schemeClr val="accent1"/>
+          </a:effectRef>
+          <a:fontRef idx="minor">
+            <a:schemeClr val="lt1"/>
+          </a:fontRef>
+        </p:style>
+        <p:txBody>
+          <a:bodyPr rtlCol="0" anchor="ctr"/>
+          <a:lstStyle/>
+          <a:p>
+            <a:pPr algn="ctr"/>
+            <a:endParaRPr lang="en-US"/>
+          </a:p>
+        </p:txBody>
+      </p:sp>
+      <p:sp>
+        <p:nvSpPr>
+          <p:cNvPr id="7" name="Rectangle 6">
+            <a:extLst>
+              <a:ext uri="{FF2B5EF4-FFF2-40B4-BE49-F238E27FC236}">
+                <a16:creationId xmlns:a16="http://schemas.microsoft.com/office/drawing/2014/main" id="{B164EA4B-B3CA-4673-8790-B50A06397703}"/>
+              </a:ext>
+            </a:extLst>
+          </p:cNvPr>
+          <p:cNvSpPr/>
+          <p:nvPr/>
+        </p:nvSpPr>
+        <p:spPr>
+          <a:xfrm>
+            <a:off x="513403" y="-2920180"/>
+            <a:ext cx="3416710" cy="13219471"/>
+          </a:xfrm>
+          <a:prstGeom prst="rect">
+            <a:avLst/>
+          </a:prstGeom>
+          <a:solidFill>
+            <a:srgbClr val="CE2D75"/>
+          </a:solidFill>
+          <a:ln>
+            <a:noFill/>
+          </a:ln>
+          <a:effectLst/>
+        </p:spPr>
+        <p:style>
+          <a:lnRef idx="2">
+            <a:schemeClr val="accent1">
+              <a:shade val="50000"/>
+            </a:schemeClr>
+          </a:lnRef>
+          <a:fillRef idx="1">
+            <a:schemeClr val="accent1"/>
+          </a:fillRef>
+          <a:effectRef idx="0">
+            <a:schemeClr val="accent1"/>
+          </a:effectRef>
+          <a:fontRef idx="minor">
+            <a:schemeClr val="lt1"/>
+          </a:fontRef>
+        </p:style>
+        <p:txBody>
+          <a:bodyPr rtlCol="0" anchor="ctr"/>
+          <a:lstStyle/>
+          <a:p>
+            <a:pPr algn="ctr"/>
+            <a:endParaRPr lang="en-US"/>
+          </a:p>
+        </p:txBody>
+      </p:sp>
+      <p:sp>
+        <p:nvSpPr>
+          <p:cNvPr id="10" name="Rectangle 9">
+            <a:extLst>
+              <a:ext uri="{FF2B5EF4-FFF2-40B4-BE49-F238E27FC236}">
+                <a16:creationId xmlns:a16="http://schemas.microsoft.com/office/drawing/2014/main" id="{57163909-C420-49A8-BCDA-9839B477D6FD}"/>
+              </a:ext>
+            </a:extLst>
+          </p:cNvPr>
+          <p:cNvSpPr/>
+          <p:nvPr/>
+        </p:nvSpPr>
+        <p:spPr>
+          <a:xfrm>
+            <a:off x="10206681" y="-840259"/>
+            <a:ext cx="963827" cy="8501448"/>
+          </a:xfrm>
+          <a:prstGeom prst="rect">
+            <a:avLst/>
+          </a:prstGeom>
+          <a:solidFill>
+            <a:srgbClr val="861657"/>
+          </a:solidFill>
+          <a:ln>
+            <a:noFill/>
+          </a:ln>
+          <a:effectLst>
+            <a:outerShdw blurRad="63500" sx="102000" sy="102000" algn="ctr" rotWithShape="0">
+              <a:prstClr val="black">
+                <a:alpha val="40000"/>
+              </a:prstClr>
+            </a:outerShdw>
+          </a:effectLst>
+        </p:spPr>
+        <p:style>
+          <a:lnRef idx="2">
+            <a:schemeClr val="accent1">
+              <a:shade val="50000"/>
+            </a:schemeClr>
+          </a:lnRef>
+          <a:fillRef idx="1">
+            <a:schemeClr val="accent1"/>
+          </a:fillRef>
+          <a:effectRef idx="0">
+            <a:schemeClr val="accent1"/>
+          </a:effectRef>
+          <a:fontRef idx="minor">
+            <a:schemeClr val="lt1"/>
+          </a:fontRef>
+        </p:style>
+        <p:txBody>
+          <a:bodyPr rtlCol="0" anchor="ctr"/>
+          <a:lstStyle/>
+          <a:p>
+            <a:pPr algn="ctr"/>
+            <a:endParaRPr lang="en-US"/>
+          </a:p>
+        </p:txBody>
+      </p:sp>
+      <p:sp>
+        <p:nvSpPr>
+          <p:cNvPr id="11" name="Rectangle 10">
+            <a:extLst>
+              <a:ext uri="{FF2B5EF4-FFF2-40B4-BE49-F238E27FC236}">
+                <a16:creationId xmlns:a16="http://schemas.microsoft.com/office/drawing/2014/main" id="{58A64699-A33D-4BF2-B81D-02B3C7551A13}"/>
+              </a:ext>
+            </a:extLst>
+          </p:cNvPr>
+          <p:cNvSpPr/>
+          <p:nvPr/>
+        </p:nvSpPr>
+        <p:spPr>
+          <a:xfrm>
+            <a:off x="11372336" y="-821724"/>
+            <a:ext cx="243016" cy="8501448"/>
+          </a:xfrm>
+          <a:prstGeom prst="rect">
+            <a:avLst/>
+          </a:prstGeom>
+          <a:solidFill>
+            <a:srgbClr val="861657"/>
+          </a:solidFill>
+          <a:ln>
+            <a:noFill/>
+          </a:ln>
+          <a:effectLst>
+            <a:outerShdw blurRad="63500" sx="102000" sy="102000" algn="ctr" rotWithShape="0">
+              <a:prstClr val="black">
+                <a:alpha val="40000"/>
+              </a:prstClr>
+            </a:outerShdw>
+          </a:effectLst>
+        </p:spPr>
+        <p:style>
+          <a:lnRef idx="2">
+            <a:schemeClr val="accent1">
+              <a:shade val="50000"/>
+            </a:schemeClr>
+          </a:lnRef>
+          <a:fillRef idx="1">
+            <a:schemeClr val="accent1"/>
+          </a:fillRef>
+          <a:effectRef idx="0">
+            <a:schemeClr val="accent1"/>
+          </a:effectRef>
+          <a:fontRef idx="minor">
+            <a:schemeClr val="lt1"/>
+          </a:fontRef>
+        </p:style>
+        <p:txBody>
+          <a:bodyPr rtlCol="0" anchor="ctr"/>
+          <a:lstStyle/>
+          <a:p>
+            <a:pPr algn="ctr"/>
+            <a:endParaRPr lang="en-US"/>
+          </a:p>
+        </p:txBody>
+      </p:sp>
+      <p:sp>
+        <p:nvSpPr>
           <p:cNvPr id="2" name="Title 1">
             <a:extLst>
               <a:ext uri="{FF2B5EF4-FFF2-40B4-BE49-F238E27FC236}">
@@ -3954,14 +5184,28 @@
         </p:nvSpPr>
         <p:spPr/>
         <p:txBody>
-          <a:bodyPr/>
-          <a:lstStyle/>
-          <a:p>
-            <a:r>
-              <a:rPr lang="en-US" dirty="0" err="1"/>
+          <a:bodyPr>
+            <a:normAutofit/>
+          </a:bodyPr>
+          <a:lstStyle/>
+          <a:p>
+            <a:r>
+              <a:rPr lang="en-US" sz="8800" b="1" dirty="0" err="1">
+                <a:solidFill>
+                  <a:schemeClr val="bg1"/>
+                </a:solidFill>
+                <a:latin typeface="Assistant" panose="00000500000000000000" pitchFamily="50" charset="-79"/>
+                <a:cs typeface="Assistant" panose="00000500000000000000" pitchFamily="50" charset="-79"/>
+              </a:rPr>
               <a:t>GastroHub</a:t>
             </a:r>
-            <a:endParaRPr lang="en-US" dirty="0"/>
+            <a:endParaRPr lang="en-US" sz="8800" b="1" dirty="0">
+              <a:solidFill>
+                <a:schemeClr val="bg1"/>
+              </a:solidFill>
+              <a:latin typeface="Assistant" panose="00000500000000000000" pitchFamily="50" charset="-79"/>
+              <a:cs typeface="Assistant" panose="00000500000000000000" pitchFamily="50" charset="-79"/>
+            </a:endParaRPr>
           </a:p>
         </p:txBody>
       </p:sp>
@@ -3987,7 +5231,13 @@
           <a:lstStyle/>
           <a:p>
             <a:r>
-              <a:rPr lang="en-US" dirty="0"/>
+              <a:rPr lang="en-US" dirty="0">
+                <a:solidFill>
+                  <a:schemeClr val="bg1"/>
+                </a:solidFill>
+                <a:latin typeface="Assistant" panose="00000500000000000000" pitchFamily="50" charset="-79"/>
+                <a:cs typeface="Assistant" panose="00000500000000000000" pitchFamily="50" charset="-79"/>
+              </a:rPr>
               <a:t>Matt Imel</a:t>
             </a:r>
           </a:p>
@@ -4006,9 +5256,17 @@
 </p:sld>
 </file>
 
-<file path=ppt/slides/slide2.xml><?xml version="1.0" encoding="utf-8"?>
+<file path=ppt/slides/slide10.xml><?xml version="1.0" encoding="utf-8"?>
 <p:sld xmlns:a="http://schemas.openxmlformats.org/drawingml/2006/main" xmlns:r="http://schemas.openxmlformats.org/officeDocument/2006/relationships" xmlns:p="http://schemas.openxmlformats.org/presentationml/2006/main">
   <p:cSld>
+    <p:bg>
+      <p:bgPr>
+        <a:solidFill>
+          <a:srgbClr val="CE2D75"/>
+        </a:solidFill>
+        <a:effectLst/>
+      </p:bgPr>
+    </p:bg>
     <p:spTree>
       <p:nvGrpSpPr>
         <p:cNvPr id="1" name=""/>
@@ -4025,37 +5283,2568 @@
       </p:grpSpPr>
       <p:sp>
         <p:nvSpPr>
-          <p:cNvPr id="2" name="Title 1">
-            <a:extLst>
-              <a:ext uri="{FF2B5EF4-FFF2-40B4-BE49-F238E27FC236}">
-                <a16:creationId xmlns:a16="http://schemas.microsoft.com/office/drawing/2014/main" id="{67B9A95C-6DB0-41A4-BD14-6D984207D4AA}"/>
-              </a:ext>
-            </a:extLst>
-          </p:cNvPr>
-          <p:cNvSpPr>
-            <a:spLocks noGrp="1"/>
+          <p:cNvPr id="5" name="Rectangle 4">
+            <a:extLst>
+              <a:ext uri="{FF2B5EF4-FFF2-40B4-BE49-F238E27FC236}">
+                <a16:creationId xmlns:a16="http://schemas.microsoft.com/office/drawing/2014/main" id="{6EF79363-2E3F-42D2-9AB6-44D507EA6767}"/>
+              </a:ext>
+            </a:extLst>
+          </p:cNvPr>
+          <p:cNvSpPr/>
+          <p:nvPr/>
+        </p:nvSpPr>
+        <p:spPr>
+          <a:xfrm>
+            <a:off x="0" y="-2477729"/>
+            <a:ext cx="2477729" cy="12565626"/>
+          </a:xfrm>
+          <a:prstGeom prst="rect">
+            <a:avLst/>
+          </a:prstGeom>
+          <a:solidFill>
+            <a:srgbClr val="CE2D75"/>
+          </a:solidFill>
+          <a:ln>
+            <a:noFill/>
+          </a:ln>
+          <a:effectLst>
+            <a:innerShdw blurRad="546100" dist="50800" dir="10800000">
+              <a:prstClr val="black">
+                <a:alpha val="45000"/>
+              </a:prstClr>
+            </a:innerShdw>
+          </a:effectLst>
+        </p:spPr>
+        <p:style>
+          <a:lnRef idx="2">
+            <a:schemeClr val="accent1">
+              <a:shade val="50000"/>
+            </a:schemeClr>
+          </a:lnRef>
+          <a:fillRef idx="1">
+            <a:schemeClr val="accent1"/>
+          </a:fillRef>
+          <a:effectRef idx="0">
+            <a:schemeClr val="accent1"/>
+          </a:effectRef>
+          <a:fontRef idx="minor">
+            <a:schemeClr val="lt1"/>
+          </a:fontRef>
+        </p:style>
+        <p:txBody>
+          <a:bodyPr rtlCol="0" anchor="ctr"/>
+          <a:lstStyle/>
+          <a:p>
+            <a:pPr algn="ctr"/>
+            <a:endParaRPr lang="en-US"/>
+          </a:p>
+        </p:txBody>
+      </p:sp>
+      <p:sp>
+        <p:nvSpPr>
+          <p:cNvPr id="6" name="Rectangle 5">
+            <a:extLst>
+              <a:ext uri="{FF2B5EF4-FFF2-40B4-BE49-F238E27FC236}">
+                <a16:creationId xmlns:a16="http://schemas.microsoft.com/office/drawing/2014/main" id="{60654D08-5910-4876-9978-07BFCF66D0FD}"/>
+              </a:ext>
+            </a:extLst>
+          </p:cNvPr>
+          <p:cNvSpPr/>
+          <p:nvPr/>
+        </p:nvSpPr>
+        <p:spPr>
+          <a:xfrm>
+            <a:off x="513403" y="-2920180"/>
+            <a:ext cx="3416710" cy="13219471"/>
+          </a:xfrm>
+          <a:prstGeom prst="rect">
+            <a:avLst/>
+          </a:prstGeom>
+          <a:solidFill>
+            <a:srgbClr val="CE2D75"/>
+          </a:solidFill>
+          <a:ln>
+            <a:noFill/>
+          </a:ln>
+          <a:effectLst/>
+        </p:spPr>
+        <p:style>
+          <a:lnRef idx="2">
+            <a:schemeClr val="accent1">
+              <a:shade val="50000"/>
+            </a:schemeClr>
+          </a:lnRef>
+          <a:fillRef idx="1">
+            <a:schemeClr val="accent1"/>
+          </a:fillRef>
+          <a:effectRef idx="0">
+            <a:schemeClr val="accent1"/>
+          </a:effectRef>
+          <a:fontRef idx="minor">
+            <a:schemeClr val="lt1"/>
+          </a:fontRef>
+        </p:style>
+        <p:txBody>
+          <a:bodyPr rtlCol="0" anchor="ctr"/>
+          <a:lstStyle/>
+          <a:p>
+            <a:pPr algn="ctr"/>
+            <a:endParaRPr lang="en-US"/>
+          </a:p>
+        </p:txBody>
+      </p:sp>
+      <p:sp>
+        <p:nvSpPr>
+          <p:cNvPr id="4" name="Rectangle 3">
+            <a:extLst>
+              <a:ext uri="{FF2B5EF4-FFF2-40B4-BE49-F238E27FC236}">
+                <a16:creationId xmlns:a16="http://schemas.microsoft.com/office/drawing/2014/main" id="{DAEF528C-F486-4844-BD68-FBECBCCFDA0E}"/>
+              </a:ext>
+            </a:extLst>
+          </p:cNvPr>
+          <p:cNvSpPr/>
+          <p:nvPr/>
+        </p:nvSpPr>
+        <p:spPr>
+          <a:xfrm rot="10800000">
+            <a:off x="9714271" y="-2266335"/>
+            <a:ext cx="2477729" cy="12565626"/>
+          </a:xfrm>
+          <a:prstGeom prst="rect">
+            <a:avLst/>
+          </a:prstGeom>
+          <a:solidFill>
+            <a:srgbClr val="CE2D75"/>
+          </a:solidFill>
+          <a:ln>
+            <a:noFill/>
+          </a:ln>
+          <a:effectLst>
+            <a:innerShdw blurRad="546100" dist="50800">
+              <a:prstClr val="black">
+                <a:alpha val="45000"/>
+              </a:prstClr>
+            </a:innerShdw>
+          </a:effectLst>
+        </p:spPr>
+        <p:style>
+          <a:lnRef idx="2">
+            <a:schemeClr val="accent1">
+              <a:shade val="50000"/>
+            </a:schemeClr>
+          </a:lnRef>
+          <a:fillRef idx="1">
+            <a:schemeClr val="accent1"/>
+          </a:fillRef>
+          <a:effectRef idx="0">
+            <a:schemeClr val="accent1"/>
+          </a:effectRef>
+          <a:fontRef idx="minor">
+            <a:schemeClr val="lt1"/>
+          </a:fontRef>
+        </p:style>
+        <p:txBody>
+          <a:bodyPr rtlCol="0" anchor="ctr"/>
+          <a:lstStyle/>
+          <a:p>
+            <a:pPr algn="ctr"/>
+            <a:endParaRPr lang="en-US"/>
+          </a:p>
+        </p:txBody>
+      </p:sp>
+      <p:sp>
+        <p:nvSpPr>
+          <p:cNvPr id="7" name="Title 1">
+            <a:extLst>
+              <a:ext uri="{FF2B5EF4-FFF2-40B4-BE49-F238E27FC236}">
+                <a16:creationId xmlns:a16="http://schemas.microsoft.com/office/drawing/2014/main" id="{47DE1837-8B77-4128-BE1C-3D84A9B4CF32}"/>
+              </a:ext>
+            </a:extLst>
+          </p:cNvPr>
+          <p:cNvSpPr txBox="1">
+            <a:spLocks/>
           </p:cNvSpPr>
-          <p:nvPr>
-            <p:ph type="title"/>
-          </p:nvPr>
-        </p:nvSpPr>
-        <p:spPr/>
-        <p:txBody>
-          <a:bodyPr/>
-          <a:lstStyle/>
-          <a:p>
-            <a:r>
-              <a:rPr lang="en-US" dirty="0"/>
-              <a:t>What is </a:t>
-            </a:r>
-            <a:r>
-              <a:rPr lang="en-US" dirty="0" err="1"/>
-              <a:t>GastroHub</a:t>
-            </a:r>
-            <a:r>
-              <a:rPr lang="en-US" dirty="0"/>
-              <a:t>?</a:t>
-            </a:r>
+          <p:nvPr/>
+        </p:nvSpPr>
+        <p:spPr>
+          <a:xfrm>
+            <a:off x="838200" y="365125"/>
+            <a:ext cx="10515600" cy="1325563"/>
+          </a:xfrm>
+          <a:prstGeom prst="rect">
+            <a:avLst/>
+          </a:prstGeom>
+        </p:spPr>
+        <p:txBody>
+          <a:bodyPr vert="horz" lIns="91440" tIns="45720" rIns="91440" bIns="45720" rtlCol="0" anchor="ctr">
+            <a:normAutofit/>
+          </a:bodyPr>
+          <a:lstStyle>
+            <a:lvl1pPr algn="l" defTabSz="914400" rtl="0" eaLnBrk="1" latinLnBrk="0" hangingPunct="1">
+              <a:lnSpc>
+                <a:spcPct val="90000"/>
+              </a:lnSpc>
+              <a:spcBef>
+                <a:spcPct val="0"/>
+              </a:spcBef>
+              <a:buNone/>
+              <a:defRPr sz="4400" kern="1200">
+                <a:solidFill>
+                  <a:schemeClr val="tx1"/>
+                </a:solidFill>
+                <a:latin typeface="+mj-lt"/>
+                <a:ea typeface="+mj-ea"/>
+                <a:cs typeface="+mj-cs"/>
+              </a:defRPr>
+            </a:lvl1pPr>
+          </a:lstStyle>
+          <a:p>
+            <a:r>
+              <a:rPr lang="en-US" b="1" dirty="0">
+                <a:solidFill>
+                  <a:schemeClr val="bg1"/>
+                </a:solidFill>
+                <a:latin typeface="Assistant" panose="00000500000000000000" pitchFamily="50" charset="-79"/>
+                <a:cs typeface="Assistant" panose="00000500000000000000" pitchFamily="50" charset="-79"/>
+              </a:rPr>
+              <a:t>Browsing</a:t>
+            </a:r>
+          </a:p>
+        </p:txBody>
+      </p:sp>
+      <p:sp>
+        <p:nvSpPr>
+          <p:cNvPr id="9" name="Rectangle 8">
+            <a:extLst>
+              <a:ext uri="{FF2B5EF4-FFF2-40B4-BE49-F238E27FC236}">
+                <a16:creationId xmlns:a16="http://schemas.microsoft.com/office/drawing/2014/main" id="{454772E4-6AAC-412D-9D0C-D21C13596C94}"/>
+              </a:ext>
+            </a:extLst>
+          </p:cNvPr>
+          <p:cNvSpPr/>
+          <p:nvPr/>
+        </p:nvSpPr>
+        <p:spPr>
+          <a:xfrm>
+            <a:off x="10206681" y="-840259"/>
+            <a:ext cx="963827" cy="8501448"/>
+          </a:xfrm>
+          <a:prstGeom prst="rect">
+            <a:avLst/>
+          </a:prstGeom>
+          <a:solidFill>
+            <a:srgbClr val="861657"/>
+          </a:solidFill>
+          <a:ln>
+            <a:noFill/>
+          </a:ln>
+          <a:effectLst>
+            <a:outerShdw blurRad="63500" sx="102000" sy="102000" algn="ctr" rotWithShape="0">
+              <a:prstClr val="black">
+                <a:alpha val="40000"/>
+              </a:prstClr>
+            </a:outerShdw>
+          </a:effectLst>
+        </p:spPr>
+        <p:style>
+          <a:lnRef idx="2">
+            <a:schemeClr val="accent1">
+              <a:shade val="50000"/>
+            </a:schemeClr>
+          </a:lnRef>
+          <a:fillRef idx="1">
+            <a:schemeClr val="accent1"/>
+          </a:fillRef>
+          <a:effectRef idx="0">
+            <a:schemeClr val="accent1"/>
+          </a:effectRef>
+          <a:fontRef idx="minor">
+            <a:schemeClr val="lt1"/>
+          </a:fontRef>
+        </p:style>
+        <p:txBody>
+          <a:bodyPr rtlCol="0" anchor="ctr"/>
+          <a:lstStyle/>
+          <a:p>
+            <a:pPr algn="ctr"/>
+            <a:endParaRPr lang="en-US"/>
+          </a:p>
+        </p:txBody>
+      </p:sp>
+      <p:sp>
+        <p:nvSpPr>
+          <p:cNvPr id="10" name="Rectangle 9">
+            <a:extLst>
+              <a:ext uri="{FF2B5EF4-FFF2-40B4-BE49-F238E27FC236}">
+                <a16:creationId xmlns:a16="http://schemas.microsoft.com/office/drawing/2014/main" id="{4F77882A-6BC0-4C80-962C-0F0D7CD2BEC4}"/>
+              </a:ext>
+            </a:extLst>
+          </p:cNvPr>
+          <p:cNvSpPr/>
+          <p:nvPr/>
+        </p:nvSpPr>
+        <p:spPr>
+          <a:xfrm>
+            <a:off x="11372336" y="-821724"/>
+            <a:ext cx="243016" cy="8501448"/>
+          </a:xfrm>
+          <a:prstGeom prst="rect">
+            <a:avLst/>
+          </a:prstGeom>
+          <a:solidFill>
+            <a:srgbClr val="861657"/>
+          </a:solidFill>
+          <a:ln>
+            <a:noFill/>
+          </a:ln>
+          <a:effectLst>
+            <a:outerShdw blurRad="63500" sx="102000" sy="102000" algn="ctr" rotWithShape="0">
+              <a:prstClr val="black">
+                <a:alpha val="40000"/>
+              </a:prstClr>
+            </a:outerShdw>
+          </a:effectLst>
+        </p:spPr>
+        <p:style>
+          <a:lnRef idx="2">
+            <a:schemeClr val="accent1">
+              <a:shade val="50000"/>
+            </a:schemeClr>
+          </a:lnRef>
+          <a:fillRef idx="1">
+            <a:schemeClr val="accent1"/>
+          </a:fillRef>
+          <a:effectRef idx="0">
+            <a:schemeClr val="accent1"/>
+          </a:effectRef>
+          <a:fontRef idx="minor">
+            <a:schemeClr val="lt1"/>
+          </a:fontRef>
+        </p:style>
+        <p:txBody>
+          <a:bodyPr rtlCol="0" anchor="ctr"/>
+          <a:lstStyle/>
+          <a:p>
+            <a:pPr algn="ctr"/>
+            <a:endParaRPr lang="en-US"/>
+          </a:p>
+        </p:txBody>
+      </p:sp>
+      <p:sp>
+        <p:nvSpPr>
+          <p:cNvPr id="8" name="Content Placeholder 2">
+            <a:extLst>
+              <a:ext uri="{FF2B5EF4-FFF2-40B4-BE49-F238E27FC236}">
+                <a16:creationId xmlns:a16="http://schemas.microsoft.com/office/drawing/2014/main" id="{C2B5F962-E39D-4BF0-BF5A-9235BAD29A43}"/>
+              </a:ext>
+            </a:extLst>
+          </p:cNvPr>
+          <p:cNvSpPr txBox="1">
+            <a:spLocks/>
+          </p:cNvSpPr>
+          <p:nvPr/>
+        </p:nvSpPr>
+        <p:spPr>
+          <a:xfrm>
+            <a:off x="838200" y="1356853"/>
+            <a:ext cx="9166653" cy="5501147"/>
+          </a:xfrm>
+          <a:prstGeom prst="rect">
+            <a:avLst/>
+          </a:prstGeom>
+        </p:spPr>
+        <p:txBody>
+          <a:bodyPr vert="horz" lIns="91440" tIns="45720" rIns="91440" bIns="45720" rtlCol="0">
+            <a:normAutofit/>
+          </a:bodyPr>
+          <a:lstStyle>
+            <a:lvl1pPr marL="228600" indent="-228600" algn="l" defTabSz="914400" rtl="0" eaLnBrk="1" latinLnBrk="0" hangingPunct="1">
+              <a:lnSpc>
+                <a:spcPct val="90000"/>
+              </a:lnSpc>
+              <a:spcBef>
+                <a:spcPts val="1000"/>
+              </a:spcBef>
+              <a:buFont typeface="Arial" panose="020B0604020202020204" pitchFamily="34" charset="0"/>
+              <a:buChar char="•"/>
+              <a:defRPr sz="2800" kern="1200">
+                <a:solidFill>
+                  <a:schemeClr val="tx1"/>
+                </a:solidFill>
+                <a:latin typeface="+mn-lt"/>
+                <a:ea typeface="+mn-ea"/>
+                <a:cs typeface="+mn-cs"/>
+              </a:defRPr>
+            </a:lvl1pPr>
+            <a:lvl2pPr marL="685800" indent="-228600" algn="l" defTabSz="914400" rtl="0" eaLnBrk="1" latinLnBrk="0" hangingPunct="1">
+              <a:lnSpc>
+                <a:spcPct val="90000"/>
+              </a:lnSpc>
+              <a:spcBef>
+                <a:spcPts val="500"/>
+              </a:spcBef>
+              <a:buFont typeface="Arial" panose="020B0604020202020204" pitchFamily="34" charset="0"/>
+              <a:buChar char="•"/>
+              <a:defRPr sz="2400" kern="1200">
+                <a:solidFill>
+                  <a:schemeClr val="tx1"/>
+                </a:solidFill>
+                <a:latin typeface="+mn-lt"/>
+                <a:ea typeface="+mn-ea"/>
+                <a:cs typeface="+mn-cs"/>
+              </a:defRPr>
+            </a:lvl2pPr>
+            <a:lvl3pPr marL="1143000" indent="-228600" algn="l" defTabSz="914400" rtl="0" eaLnBrk="1" latinLnBrk="0" hangingPunct="1">
+              <a:lnSpc>
+                <a:spcPct val="90000"/>
+              </a:lnSpc>
+              <a:spcBef>
+                <a:spcPts val="500"/>
+              </a:spcBef>
+              <a:buFont typeface="Arial" panose="020B0604020202020204" pitchFamily="34" charset="0"/>
+              <a:buChar char="•"/>
+              <a:defRPr sz="2000" kern="1200">
+                <a:solidFill>
+                  <a:schemeClr val="tx1"/>
+                </a:solidFill>
+                <a:latin typeface="+mn-lt"/>
+                <a:ea typeface="+mn-ea"/>
+                <a:cs typeface="+mn-cs"/>
+              </a:defRPr>
+            </a:lvl3pPr>
+            <a:lvl4pPr marL="1600200" indent="-228600" algn="l" defTabSz="914400" rtl="0" eaLnBrk="1" latinLnBrk="0" hangingPunct="1">
+              <a:lnSpc>
+                <a:spcPct val="90000"/>
+              </a:lnSpc>
+              <a:spcBef>
+                <a:spcPts val="500"/>
+              </a:spcBef>
+              <a:buFont typeface="Arial" panose="020B0604020202020204" pitchFamily="34" charset="0"/>
+              <a:buChar char="•"/>
+              <a:defRPr sz="1800" kern="1200">
+                <a:solidFill>
+                  <a:schemeClr val="tx1"/>
+                </a:solidFill>
+                <a:latin typeface="+mn-lt"/>
+                <a:ea typeface="+mn-ea"/>
+                <a:cs typeface="+mn-cs"/>
+              </a:defRPr>
+            </a:lvl4pPr>
+            <a:lvl5pPr marL="2057400" indent="-228600" algn="l" defTabSz="914400" rtl="0" eaLnBrk="1" latinLnBrk="0" hangingPunct="1">
+              <a:lnSpc>
+                <a:spcPct val="90000"/>
+              </a:lnSpc>
+              <a:spcBef>
+                <a:spcPts val="500"/>
+              </a:spcBef>
+              <a:buFont typeface="Arial" panose="020B0604020202020204" pitchFamily="34" charset="0"/>
+              <a:buChar char="•"/>
+              <a:defRPr sz="1800" kern="1200">
+                <a:solidFill>
+                  <a:schemeClr val="tx1"/>
+                </a:solidFill>
+                <a:latin typeface="+mn-lt"/>
+                <a:ea typeface="+mn-ea"/>
+                <a:cs typeface="+mn-cs"/>
+              </a:defRPr>
+            </a:lvl5pPr>
+            <a:lvl6pPr marL="2514600" indent="-228600" algn="l" defTabSz="914400" rtl="0" eaLnBrk="1" latinLnBrk="0" hangingPunct="1">
+              <a:lnSpc>
+                <a:spcPct val="90000"/>
+              </a:lnSpc>
+              <a:spcBef>
+                <a:spcPts val="500"/>
+              </a:spcBef>
+              <a:buFont typeface="Arial" panose="020B0604020202020204" pitchFamily="34" charset="0"/>
+              <a:buChar char="•"/>
+              <a:defRPr sz="1800" kern="1200">
+                <a:solidFill>
+                  <a:schemeClr val="tx1"/>
+                </a:solidFill>
+                <a:latin typeface="+mn-lt"/>
+                <a:ea typeface="+mn-ea"/>
+                <a:cs typeface="+mn-cs"/>
+              </a:defRPr>
+            </a:lvl6pPr>
+            <a:lvl7pPr marL="2971800" indent="-228600" algn="l" defTabSz="914400" rtl="0" eaLnBrk="1" latinLnBrk="0" hangingPunct="1">
+              <a:lnSpc>
+                <a:spcPct val="90000"/>
+              </a:lnSpc>
+              <a:spcBef>
+                <a:spcPts val="500"/>
+              </a:spcBef>
+              <a:buFont typeface="Arial" panose="020B0604020202020204" pitchFamily="34" charset="0"/>
+              <a:buChar char="•"/>
+              <a:defRPr sz="1800" kern="1200">
+                <a:solidFill>
+                  <a:schemeClr val="tx1"/>
+                </a:solidFill>
+                <a:latin typeface="+mn-lt"/>
+                <a:ea typeface="+mn-ea"/>
+                <a:cs typeface="+mn-cs"/>
+              </a:defRPr>
+            </a:lvl7pPr>
+            <a:lvl8pPr marL="3429000" indent="-228600" algn="l" defTabSz="914400" rtl="0" eaLnBrk="1" latinLnBrk="0" hangingPunct="1">
+              <a:lnSpc>
+                <a:spcPct val="90000"/>
+              </a:lnSpc>
+              <a:spcBef>
+                <a:spcPts val="500"/>
+              </a:spcBef>
+              <a:buFont typeface="Arial" panose="020B0604020202020204" pitchFamily="34" charset="0"/>
+              <a:buChar char="•"/>
+              <a:defRPr sz="1800" kern="1200">
+                <a:solidFill>
+                  <a:schemeClr val="tx1"/>
+                </a:solidFill>
+                <a:latin typeface="+mn-lt"/>
+                <a:ea typeface="+mn-ea"/>
+                <a:cs typeface="+mn-cs"/>
+              </a:defRPr>
+            </a:lvl8pPr>
+            <a:lvl9pPr marL="3886200" indent="-228600" algn="l" defTabSz="914400" rtl="0" eaLnBrk="1" latinLnBrk="0" hangingPunct="1">
+              <a:lnSpc>
+                <a:spcPct val="90000"/>
+              </a:lnSpc>
+              <a:spcBef>
+                <a:spcPts val="500"/>
+              </a:spcBef>
+              <a:buFont typeface="Arial" panose="020B0604020202020204" pitchFamily="34" charset="0"/>
+              <a:buChar char="•"/>
+              <a:defRPr sz="1800" kern="1200">
+                <a:solidFill>
+                  <a:schemeClr val="tx1"/>
+                </a:solidFill>
+                <a:latin typeface="+mn-lt"/>
+                <a:ea typeface="+mn-ea"/>
+                <a:cs typeface="+mn-cs"/>
+              </a:defRPr>
+            </a:lvl9pPr>
+          </a:lstStyle>
+          <a:p>
+            <a:pPr marL="0" indent="0">
+              <a:buFont typeface="Arial" panose="020B0604020202020204" pitchFamily="34" charset="0"/>
+              <a:buNone/>
+            </a:pPr>
+            <a:r>
+              <a:rPr lang="en-US" dirty="0">
+                <a:solidFill>
+                  <a:schemeClr val="bg1"/>
+                </a:solidFill>
+                <a:effectLst>
+                  <a:outerShdw blurRad="38100" dist="38100" dir="2700000" algn="tl">
+                    <a:srgbClr val="000000">
+                      <a:alpha val="43137"/>
+                    </a:srgbClr>
+                  </a:outerShdw>
+                </a:effectLst>
+                <a:latin typeface="Assistant" panose="00000500000000000000" pitchFamily="50" charset="-79"/>
+                <a:cs typeface="Assistant" panose="00000500000000000000" pitchFamily="50" charset="-79"/>
+              </a:rPr>
+              <a:t>Allows searching all posts by either </a:t>
+            </a:r>
+            <a:r>
+              <a:rPr lang="en-US" b="1" dirty="0">
+                <a:solidFill>
+                  <a:schemeClr val="bg1"/>
+                </a:solidFill>
+                <a:effectLst>
+                  <a:outerShdw blurRad="38100" dist="38100" dir="2700000" algn="tl">
+                    <a:srgbClr val="000000">
+                      <a:alpha val="43137"/>
+                    </a:srgbClr>
+                  </a:outerShdw>
+                </a:effectLst>
+                <a:latin typeface="Assistant" panose="00000500000000000000" pitchFamily="50" charset="-79"/>
+                <a:cs typeface="Assistant" panose="00000500000000000000" pitchFamily="50" charset="-79"/>
+              </a:rPr>
+              <a:t>name</a:t>
+            </a:r>
+            <a:r>
+              <a:rPr lang="en-US" dirty="0">
+                <a:solidFill>
+                  <a:schemeClr val="bg1"/>
+                </a:solidFill>
+                <a:effectLst>
+                  <a:outerShdw blurRad="38100" dist="38100" dir="2700000" algn="tl">
+                    <a:srgbClr val="000000">
+                      <a:alpha val="43137"/>
+                    </a:srgbClr>
+                  </a:outerShdw>
+                </a:effectLst>
+                <a:latin typeface="Assistant" panose="00000500000000000000" pitchFamily="50" charset="-79"/>
+                <a:cs typeface="Assistant" panose="00000500000000000000" pitchFamily="50" charset="-79"/>
+              </a:rPr>
+              <a:t>, </a:t>
+            </a:r>
+            <a:r>
+              <a:rPr lang="en-US" b="1" dirty="0">
+                <a:solidFill>
+                  <a:schemeClr val="bg1"/>
+                </a:solidFill>
+                <a:effectLst>
+                  <a:outerShdw blurRad="38100" dist="38100" dir="2700000" algn="tl">
+                    <a:srgbClr val="000000">
+                      <a:alpha val="43137"/>
+                    </a:srgbClr>
+                  </a:outerShdw>
+                </a:effectLst>
+                <a:latin typeface="Assistant" panose="00000500000000000000" pitchFamily="50" charset="-79"/>
+                <a:cs typeface="Assistant" panose="00000500000000000000" pitchFamily="50" charset="-79"/>
+              </a:rPr>
+              <a:t>tags</a:t>
+            </a:r>
+            <a:r>
+              <a:rPr lang="en-US" dirty="0">
+                <a:solidFill>
+                  <a:schemeClr val="bg1"/>
+                </a:solidFill>
+                <a:effectLst>
+                  <a:outerShdw blurRad="38100" dist="38100" dir="2700000" algn="tl">
+                    <a:srgbClr val="000000">
+                      <a:alpha val="43137"/>
+                    </a:srgbClr>
+                  </a:outerShdw>
+                </a:effectLst>
+                <a:latin typeface="Assistant" panose="00000500000000000000" pitchFamily="50" charset="-79"/>
+                <a:cs typeface="Assistant" panose="00000500000000000000" pitchFamily="50" charset="-79"/>
+              </a:rPr>
+              <a:t>, or </a:t>
+            </a:r>
+            <a:r>
+              <a:rPr lang="en-US" b="1" dirty="0">
+                <a:solidFill>
+                  <a:schemeClr val="bg1"/>
+                </a:solidFill>
+                <a:effectLst>
+                  <a:outerShdw blurRad="38100" dist="38100" dir="2700000" algn="tl">
+                    <a:srgbClr val="000000">
+                      <a:alpha val="43137"/>
+                    </a:srgbClr>
+                  </a:outerShdw>
+                </a:effectLst>
+                <a:latin typeface="Assistant" panose="00000500000000000000" pitchFamily="50" charset="-79"/>
+                <a:cs typeface="Assistant" panose="00000500000000000000" pitchFamily="50" charset="-79"/>
+              </a:rPr>
+              <a:t>both</a:t>
+            </a:r>
+            <a:r>
+              <a:rPr lang="en-US" dirty="0">
+                <a:solidFill>
+                  <a:schemeClr val="bg1"/>
+                </a:solidFill>
+                <a:effectLst>
+                  <a:outerShdw blurRad="38100" dist="38100" dir="2700000" algn="tl">
+                    <a:srgbClr val="000000">
+                      <a:alpha val="43137"/>
+                    </a:srgbClr>
+                  </a:outerShdw>
+                </a:effectLst>
+                <a:latin typeface="Assistant" panose="00000500000000000000" pitchFamily="50" charset="-79"/>
+                <a:cs typeface="Assistant" panose="00000500000000000000" pitchFamily="50" charset="-79"/>
+              </a:rPr>
+              <a:t>.</a:t>
+            </a:r>
+          </a:p>
+          <a:p>
+            <a:pPr marL="0" indent="0">
+              <a:buFont typeface="Arial" panose="020B0604020202020204" pitchFamily="34" charset="0"/>
+              <a:buNone/>
+            </a:pPr>
+            <a:r>
+              <a:rPr lang="en-US" dirty="0">
+                <a:solidFill>
+                  <a:schemeClr val="bg1"/>
+                </a:solidFill>
+                <a:effectLst>
+                  <a:outerShdw blurRad="38100" dist="38100" dir="2700000" algn="tl">
+                    <a:srgbClr val="000000">
+                      <a:alpha val="43137"/>
+                    </a:srgbClr>
+                  </a:outerShdw>
+                </a:effectLst>
+                <a:latin typeface="Assistant" panose="00000500000000000000" pitchFamily="50" charset="-79"/>
+                <a:cs typeface="Assistant" panose="00000500000000000000" pitchFamily="50" charset="-79"/>
+              </a:rPr>
+              <a:t>Does </a:t>
+            </a:r>
+            <a:r>
+              <a:rPr lang="en-US" i="1" dirty="0">
+                <a:solidFill>
+                  <a:schemeClr val="bg1"/>
+                </a:solidFill>
+                <a:effectLst>
+                  <a:outerShdw blurRad="38100" dist="38100" dir="2700000" algn="tl">
+                    <a:srgbClr val="000000">
+                      <a:alpha val="43137"/>
+                    </a:srgbClr>
+                  </a:outerShdw>
+                </a:effectLst>
+                <a:latin typeface="Assistant" panose="00000500000000000000" pitchFamily="50" charset="-79"/>
+                <a:cs typeface="Assistant" panose="00000500000000000000" pitchFamily="50" charset="-79"/>
+              </a:rPr>
+              <a:t>not </a:t>
+            </a:r>
+            <a:r>
+              <a:rPr lang="en-US" dirty="0">
+                <a:solidFill>
+                  <a:schemeClr val="bg1"/>
+                </a:solidFill>
+                <a:effectLst>
+                  <a:outerShdw blurRad="38100" dist="38100" dir="2700000" algn="tl">
+                    <a:srgbClr val="000000">
+                      <a:alpha val="43137"/>
+                    </a:srgbClr>
+                  </a:outerShdw>
+                </a:effectLst>
+                <a:latin typeface="Assistant" panose="00000500000000000000" pitchFamily="50" charset="-79"/>
+                <a:cs typeface="Assistant" panose="00000500000000000000" pitchFamily="50" charset="-79"/>
+              </a:rPr>
+              <a:t>search for variants.</a:t>
+            </a:r>
+          </a:p>
+        </p:txBody>
+      </p:sp>
+    </p:spTree>
+    <p:extLst>
+      <p:ext uri="{BB962C8B-B14F-4D97-AF65-F5344CB8AC3E}">
+        <p14:creationId xmlns:p14="http://schemas.microsoft.com/office/powerpoint/2010/main" val="1232767942"/>
+      </p:ext>
+    </p:extLst>
+  </p:cSld>
+  <p:clrMapOvr>
+    <a:masterClrMapping/>
+  </p:clrMapOvr>
+</p:sld>
+</file>
+
+<file path=ppt/slides/slide11.xml><?xml version="1.0" encoding="utf-8"?>
+<p:sld xmlns:a="http://schemas.openxmlformats.org/drawingml/2006/main" xmlns:r="http://schemas.openxmlformats.org/officeDocument/2006/relationships" xmlns:p="http://schemas.openxmlformats.org/presentationml/2006/main">
+  <p:cSld>
+    <p:bg>
+      <p:bgPr>
+        <a:solidFill>
+          <a:srgbClr val="CE2D75"/>
+        </a:solidFill>
+        <a:effectLst/>
+      </p:bgPr>
+    </p:bg>
+    <p:spTree>
+      <p:nvGrpSpPr>
+        <p:cNvPr id="1" name=""/>
+        <p:cNvGrpSpPr/>
+        <p:nvPr/>
+      </p:nvGrpSpPr>
+      <p:grpSpPr>
+        <a:xfrm>
+          <a:off x="0" y="0"/>
+          <a:ext cx="0" cy="0"/>
+          <a:chOff x="0" y="0"/>
+          <a:chExt cx="0" cy="0"/>
+        </a:xfrm>
+      </p:grpSpPr>
+      <p:sp>
+        <p:nvSpPr>
+          <p:cNvPr id="5" name="Rectangle 4">
+            <a:extLst>
+              <a:ext uri="{FF2B5EF4-FFF2-40B4-BE49-F238E27FC236}">
+                <a16:creationId xmlns:a16="http://schemas.microsoft.com/office/drawing/2014/main" id="{6EF79363-2E3F-42D2-9AB6-44D507EA6767}"/>
+              </a:ext>
+            </a:extLst>
+          </p:cNvPr>
+          <p:cNvSpPr/>
+          <p:nvPr/>
+        </p:nvSpPr>
+        <p:spPr>
+          <a:xfrm>
+            <a:off x="0" y="-2477729"/>
+            <a:ext cx="2477729" cy="12565626"/>
+          </a:xfrm>
+          <a:prstGeom prst="rect">
+            <a:avLst/>
+          </a:prstGeom>
+          <a:solidFill>
+            <a:srgbClr val="CE2D75"/>
+          </a:solidFill>
+          <a:ln>
+            <a:noFill/>
+          </a:ln>
+          <a:effectLst>
+            <a:innerShdw blurRad="546100" dist="50800" dir="10800000">
+              <a:prstClr val="black">
+                <a:alpha val="45000"/>
+              </a:prstClr>
+            </a:innerShdw>
+          </a:effectLst>
+        </p:spPr>
+        <p:style>
+          <a:lnRef idx="2">
+            <a:schemeClr val="accent1">
+              <a:shade val="50000"/>
+            </a:schemeClr>
+          </a:lnRef>
+          <a:fillRef idx="1">
+            <a:schemeClr val="accent1"/>
+          </a:fillRef>
+          <a:effectRef idx="0">
+            <a:schemeClr val="accent1"/>
+          </a:effectRef>
+          <a:fontRef idx="minor">
+            <a:schemeClr val="lt1"/>
+          </a:fontRef>
+        </p:style>
+        <p:txBody>
+          <a:bodyPr rtlCol="0" anchor="ctr"/>
+          <a:lstStyle/>
+          <a:p>
+            <a:pPr algn="ctr"/>
+            <a:endParaRPr lang="en-US"/>
+          </a:p>
+        </p:txBody>
+      </p:sp>
+      <p:sp>
+        <p:nvSpPr>
+          <p:cNvPr id="6" name="Rectangle 5">
+            <a:extLst>
+              <a:ext uri="{FF2B5EF4-FFF2-40B4-BE49-F238E27FC236}">
+                <a16:creationId xmlns:a16="http://schemas.microsoft.com/office/drawing/2014/main" id="{60654D08-5910-4876-9978-07BFCF66D0FD}"/>
+              </a:ext>
+            </a:extLst>
+          </p:cNvPr>
+          <p:cNvSpPr/>
+          <p:nvPr/>
+        </p:nvSpPr>
+        <p:spPr>
+          <a:xfrm>
+            <a:off x="513403" y="-2920180"/>
+            <a:ext cx="3416710" cy="13219471"/>
+          </a:xfrm>
+          <a:prstGeom prst="rect">
+            <a:avLst/>
+          </a:prstGeom>
+          <a:solidFill>
+            <a:srgbClr val="CE2D75"/>
+          </a:solidFill>
+          <a:ln>
+            <a:noFill/>
+          </a:ln>
+          <a:effectLst/>
+        </p:spPr>
+        <p:style>
+          <a:lnRef idx="2">
+            <a:schemeClr val="accent1">
+              <a:shade val="50000"/>
+            </a:schemeClr>
+          </a:lnRef>
+          <a:fillRef idx="1">
+            <a:schemeClr val="accent1"/>
+          </a:fillRef>
+          <a:effectRef idx="0">
+            <a:schemeClr val="accent1"/>
+          </a:effectRef>
+          <a:fontRef idx="minor">
+            <a:schemeClr val="lt1"/>
+          </a:fontRef>
+        </p:style>
+        <p:txBody>
+          <a:bodyPr rtlCol="0" anchor="ctr"/>
+          <a:lstStyle/>
+          <a:p>
+            <a:pPr algn="ctr"/>
+            <a:endParaRPr lang="en-US"/>
+          </a:p>
+        </p:txBody>
+      </p:sp>
+      <p:sp>
+        <p:nvSpPr>
+          <p:cNvPr id="4" name="Rectangle 3">
+            <a:extLst>
+              <a:ext uri="{FF2B5EF4-FFF2-40B4-BE49-F238E27FC236}">
+                <a16:creationId xmlns:a16="http://schemas.microsoft.com/office/drawing/2014/main" id="{DAEF528C-F486-4844-BD68-FBECBCCFDA0E}"/>
+              </a:ext>
+            </a:extLst>
+          </p:cNvPr>
+          <p:cNvSpPr/>
+          <p:nvPr/>
+        </p:nvSpPr>
+        <p:spPr>
+          <a:xfrm rot="10800000">
+            <a:off x="9714271" y="-2266335"/>
+            <a:ext cx="2477729" cy="12565626"/>
+          </a:xfrm>
+          <a:prstGeom prst="rect">
+            <a:avLst/>
+          </a:prstGeom>
+          <a:solidFill>
+            <a:srgbClr val="CE2D75"/>
+          </a:solidFill>
+          <a:ln>
+            <a:noFill/>
+          </a:ln>
+          <a:effectLst>
+            <a:innerShdw blurRad="546100" dist="50800">
+              <a:prstClr val="black">
+                <a:alpha val="45000"/>
+              </a:prstClr>
+            </a:innerShdw>
+          </a:effectLst>
+        </p:spPr>
+        <p:style>
+          <a:lnRef idx="2">
+            <a:schemeClr val="accent1">
+              <a:shade val="50000"/>
+            </a:schemeClr>
+          </a:lnRef>
+          <a:fillRef idx="1">
+            <a:schemeClr val="accent1"/>
+          </a:fillRef>
+          <a:effectRef idx="0">
+            <a:schemeClr val="accent1"/>
+          </a:effectRef>
+          <a:fontRef idx="minor">
+            <a:schemeClr val="lt1"/>
+          </a:fontRef>
+        </p:style>
+        <p:txBody>
+          <a:bodyPr rtlCol="0" anchor="ctr"/>
+          <a:lstStyle/>
+          <a:p>
+            <a:pPr algn="ctr"/>
+            <a:endParaRPr lang="en-US"/>
+          </a:p>
+        </p:txBody>
+      </p:sp>
+      <p:sp>
+        <p:nvSpPr>
+          <p:cNvPr id="7" name="Title 1">
+            <a:extLst>
+              <a:ext uri="{FF2B5EF4-FFF2-40B4-BE49-F238E27FC236}">
+                <a16:creationId xmlns:a16="http://schemas.microsoft.com/office/drawing/2014/main" id="{47DE1837-8B77-4128-BE1C-3D84A9B4CF32}"/>
+              </a:ext>
+            </a:extLst>
+          </p:cNvPr>
+          <p:cNvSpPr txBox="1">
+            <a:spLocks/>
+          </p:cNvSpPr>
+          <p:nvPr/>
+        </p:nvSpPr>
+        <p:spPr>
+          <a:xfrm>
+            <a:off x="838200" y="365125"/>
+            <a:ext cx="10515600" cy="1325563"/>
+          </a:xfrm>
+          <a:prstGeom prst="rect">
+            <a:avLst/>
+          </a:prstGeom>
+        </p:spPr>
+        <p:txBody>
+          <a:bodyPr vert="horz" lIns="91440" tIns="45720" rIns="91440" bIns="45720" rtlCol="0" anchor="ctr">
+            <a:normAutofit/>
+          </a:bodyPr>
+          <a:lstStyle>
+            <a:lvl1pPr algn="l" defTabSz="914400" rtl="0" eaLnBrk="1" latinLnBrk="0" hangingPunct="1">
+              <a:lnSpc>
+                <a:spcPct val="90000"/>
+              </a:lnSpc>
+              <a:spcBef>
+                <a:spcPct val="0"/>
+              </a:spcBef>
+              <a:buNone/>
+              <a:defRPr sz="4400" kern="1200">
+                <a:solidFill>
+                  <a:schemeClr val="tx1"/>
+                </a:solidFill>
+                <a:latin typeface="+mj-lt"/>
+                <a:ea typeface="+mj-ea"/>
+                <a:cs typeface="+mj-cs"/>
+              </a:defRPr>
+            </a:lvl1pPr>
+          </a:lstStyle>
+          <a:p>
+            <a:endParaRPr lang="en-US" b="1" dirty="0">
+              <a:solidFill>
+                <a:schemeClr val="bg1"/>
+              </a:solidFill>
+              <a:latin typeface="Assistant" panose="00000500000000000000" pitchFamily="50" charset="-79"/>
+              <a:cs typeface="Assistant" panose="00000500000000000000" pitchFamily="50" charset="-79"/>
+            </a:endParaRPr>
+          </a:p>
+        </p:txBody>
+      </p:sp>
+      <p:sp>
+        <p:nvSpPr>
+          <p:cNvPr id="9" name="Rectangle 8">
+            <a:extLst>
+              <a:ext uri="{FF2B5EF4-FFF2-40B4-BE49-F238E27FC236}">
+                <a16:creationId xmlns:a16="http://schemas.microsoft.com/office/drawing/2014/main" id="{454772E4-6AAC-412D-9D0C-D21C13596C94}"/>
+              </a:ext>
+            </a:extLst>
+          </p:cNvPr>
+          <p:cNvSpPr/>
+          <p:nvPr/>
+        </p:nvSpPr>
+        <p:spPr>
+          <a:xfrm>
+            <a:off x="10206681" y="-840259"/>
+            <a:ext cx="963827" cy="8501448"/>
+          </a:xfrm>
+          <a:prstGeom prst="rect">
+            <a:avLst/>
+          </a:prstGeom>
+          <a:solidFill>
+            <a:srgbClr val="861657"/>
+          </a:solidFill>
+          <a:ln>
+            <a:noFill/>
+          </a:ln>
+          <a:effectLst>
+            <a:outerShdw blurRad="63500" sx="102000" sy="102000" algn="ctr" rotWithShape="0">
+              <a:prstClr val="black">
+                <a:alpha val="40000"/>
+              </a:prstClr>
+            </a:outerShdw>
+          </a:effectLst>
+        </p:spPr>
+        <p:style>
+          <a:lnRef idx="2">
+            <a:schemeClr val="accent1">
+              <a:shade val="50000"/>
+            </a:schemeClr>
+          </a:lnRef>
+          <a:fillRef idx="1">
+            <a:schemeClr val="accent1"/>
+          </a:fillRef>
+          <a:effectRef idx="0">
+            <a:schemeClr val="accent1"/>
+          </a:effectRef>
+          <a:fontRef idx="minor">
+            <a:schemeClr val="lt1"/>
+          </a:fontRef>
+        </p:style>
+        <p:txBody>
+          <a:bodyPr rtlCol="0" anchor="ctr"/>
+          <a:lstStyle/>
+          <a:p>
+            <a:pPr algn="ctr"/>
+            <a:endParaRPr lang="en-US"/>
+          </a:p>
+        </p:txBody>
+      </p:sp>
+      <p:sp>
+        <p:nvSpPr>
+          <p:cNvPr id="10" name="Rectangle 9">
+            <a:extLst>
+              <a:ext uri="{FF2B5EF4-FFF2-40B4-BE49-F238E27FC236}">
+                <a16:creationId xmlns:a16="http://schemas.microsoft.com/office/drawing/2014/main" id="{4F77882A-6BC0-4C80-962C-0F0D7CD2BEC4}"/>
+              </a:ext>
+            </a:extLst>
+          </p:cNvPr>
+          <p:cNvSpPr/>
+          <p:nvPr/>
+        </p:nvSpPr>
+        <p:spPr>
+          <a:xfrm>
+            <a:off x="11372336" y="-821724"/>
+            <a:ext cx="243016" cy="8501448"/>
+          </a:xfrm>
+          <a:prstGeom prst="rect">
+            <a:avLst/>
+          </a:prstGeom>
+          <a:solidFill>
+            <a:srgbClr val="861657"/>
+          </a:solidFill>
+          <a:ln>
+            <a:noFill/>
+          </a:ln>
+          <a:effectLst>
+            <a:outerShdw blurRad="63500" sx="102000" sy="102000" algn="ctr" rotWithShape="0">
+              <a:prstClr val="black">
+                <a:alpha val="40000"/>
+              </a:prstClr>
+            </a:outerShdw>
+          </a:effectLst>
+        </p:spPr>
+        <p:style>
+          <a:lnRef idx="2">
+            <a:schemeClr val="accent1">
+              <a:shade val="50000"/>
+            </a:schemeClr>
+          </a:lnRef>
+          <a:fillRef idx="1">
+            <a:schemeClr val="accent1"/>
+          </a:fillRef>
+          <a:effectRef idx="0">
+            <a:schemeClr val="accent1"/>
+          </a:effectRef>
+          <a:fontRef idx="minor">
+            <a:schemeClr val="lt1"/>
+          </a:fontRef>
+        </p:style>
+        <p:txBody>
+          <a:bodyPr rtlCol="0" anchor="ctr"/>
+          <a:lstStyle/>
+          <a:p>
+            <a:pPr algn="ctr"/>
+            <a:endParaRPr lang="en-US"/>
+          </a:p>
+        </p:txBody>
+      </p:sp>
+    </p:spTree>
+    <p:extLst>
+      <p:ext uri="{BB962C8B-B14F-4D97-AF65-F5344CB8AC3E}">
+        <p14:creationId xmlns:p14="http://schemas.microsoft.com/office/powerpoint/2010/main" val="727890667"/>
+      </p:ext>
+    </p:extLst>
+  </p:cSld>
+  <p:clrMapOvr>
+    <a:masterClrMapping/>
+  </p:clrMapOvr>
+</p:sld>
+</file>
+
+<file path=ppt/slides/slide12.xml><?xml version="1.0" encoding="utf-8"?>
+<p:sld xmlns:a="http://schemas.openxmlformats.org/drawingml/2006/main" xmlns:r="http://schemas.openxmlformats.org/officeDocument/2006/relationships" xmlns:p="http://schemas.openxmlformats.org/presentationml/2006/main">
+  <p:cSld>
+    <p:bg>
+      <p:bgPr>
+        <a:solidFill>
+          <a:srgbClr val="CE2D75"/>
+        </a:solidFill>
+        <a:effectLst/>
+      </p:bgPr>
+    </p:bg>
+    <p:spTree>
+      <p:nvGrpSpPr>
+        <p:cNvPr id="1" name=""/>
+        <p:cNvGrpSpPr/>
+        <p:nvPr/>
+      </p:nvGrpSpPr>
+      <p:grpSpPr>
+        <a:xfrm>
+          <a:off x="0" y="0"/>
+          <a:ext cx="0" cy="0"/>
+          <a:chOff x="0" y="0"/>
+          <a:chExt cx="0" cy="0"/>
+        </a:xfrm>
+      </p:grpSpPr>
+      <p:sp>
+        <p:nvSpPr>
+          <p:cNvPr id="5" name="Rectangle 4">
+            <a:extLst>
+              <a:ext uri="{FF2B5EF4-FFF2-40B4-BE49-F238E27FC236}">
+                <a16:creationId xmlns:a16="http://schemas.microsoft.com/office/drawing/2014/main" id="{6EF79363-2E3F-42D2-9AB6-44D507EA6767}"/>
+              </a:ext>
+            </a:extLst>
+          </p:cNvPr>
+          <p:cNvSpPr/>
+          <p:nvPr/>
+        </p:nvSpPr>
+        <p:spPr>
+          <a:xfrm>
+            <a:off x="0" y="-2477729"/>
+            <a:ext cx="2477729" cy="12565626"/>
+          </a:xfrm>
+          <a:prstGeom prst="rect">
+            <a:avLst/>
+          </a:prstGeom>
+          <a:solidFill>
+            <a:srgbClr val="CE2D75"/>
+          </a:solidFill>
+          <a:ln>
+            <a:noFill/>
+          </a:ln>
+          <a:effectLst>
+            <a:innerShdw blurRad="546100" dist="50800" dir="10800000">
+              <a:prstClr val="black">
+                <a:alpha val="45000"/>
+              </a:prstClr>
+            </a:innerShdw>
+          </a:effectLst>
+        </p:spPr>
+        <p:style>
+          <a:lnRef idx="2">
+            <a:schemeClr val="accent1">
+              <a:shade val="50000"/>
+            </a:schemeClr>
+          </a:lnRef>
+          <a:fillRef idx="1">
+            <a:schemeClr val="accent1"/>
+          </a:fillRef>
+          <a:effectRef idx="0">
+            <a:schemeClr val="accent1"/>
+          </a:effectRef>
+          <a:fontRef idx="minor">
+            <a:schemeClr val="lt1"/>
+          </a:fontRef>
+        </p:style>
+        <p:txBody>
+          <a:bodyPr rtlCol="0" anchor="ctr"/>
+          <a:lstStyle/>
+          <a:p>
+            <a:pPr algn="ctr"/>
+            <a:endParaRPr lang="en-US"/>
+          </a:p>
+        </p:txBody>
+      </p:sp>
+      <p:sp>
+        <p:nvSpPr>
+          <p:cNvPr id="6" name="Rectangle 5">
+            <a:extLst>
+              <a:ext uri="{FF2B5EF4-FFF2-40B4-BE49-F238E27FC236}">
+                <a16:creationId xmlns:a16="http://schemas.microsoft.com/office/drawing/2014/main" id="{60654D08-5910-4876-9978-07BFCF66D0FD}"/>
+              </a:ext>
+            </a:extLst>
+          </p:cNvPr>
+          <p:cNvSpPr/>
+          <p:nvPr/>
+        </p:nvSpPr>
+        <p:spPr>
+          <a:xfrm>
+            <a:off x="513403" y="-2920180"/>
+            <a:ext cx="3416710" cy="13219471"/>
+          </a:xfrm>
+          <a:prstGeom prst="rect">
+            <a:avLst/>
+          </a:prstGeom>
+          <a:solidFill>
+            <a:srgbClr val="CE2D75"/>
+          </a:solidFill>
+          <a:ln>
+            <a:noFill/>
+          </a:ln>
+          <a:effectLst/>
+        </p:spPr>
+        <p:style>
+          <a:lnRef idx="2">
+            <a:schemeClr val="accent1">
+              <a:shade val="50000"/>
+            </a:schemeClr>
+          </a:lnRef>
+          <a:fillRef idx="1">
+            <a:schemeClr val="accent1"/>
+          </a:fillRef>
+          <a:effectRef idx="0">
+            <a:schemeClr val="accent1"/>
+          </a:effectRef>
+          <a:fontRef idx="minor">
+            <a:schemeClr val="lt1"/>
+          </a:fontRef>
+        </p:style>
+        <p:txBody>
+          <a:bodyPr rtlCol="0" anchor="ctr"/>
+          <a:lstStyle/>
+          <a:p>
+            <a:pPr algn="ctr"/>
+            <a:endParaRPr lang="en-US"/>
+          </a:p>
+        </p:txBody>
+      </p:sp>
+      <p:sp>
+        <p:nvSpPr>
+          <p:cNvPr id="4" name="Rectangle 3">
+            <a:extLst>
+              <a:ext uri="{FF2B5EF4-FFF2-40B4-BE49-F238E27FC236}">
+                <a16:creationId xmlns:a16="http://schemas.microsoft.com/office/drawing/2014/main" id="{DAEF528C-F486-4844-BD68-FBECBCCFDA0E}"/>
+              </a:ext>
+            </a:extLst>
+          </p:cNvPr>
+          <p:cNvSpPr/>
+          <p:nvPr/>
+        </p:nvSpPr>
+        <p:spPr>
+          <a:xfrm rot="10800000">
+            <a:off x="9714271" y="-2266335"/>
+            <a:ext cx="2477729" cy="12565626"/>
+          </a:xfrm>
+          <a:prstGeom prst="rect">
+            <a:avLst/>
+          </a:prstGeom>
+          <a:solidFill>
+            <a:srgbClr val="CE2D75"/>
+          </a:solidFill>
+          <a:ln>
+            <a:noFill/>
+          </a:ln>
+          <a:effectLst>
+            <a:innerShdw blurRad="546100" dist="50800">
+              <a:prstClr val="black">
+                <a:alpha val="45000"/>
+              </a:prstClr>
+            </a:innerShdw>
+          </a:effectLst>
+        </p:spPr>
+        <p:style>
+          <a:lnRef idx="2">
+            <a:schemeClr val="accent1">
+              <a:shade val="50000"/>
+            </a:schemeClr>
+          </a:lnRef>
+          <a:fillRef idx="1">
+            <a:schemeClr val="accent1"/>
+          </a:fillRef>
+          <a:effectRef idx="0">
+            <a:schemeClr val="accent1"/>
+          </a:effectRef>
+          <a:fontRef idx="minor">
+            <a:schemeClr val="lt1"/>
+          </a:fontRef>
+        </p:style>
+        <p:txBody>
+          <a:bodyPr rtlCol="0" anchor="ctr"/>
+          <a:lstStyle/>
+          <a:p>
+            <a:pPr algn="ctr"/>
+            <a:endParaRPr lang="en-US"/>
+          </a:p>
+        </p:txBody>
+      </p:sp>
+      <p:sp>
+        <p:nvSpPr>
+          <p:cNvPr id="7" name="Title 1">
+            <a:extLst>
+              <a:ext uri="{FF2B5EF4-FFF2-40B4-BE49-F238E27FC236}">
+                <a16:creationId xmlns:a16="http://schemas.microsoft.com/office/drawing/2014/main" id="{47DE1837-8B77-4128-BE1C-3D84A9B4CF32}"/>
+              </a:ext>
+            </a:extLst>
+          </p:cNvPr>
+          <p:cNvSpPr txBox="1">
+            <a:spLocks/>
+          </p:cNvSpPr>
+          <p:nvPr/>
+        </p:nvSpPr>
+        <p:spPr>
+          <a:xfrm>
+            <a:off x="838200" y="365125"/>
+            <a:ext cx="10515600" cy="1325563"/>
+          </a:xfrm>
+          <a:prstGeom prst="rect">
+            <a:avLst/>
+          </a:prstGeom>
+        </p:spPr>
+        <p:txBody>
+          <a:bodyPr vert="horz" lIns="91440" tIns="45720" rIns="91440" bIns="45720" rtlCol="0" anchor="ctr">
+            <a:normAutofit/>
+          </a:bodyPr>
+          <a:lstStyle>
+            <a:lvl1pPr algn="l" defTabSz="914400" rtl="0" eaLnBrk="1" latinLnBrk="0" hangingPunct="1">
+              <a:lnSpc>
+                <a:spcPct val="90000"/>
+              </a:lnSpc>
+              <a:spcBef>
+                <a:spcPct val="0"/>
+              </a:spcBef>
+              <a:buNone/>
+              <a:defRPr sz="4400" kern="1200">
+                <a:solidFill>
+                  <a:schemeClr val="tx1"/>
+                </a:solidFill>
+                <a:latin typeface="+mj-lt"/>
+                <a:ea typeface="+mj-ea"/>
+                <a:cs typeface="+mj-cs"/>
+              </a:defRPr>
+            </a:lvl1pPr>
+          </a:lstStyle>
+          <a:p>
+            <a:r>
+              <a:rPr lang="en-US" b="1" dirty="0">
+                <a:solidFill>
+                  <a:schemeClr val="bg1"/>
+                </a:solidFill>
+                <a:latin typeface="Assistant" panose="00000500000000000000" pitchFamily="50" charset="-79"/>
+                <a:cs typeface="Assistant" panose="00000500000000000000" pitchFamily="50" charset="-79"/>
+              </a:rPr>
+              <a:t>Future Prospects</a:t>
+            </a:r>
+          </a:p>
+        </p:txBody>
+      </p:sp>
+      <p:sp>
+        <p:nvSpPr>
+          <p:cNvPr id="9" name="Rectangle 8">
+            <a:extLst>
+              <a:ext uri="{FF2B5EF4-FFF2-40B4-BE49-F238E27FC236}">
+                <a16:creationId xmlns:a16="http://schemas.microsoft.com/office/drawing/2014/main" id="{454772E4-6AAC-412D-9D0C-D21C13596C94}"/>
+              </a:ext>
+            </a:extLst>
+          </p:cNvPr>
+          <p:cNvSpPr/>
+          <p:nvPr/>
+        </p:nvSpPr>
+        <p:spPr>
+          <a:xfrm>
+            <a:off x="10206681" y="-840259"/>
+            <a:ext cx="963827" cy="8501448"/>
+          </a:xfrm>
+          <a:prstGeom prst="rect">
+            <a:avLst/>
+          </a:prstGeom>
+          <a:solidFill>
+            <a:srgbClr val="861657"/>
+          </a:solidFill>
+          <a:ln>
+            <a:noFill/>
+          </a:ln>
+          <a:effectLst>
+            <a:outerShdw blurRad="63500" sx="102000" sy="102000" algn="ctr" rotWithShape="0">
+              <a:prstClr val="black">
+                <a:alpha val="40000"/>
+              </a:prstClr>
+            </a:outerShdw>
+          </a:effectLst>
+        </p:spPr>
+        <p:style>
+          <a:lnRef idx="2">
+            <a:schemeClr val="accent1">
+              <a:shade val="50000"/>
+            </a:schemeClr>
+          </a:lnRef>
+          <a:fillRef idx="1">
+            <a:schemeClr val="accent1"/>
+          </a:fillRef>
+          <a:effectRef idx="0">
+            <a:schemeClr val="accent1"/>
+          </a:effectRef>
+          <a:fontRef idx="minor">
+            <a:schemeClr val="lt1"/>
+          </a:fontRef>
+        </p:style>
+        <p:txBody>
+          <a:bodyPr rtlCol="0" anchor="ctr"/>
+          <a:lstStyle/>
+          <a:p>
+            <a:pPr algn="ctr"/>
+            <a:endParaRPr lang="en-US"/>
+          </a:p>
+        </p:txBody>
+      </p:sp>
+      <p:sp>
+        <p:nvSpPr>
+          <p:cNvPr id="10" name="Rectangle 9">
+            <a:extLst>
+              <a:ext uri="{FF2B5EF4-FFF2-40B4-BE49-F238E27FC236}">
+                <a16:creationId xmlns:a16="http://schemas.microsoft.com/office/drawing/2014/main" id="{4F77882A-6BC0-4C80-962C-0F0D7CD2BEC4}"/>
+              </a:ext>
+            </a:extLst>
+          </p:cNvPr>
+          <p:cNvSpPr/>
+          <p:nvPr/>
+        </p:nvSpPr>
+        <p:spPr>
+          <a:xfrm>
+            <a:off x="11372336" y="-821724"/>
+            <a:ext cx="243016" cy="8501448"/>
+          </a:xfrm>
+          <a:prstGeom prst="rect">
+            <a:avLst/>
+          </a:prstGeom>
+          <a:solidFill>
+            <a:srgbClr val="861657"/>
+          </a:solidFill>
+          <a:ln>
+            <a:noFill/>
+          </a:ln>
+          <a:effectLst>
+            <a:outerShdw blurRad="63500" sx="102000" sy="102000" algn="ctr" rotWithShape="0">
+              <a:prstClr val="black">
+                <a:alpha val="40000"/>
+              </a:prstClr>
+            </a:outerShdw>
+          </a:effectLst>
+        </p:spPr>
+        <p:style>
+          <a:lnRef idx="2">
+            <a:schemeClr val="accent1">
+              <a:shade val="50000"/>
+            </a:schemeClr>
+          </a:lnRef>
+          <a:fillRef idx="1">
+            <a:schemeClr val="accent1"/>
+          </a:fillRef>
+          <a:effectRef idx="0">
+            <a:schemeClr val="accent1"/>
+          </a:effectRef>
+          <a:fontRef idx="minor">
+            <a:schemeClr val="lt1"/>
+          </a:fontRef>
+        </p:style>
+        <p:txBody>
+          <a:bodyPr rtlCol="0" anchor="ctr"/>
+          <a:lstStyle/>
+          <a:p>
+            <a:pPr algn="ctr"/>
+            <a:endParaRPr lang="en-US"/>
+          </a:p>
+        </p:txBody>
+      </p:sp>
+      <p:sp>
+        <p:nvSpPr>
+          <p:cNvPr id="8" name="Content Placeholder 2">
+            <a:extLst>
+              <a:ext uri="{FF2B5EF4-FFF2-40B4-BE49-F238E27FC236}">
+                <a16:creationId xmlns:a16="http://schemas.microsoft.com/office/drawing/2014/main" id="{A280CC3C-6C80-432A-AA29-AF5A8EB3D06D}"/>
+              </a:ext>
+            </a:extLst>
+          </p:cNvPr>
+          <p:cNvSpPr txBox="1">
+            <a:spLocks/>
+          </p:cNvSpPr>
+          <p:nvPr/>
+        </p:nvSpPr>
+        <p:spPr>
+          <a:xfrm>
+            <a:off x="838200" y="1356853"/>
+            <a:ext cx="9166653" cy="5501147"/>
+          </a:xfrm>
+          <a:prstGeom prst="rect">
+            <a:avLst/>
+          </a:prstGeom>
+        </p:spPr>
+        <p:txBody>
+          <a:bodyPr vert="horz" lIns="91440" tIns="45720" rIns="91440" bIns="45720" rtlCol="0">
+            <a:normAutofit/>
+          </a:bodyPr>
+          <a:lstStyle>
+            <a:lvl1pPr marL="228600" indent="-228600" algn="l" defTabSz="914400" rtl="0" eaLnBrk="1" latinLnBrk="0" hangingPunct="1">
+              <a:lnSpc>
+                <a:spcPct val="90000"/>
+              </a:lnSpc>
+              <a:spcBef>
+                <a:spcPts val="1000"/>
+              </a:spcBef>
+              <a:buFont typeface="Arial" panose="020B0604020202020204" pitchFamily="34" charset="0"/>
+              <a:buChar char="•"/>
+              <a:defRPr sz="2800" kern="1200">
+                <a:solidFill>
+                  <a:schemeClr val="tx1"/>
+                </a:solidFill>
+                <a:latin typeface="+mn-lt"/>
+                <a:ea typeface="+mn-ea"/>
+                <a:cs typeface="+mn-cs"/>
+              </a:defRPr>
+            </a:lvl1pPr>
+            <a:lvl2pPr marL="685800" indent="-228600" algn="l" defTabSz="914400" rtl="0" eaLnBrk="1" latinLnBrk="0" hangingPunct="1">
+              <a:lnSpc>
+                <a:spcPct val="90000"/>
+              </a:lnSpc>
+              <a:spcBef>
+                <a:spcPts val="500"/>
+              </a:spcBef>
+              <a:buFont typeface="Arial" panose="020B0604020202020204" pitchFamily="34" charset="0"/>
+              <a:buChar char="•"/>
+              <a:defRPr sz="2400" kern="1200">
+                <a:solidFill>
+                  <a:schemeClr val="tx1"/>
+                </a:solidFill>
+                <a:latin typeface="+mn-lt"/>
+                <a:ea typeface="+mn-ea"/>
+                <a:cs typeface="+mn-cs"/>
+              </a:defRPr>
+            </a:lvl2pPr>
+            <a:lvl3pPr marL="1143000" indent="-228600" algn="l" defTabSz="914400" rtl="0" eaLnBrk="1" latinLnBrk="0" hangingPunct="1">
+              <a:lnSpc>
+                <a:spcPct val="90000"/>
+              </a:lnSpc>
+              <a:spcBef>
+                <a:spcPts val="500"/>
+              </a:spcBef>
+              <a:buFont typeface="Arial" panose="020B0604020202020204" pitchFamily="34" charset="0"/>
+              <a:buChar char="•"/>
+              <a:defRPr sz="2000" kern="1200">
+                <a:solidFill>
+                  <a:schemeClr val="tx1"/>
+                </a:solidFill>
+                <a:latin typeface="+mn-lt"/>
+                <a:ea typeface="+mn-ea"/>
+                <a:cs typeface="+mn-cs"/>
+              </a:defRPr>
+            </a:lvl3pPr>
+            <a:lvl4pPr marL="1600200" indent="-228600" algn="l" defTabSz="914400" rtl="0" eaLnBrk="1" latinLnBrk="0" hangingPunct="1">
+              <a:lnSpc>
+                <a:spcPct val="90000"/>
+              </a:lnSpc>
+              <a:spcBef>
+                <a:spcPts val="500"/>
+              </a:spcBef>
+              <a:buFont typeface="Arial" panose="020B0604020202020204" pitchFamily="34" charset="0"/>
+              <a:buChar char="•"/>
+              <a:defRPr sz="1800" kern="1200">
+                <a:solidFill>
+                  <a:schemeClr val="tx1"/>
+                </a:solidFill>
+                <a:latin typeface="+mn-lt"/>
+                <a:ea typeface="+mn-ea"/>
+                <a:cs typeface="+mn-cs"/>
+              </a:defRPr>
+            </a:lvl4pPr>
+            <a:lvl5pPr marL="2057400" indent="-228600" algn="l" defTabSz="914400" rtl="0" eaLnBrk="1" latinLnBrk="0" hangingPunct="1">
+              <a:lnSpc>
+                <a:spcPct val="90000"/>
+              </a:lnSpc>
+              <a:spcBef>
+                <a:spcPts val="500"/>
+              </a:spcBef>
+              <a:buFont typeface="Arial" panose="020B0604020202020204" pitchFamily="34" charset="0"/>
+              <a:buChar char="•"/>
+              <a:defRPr sz="1800" kern="1200">
+                <a:solidFill>
+                  <a:schemeClr val="tx1"/>
+                </a:solidFill>
+                <a:latin typeface="+mn-lt"/>
+                <a:ea typeface="+mn-ea"/>
+                <a:cs typeface="+mn-cs"/>
+              </a:defRPr>
+            </a:lvl5pPr>
+            <a:lvl6pPr marL="2514600" indent="-228600" algn="l" defTabSz="914400" rtl="0" eaLnBrk="1" latinLnBrk="0" hangingPunct="1">
+              <a:lnSpc>
+                <a:spcPct val="90000"/>
+              </a:lnSpc>
+              <a:spcBef>
+                <a:spcPts val="500"/>
+              </a:spcBef>
+              <a:buFont typeface="Arial" panose="020B0604020202020204" pitchFamily="34" charset="0"/>
+              <a:buChar char="•"/>
+              <a:defRPr sz="1800" kern="1200">
+                <a:solidFill>
+                  <a:schemeClr val="tx1"/>
+                </a:solidFill>
+                <a:latin typeface="+mn-lt"/>
+                <a:ea typeface="+mn-ea"/>
+                <a:cs typeface="+mn-cs"/>
+              </a:defRPr>
+            </a:lvl6pPr>
+            <a:lvl7pPr marL="2971800" indent="-228600" algn="l" defTabSz="914400" rtl="0" eaLnBrk="1" latinLnBrk="0" hangingPunct="1">
+              <a:lnSpc>
+                <a:spcPct val="90000"/>
+              </a:lnSpc>
+              <a:spcBef>
+                <a:spcPts val="500"/>
+              </a:spcBef>
+              <a:buFont typeface="Arial" panose="020B0604020202020204" pitchFamily="34" charset="0"/>
+              <a:buChar char="•"/>
+              <a:defRPr sz="1800" kern="1200">
+                <a:solidFill>
+                  <a:schemeClr val="tx1"/>
+                </a:solidFill>
+                <a:latin typeface="+mn-lt"/>
+                <a:ea typeface="+mn-ea"/>
+                <a:cs typeface="+mn-cs"/>
+              </a:defRPr>
+            </a:lvl7pPr>
+            <a:lvl8pPr marL="3429000" indent="-228600" algn="l" defTabSz="914400" rtl="0" eaLnBrk="1" latinLnBrk="0" hangingPunct="1">
+              <a:lnSpc>
+                <a:spcPct val="90000"/>
+              </a:lnSpc>
+              <a:spcBef>
+                <a:spcPts val="500"/>
+              </a:spcBef>
+              <a:buFont typeface="Arial" panose="020B0604020202020204" pitchFamily="34" charset="0"/>
+              <a:buChar char="•"/>
+              <a:defRPr sz="1800" kern="1200">
+                <a:solidFill>
+                  <a:schemeClr val="tx1"/>
+                </a:solidFill>
+                <a:latin typeface="+mn-lt"/>
+                <a:ea typeface="+mn-ea"/>
+                <a:cs typeface="+mn-cs"/>
+              </a:defRPr>
+            </a:lvl8pPr>
+            <a:lvl9pPr marL="3886200" indent="-228600" algn="l" defTabSz="914400" rtl="0" eaLnBrk="1" latinLnBrk="0" hangingPunct="1">
+              <a:lnSpc>
+                <a:spcPct val="90000"/>
+              </a:lnSpc>
+              <a:spcBef>
+                <a:spcPts val="500"/>
+              </a:spcBef>
+              <a:buFont typeface="Arial" panose="020B0604020202020204" pitchFamily="34" charset="0"/>
+              <a:buChar char="•"/>
+              <a:defRPr sz="1800" kern="1200">
+                <a:solidFill>
+                  <a:schemeClr val="tx1"/>
+                </a:solidFill>
+                <a:latin typeface="+mn-lt"/>
+                <a:ea typeface="+mn-ea"/>
+                <a:cs typeface="+mn-cs"/>
+              </a:defRPr>
+            </a:lvl9pPr>
+          </a:lstStyle>
+          <a:p>
+            <a:pPr marL="0" indent="0">
+              <a:buFont typeface="Arial" panose="020B0604020202020204" pitchFamily="34" charset="0"/>
+              <a:buNone/>
+            </a:pPr>
+            <a:r>
+              <a:rPr lang="en-US" dirty="0">
+                <a:solidFill>
+                  <a:schemeClr val="bg1"/>
+                </a:solidFill>
+                <a:effectLst>
+                  <a:outerShdw blurRad="38100" dist="38100" dir="2700000" algn="tl">
+                    <a:srgbClr val="000000">
+                      <a:alpha val="43137"/>
+                    </a:srgbClr>
+                  </a:outerShdw>
+                </a:effectLst>
+                <a:latin typeface="Assistant" panose="00000500000000000000" pitchFamily="50" charset="-79"/>
+                <a:cs typeface="Assistant" panose="00000500000000000000" pitchFamily="50" charset="-79"/>
+              </a:rPr>
+              <a:t>This is an ambitious project; there are </a:t>
+            </a:r>
+            <a:r>
+              <a:rPr lang="en-US" i="1" dirty="0">
+                <a:solidFill>
+                  <a:schemeClr val="bg1"/>
+                </a:solidFill>
+                <a:effectLst>
+                  <a:outerShdw blurRad="38100" dist="38100" dir="2700000" algn="tl">
+                    <a:srgbClr val="000000">
+                      <a:alpha val="43137"/>
+                    </a:srgbClr>
+                  </a:outerShdw>
+                </a:effectLst>
+                <a:latin typeface="Assistant" panose="00000500000000000000" pitchFamily="50" charset="-79"/>
+                <a:cs typeface="Assistant" panose="00000500000000000000" pitchFamily="50" charset="-79"/>
+              </a:rPr>
+              <a:t>many</a:t>
+            </a:r>
+            <a:r>
+              <a:rPr lang="en-US" dirty="0">
+                <a:solidFill>
+                  <a:schemeClr val="bg1"/>
+                </a:solidFill>
+                <a:effectLst>
+                  <a:outerShdw blurRad="38100" dist="38100" dir="2700000" algn="tl">
+                    <a:srgbClr val="000000">
+                      <a:alpha val="43137"/>
+                    </a:srgbClr>
+                  </a:outerShdw>
+                </a:effectLst>
+                <a:latin typeface="Assistant" panose="00000500000000000000" pitchFamily="50" charset="-79"/>
+                <a:cs typeface="Assistant" panose="00000500000000000000" pitchFamily="50" charset="-79"/>
+              </a:rPr>
+              <a:t> improvements that can be made!</a:t>
+            </a:r>
+          </a:p>
+          <a:p>
+            <a:pPr marL="0" indent="0">
+              <a:buFont typeface="Arial" panose="020B0604020202020204" pitchFamily="34" charset="0"/>
+              <a:buNone/>
+            </a:pPr>
+            <a:r>
+              <a:rPr lang="en-US" b="1" dirty="0">
+                <a:solidFill>
+                  <a:schemeClr val="bg1"/>
+                </a:solidFill>
+                <a:effectLst>
+                  <a:outerShdw blurRad="38100" dist="38100" dir="2700000" algn="tl">
+                    <a:srgbClr val="000000">
+                      <a:alpha val="43137"/>
+                    </a:srgbClr>
+                  </a:outerShdw>
+                </a:effectLst>
+                <a:latin typeface="Assistant" panose="00000500000000000000" pitchFamily="50" charset="-79"/>
+                <a:cs typeface="Assistant" panose="00000500000000000000" pitchFamily="50" charset="-79"/>
+              </a:rPr>
+              <a:t>Current issues</a:t>
+            </a:r>
+            <a:r>
+              <a:rPr lang="en-US" dirty="0">
+                <a:solidFill>
+                  <a:schemeClr val="bg1"/>
+                </a:solidFill>
+                <a:effectLst>
+                  <a:outerShdw blurRad="38100" dist="38100" dir="2700000" algn="tl">
+                    <a:srgbClr val="000000">
+                      <a:alpha val="43137"/>
+                    </a:srgbClr>
+                  </a:outerShdw>
+                </a:effectLst>
+                <a:latin typeface="Assistant" panose="00000500000000000000" pitchFamily="50" charset="-79"/>
+                <a:cs typeface="Assistant" panose="00000500000000000000" pitchFamily="50" charset="-79"/>
+              </a:rPr>
+              <a:t>: Form error callbacks, variants on base recipe</a:t>
+            </a:r>
+          </a:p>
+          <a:p>
+            <a:pPr marL="0" indent="0">
+              <a:buFont typeface="Arial" panose="020B0604020202020204" pitchFamily="34" charset="0"/>
+              <a:buNone/>
+            </a:pPr>
+            <a:r>
+              <a:rPr lang="en-US" b="1" dirty="0">
+                <a:solidFill>
+                  <a:schemeClr val="bg1"/>
+                </a:solidFill>
+                <a:effectLst>
+                  <a:outerShdw blurRad="38100" dist="38100" dir="2700000" algn="tl">
+                    <a:srgbClr val="000000">
+                      <a:alpha val="43137"/>
+                    </a:srgbClr>
+                  </a:outerShdw>
+                </a:effectLst>
+                <a:latin typeface="Assistant" panose="00000500000000000000" pitchFamily="50" charset="-79"/>
+                <a:cs typeface="Assistant" panose="00000500000000000000" pitchFamily="50" charset="-79"/>
+              </a:rPr>
+              <a:t>Future additions</a:t>
+            </a:r>
+            <a:r>
+              <a:rPr lang="en-US" dirty="0">
+                <a:solidFill>
+                  <a:schemeClr val="bg1"/>
+                </a:solidFill>
+                <a:effectLst>
+                  <a:outerShdw blurRad="38100" dist="38100" dir="2700000" algn="tl">
+                    <a:srgbClr val="000000">
+                      <a:alpha val="43137"/>
+                    </a:srgbClr>
+                  </a:outerShdw>
+                </a:effectLst>
+                <a:latin typeface="Assistant" panose="00000500000000000000" pitchFamily="50" charset="-79"/>
+                <a:cs typeface="Assistant" panose="00000500000000000000" pitchFamily="50" charset="-79"/>
+              </a:rPr>
+              <a:t>:</a:t>
+            </a:r>
+          </a:p>
+          <a:p>
+            <a:pPr marL="0" indent="0">
+              <a:buFont typeface="Arial" panose="020B0604020202020204" pitchFamily="34" charset="0"/>
+              <a:buNone/>
+            </a:pPr>
+            <a:r>
+              <a:rPr lang="en-US" dirty="0">
+                <a:solidFill>
+                  <a:schemeClr val="bg1"/>
+                </a:solidFill>
+                <a:effectLst>
+                  <a:outerShdw blurRad="38100" dist="38100" dir="2700000" algn="tl">
+                    <a:srgbClr val="000000">
+                      <a:alpha val="43137"/>
+                    </a:srgbClr>
+                  </a:outerShdw>
+                </a:effectLst>
+                <a:latin typeface="Assistant" panose="00000500000000000000" pitchFamily="50" charset="-79"/>
+                <a:cs typeface="Assistant" panose="00000500000000000000" pitchFamily="50" charset="-79"/>
+              </a:rPr>
+              <a:t>	Advanced recipe debugging</a:t>
+            </a:r>
+            <a:br>
+              <a:rPr lang="en-US" dirty="0">
+                <a:solidFill>
+                  <a:schemeClr val="bg1"/>
+                </a:solidFill>
+                <a:effectLst>
+                  <a:outerShdw blurRad="38100" dist="38100" dir="2700000" algn="tl">
+                    <a:srgbClr val="000000">
+                      <a:alpha val="43137"/>
+                    </a:srgbClr>
+                  </a:outerShdw>
+                </a:effectLst>
+                <a:latin typeface="Assistant" panose="00000500000000000000" pitchFamily="50" charset="-79"/>
+                <a:cs typeface="Assistant" panose="00000500000000000000" pitchFamily="50" charset="-79"/>
+              </a:rPr>
+            </a:br>
+            <a:r>
+              <a:rPr lang="en-US" dirty="0">
+                <a:solidFill>
+                  <a:schemeClr val="bg1"/>
+                </a:solidFill>
+                <a:effectLst>
+                  <a:outerShdw blurRad="38100" dist="38100" dir="2700000" algn="tl">
+                    <a:srgbClr val="000000">
+                      <a:alpha val="43137"/>
+                    </a:srgbClr>
+                  </a:outerShdw>
+                </a:effectLst>
+                <a:latin typeface="Assistant" panose="00000500000000000000" pitchFamily="50" charset="-79"/>
+                <a:cs typeface="Assistant" panose="00000500000000000000" pitchFamily="50" charset="-79"/>
+              </a:rPr>
+              <a:t>	User profiles</a:t>
+            </a:r>
+            <a:br>
+              <a:rPr lang="en-US" b="1" dirty="0">
+                <a:solidFill>
+                  <a:schemeClr val="bg1"/>
+                </a:solidFill>
+                <a:effectLst>
+                  <a:outerShdw blurRad="38100" dist="38100" dir="2700000" algn="tl">
+                    <a:srgbClr val="000000">
+                      <a:alpha val="43137"/>
+                    </a:srgbClr>
+                  </a:outerShdw>
+                </a:effectLst>
+                <a:latin typeface="Assistant" panose="00000500000000000000" pitchFamily="50" charset="-79"/>
+                <a:cs typeface="Assistant" panose="00000500000000000000" pitchFamily="50" charset="-79"/>
+              </a:rPr>
+            </a:br>
+            <a:r>
+              <a:rPr lang="en-US" b="1" dirty="0">
+                <a:solidFill>
+                  <a:schemeClr val="bg1"/>
+                </a:solidFill>
+                <a:effectLst>
+                  <a:outerShdw blurRad="38100" dist="38100" dir="2700000" algn="tl">
+                    <a:srgbClr val="000000">
+                      <a:alpha val="43137"/>
+                    </a:srgbClr>
+                  </a:outerShdw>
+                </a:effectLst>
+                <a:latin typeface="Assistant" panose="00000500000000000000" pitchFamily="50" charset="-79"/>
+                <a:cs typeface="Assistant" panose="00000500000000000000" pitchFamily="50" charset="-79"/>
+              </a:rPr>
+              <a:t>	</a:t>
+            </a:r>
+            <a:r>
+              <a:rPr lang="en-US" dirty="0">
+                <a:solidFill>
+                  <a:schemeClr val="bg1"/>
+                </a:solidFill>
+                <a:effectLst>
+                  <a:outerShdw blurRad="38100" dist="38100" dir="2700000" algn="tl">
+                    <a:srgbClr val="000000">
+                      <a:alpha val="43137"/>
+                    </a:srgbClr>
+                  </a:outerShdw>
+                </a:effectLst>
+                <a:latin typeface="Assistant" panose="00000500000000000000" pitchFamily="50" charset="-79"/>
+                <a:cs typeface="Assistant" panose="00000500000000000000" pitchFamily="50" charset="-79"/>
+              </a:rPr>
+              <a:t>Recipe rating, curation</a:t>
+            </a:r>
+            <a:br>
+              <a:rPr lang="en-US" dirty="0">
+                <a:solidFill>
+                  <a:schemeClr val="bg1"/>
+                </a:solidFill>
+                <a:effectLst>
+                  <a:outerShdw blurRad="38100" dist="38100" dir="2700000" algn="tl">
+                    <a:srgbClr val="000000">
+                      <a:alpha val="43137"/>
+                    </a:srgbClr>
+                  </a:outerShdw>
+                </a:effectLst>
+                <a:latin typeface="Assistant" panose="00000500000000000000" pitchFamily="50" charset="-79"/>
+                <a:cs typeface="Assistant" panose="00000500000000000000" pitchFamily="50" charset="-79"/>
+              </a:rPr>
+            </a:br>
+            <a:r>
+              <a:rPr lang="en-US" dirty="0">
+                <a:solidFill>
+                  <a:schemeClr val="bg1"/>
+                </a:solidFill>
+                <a:effectLst>
+                  <a:outerShdw blurRad="38100" dist="38100" dir="2700000" algn="tl">
+                    <a:srgbClr val="000000">
+                      <a:alpha val="43137"/>
+                    </a:srgbClr>
+                  </a:outerShdw>
+                </a:effectLst>
+                <a:latin typeface="Assistant" panose="00000500000000000000" pitchFamily="50" charset="-79"/>
+                <a:cs typeface="Assistant" panose="00000500000000000000" pitchFamily="50" charset="-79"/>
+              </a:rPr>
+              <a:t>	CSS overhaul</a:t>
+            </a:r>
+            <a:br>
+              <a:rPr lang="en-US" dirty="0">
+                <a:solidFill>
+                  <a:schemeClr val="bg1"/>
+                </a:solidFill>
+                <a:effectLst>
+                  <a:outerShdw blurRad="38100" dist="38100" dir="2700000" algn="tl">
+                    <a:srgbClr val="000000">
+                      <a:alpha val="43137"/>
+                    </a:srgbClr>
+                  </a:outerShdw>
+                </a:effectLst>
+                <a:latin typeface="Assistant" panose="00000500000000000000" pitchFamily="50" charset="-79"/>
+                <a:cs typeface="Assistant" panose="00000500000000000000" pitchFamily="50" charset="-79"/>
+              </a:rPr>
+            </a:br>
+            <a:r>
+              <a:rPr lang="en-US" dirty="0">
+                <a:solidFill>
+                  <a:schemeClr val="bg1"/>
+                </a:solidFill>
+                <a:effectLst>
+                  <a:outerShdw blurRad="38100" dist="38100" dir="2700000" algn="tl">
+                    <a:srgbClr val="000000">
+                      <a:alpha val="43137"/>
+                    </a:srgbClr>
+                  </a:outerShdw>
+                </a:effectLst>
+                <a:latin typeface="Assistant" panose="00000500000000000000" pitchFamily="50" charset="-79"/>
+                <a:cs typeface="Assistant" panose="00000500000000000000" pitchFamily="50" charset="-79"/>
+              </a:rPr>
+              <a:t>	Proper pen/load/UI testing</a:t>
+            </a:r>
+            <a:br>
+              <a:rPr lang="en-US" dirty="0">
+                <a:solidFill>
+                  <a:schemeClr val="bg1"/>
+                </a:solidFill>
+                <a:effectLst>
+                  <a:outerShdw blurRad="38100" dist="38100" dir="2700000" algn="tl">
+                    <a:srgbClr val="000000">
+                      <a:alpha val="43137"/>
+                    </a:srgbClr>
+                  </a:outerShdw>
+                </a:effectLst>
+                <a:latin typeface="Assistant" panose="00000500000000000000" pitchFamily="50" charset="-79"/>
+                <a:cs typeface="Assistant" panose="00000500000000000000" pitchFamily="50" charset="-79"/>
+              </a:rPr>
+            </a:br>
+            <a:r>
+              <a:rPr lang="en-US" dirty="0">
+                <a:solidFill>
+                  <a:schemeClr val="bg1"/>
+                </a:solidFill>
+                <a:effectLst>
+                  <a:outerShdw blurRad="38100" dist="38100" dir="2700000" algn="tl">
+                    <a:srgbClr val="000000">
+                      <a:alpha val="43137"/>
+                    </a:srgbClr>
+                  </a:outerShdw>
+                </a:effectLst>
+                <a:latin typeface="Assistant" panose="00000500000000000000" pitchFamily="50" charset="-79"/>
+                <a:cs typeface="Assistant" panose="00000500000000000000" pitchFamily="50" charset="-79"/>
+              </a:rPr>
+              <a:t>	</a:t>
+            </a:r>
+          </a:p>
+        </p:txBody>
+      </p:sp>
+    </p:spTree>
+    <p:extLst>
+      <p:ext uri="{BB962C8B-B14F-4D97-AF65-F5344CB8AC3E}">
+        <p14:creationId xmlns:p14="http://schemas.microsoft.com/office/powerpoint/2010/main" val="201317250"/>
+      </p:ext>
+    </p:extLst>
+  </p:cSld>
+  <p:clrMapOvr>
+    <a:masterClrMapping/>
+  </p:clrMapOvr>
+</p:sld>
+</file>
+
+<file path=ppt/slides/slide13.xml><?xml version="1.0" encoding="utf-8"?>
+<p:sld xmlns:a="http://schemas.openxmlformats.org/drawingml/2006/main" xmlns:r="http://schemas.openxmlformats.org/officeDocument/2006/relationships" xmlns:p="http://schemas.openxmlformats.org/presentationml/2006/main">
+  <p:cSld>
+    <p:bg>
+      <p:bgPr>
+        <a:solidFill>
+          <a:srgbClr val="CE2D75"/>
+        </a:solidFill>
+        <a:effectLst/>
+      </p:bgPr>
+    </p:bg>
+    <p:spTree>
+      <p:nvGrpSpPr>
+        <p:cNvPr id="1" name=""/>
+        <p:cNvGrpSpPr/>
+        <p:nvPr/>
+      </p:nvGrpSpPr>
+      <p:grpSpPr>
+        <a:xfrm>
+          <a:off x="0" y="0"/>
+          <a:ext cx="0" cy="0"/>
+          <a:chOff x="0" y="0"/>
+          <a:chExt cx="0" cy="0"/>
+        </a:xfrm>
+      </p:grpSpPr>
+      <p:sp>
+        <p:nvSpPr>
+          <p:cNvPr id="5" name="Rectangle 4">
+            <a:extLst>
+              <a:ext uri="{FF2B5EF4-FFF2-40B4-BE49-F238E27FC236}">
+                <a16:creationId xmlns:a16="http://schemas.microsoft.com/office/drawing/2014/main" id="{6EF79363-2E3F-42D2-9AB6-44D507EA6767}"/>
+              </a:ext>
+            </a:extLst>
+          </p:cNvPr>
+          <p:cNvSpPr/>
+          <p:nvPr/>
+        </p:nvSpPr>
+        <p:spPr>
+          <a:xfrm>
+            <a:off x="0" y="-2477729"/>
+            <a:ext cx="2477729" cy="12565626"/>
+          </a:xfrm>
+          <a:prstGeom prst="rect">
+            <a:avLst/>
+          </a:prstGeom>
+          <a:solidFill>
+            <a:srgbClr val="CE2D75"/>
+          </a:solidFill>
+          <a:ln>
+            <a:noFill/>
+          </a:ln>
+          <a:effectLst>
+            <a:innerShdw blurRad="546100" dist="50800" dir="10800000">
+              <a:prstClr val="black">
+                <a:alpha val="45000"/>
+              </a:prstClr>
+            </a:innerShdw>
+          </a:effectLst>
+        </p:spPr>
+        <p:style>
+          <a:lnRef idx="2">
+            <a:schemeClr val="accent1">
+              <a:shade val="50000"/>
+            </a:schemeClr>
+          </a:lnRef>
+          <a:fillRef idx="1">
+            <a:schemeClr val="accent1"/>
+          </a:fillRef>
+          <a:effectRef idx="0">
+            <a:schemeClr val="accent1"/>
+          </a:effectRef>
+          <a:fontRef idx="minor">
+            <a:schemeClr val="lt1"/>
+          </a:fontRef>
+        </p:style>
+        <p:txBody>
+          <a:bodyPr rtlCol="0" anchor="ctr"/>
+          <a:lstStyle/>
+          <a:p>
+            <a:pPr algn="ctr"/>
+            <a:endParaRPr lang="en-US"/>
+          </a:p>
+        </p:txBody>
+      </p:sp>
+      <p:sp>
+        <p:nvSpPr>
+          <p:cNvPr id="6" name="Rectangle 5">
+            <a:extLst>
+              <a:ext uri="{FF2B5EF4-FFF2-40B4-BE49-F238E27FC236}">
+                <a16:creationId xmlns:a16="http://schemas.microsoft.com/office/drawing/2014/main" id="{60654D08-5910-4876-9978-07BFCF66D0FD}"/>
+              </a:ext>
+            </a:extLst>
+          </p:cNvPr>
+          <p:cNvSpPr/>
+          <p:nvPr/>
+        </p:nvSpPr>
+        <p:spPr>
+          <a:xfrm>
+            <a:off x="513403" y="-2920180"/>
+            <a:ext cx="3416710" cy="13219471"/>
+          </a:xfrm>
+          <a:prstGeom prst="rect">
+            <a:avLst/>
+          </a:prstGeom>
+          <a:solidFill>
+            <a:srgbClr val="CE2D75"/>
+          </a:solidFill>
+          <a:ln>
+            <a:noFill/>
+          </a:ln>
+          <a:effectLst/>
+        </p:spPr>
+        <p:style>
+          <a:lnRef idx="2">
+            <a:schemeClr val="accent1">
+              <a:shade val="50000"/>
+            </a:schemeClr>
+          </a:lnRef>
+          <a:fillRef idx="1">
+            <a:schemeClr val="accent1"/>
+          </a:fillRef>
+          <a:effectRef idx="0">
+            <a:schemeClr val="accent1"/>
+          </a:effectRef>
+          <a:fontRef idx="minor">
+            <a:schemeClr val="lt1"/>
+          </a:fontRef>
+        </p:style>
+        <p:txBody>
+          <a:bodyPr rtlCol="0" anchor="ctr"/>
+          <a:lstStyle/>
+          <a:p>
+            <a:pPr algn="ctr"/>
+            <a:endParaRPr lang="en-US"/>
+          </a:p>
+        </p:txBody>
+      </p:sp>
+      <p:sp>
+        <p:nvSpPr>
+          <p:cNvPr id="4" name="Rectangle 3">
+            <a:extLst>
+              <a:ext uri="{FF2B5EF4-FFF2-40B4-BE49-F238E27FC236}">
+                <a16:creationId xmlns:a16="http://schemas.microsoft.com/office/drawing/2014/main" id="{DAEF528C-F486-4844-BD68-FBECBCCFDA0E}"/>
+              </a:ext>
+            </a:extLst>
+          </p:cNvPr>
+          <p:cNvSpPr/>
+          <p:nvPr/>
+        </p:nvSpPr>
+        <p:spPr>
+          <a:xfrm rot="10800000">
+            <a:off x="9714271" y="-2266335"/>
+            <a:ext cx="2477729" cy="12565626"/>
+          </a:xfrm>
+          <a:prstGeom prst="rect">
+            <a:avLst/>
+          </a:prstGeom>
+          <a:solidFill>
+            <a:srgbClr val="CE2D75"/>
+          </a:solidFill>
+          <a:ln>
+            <a:noFill/>
+          </a:ln>
+          <a:effectLst>
+            <a:innerShdw blurRad="546100" dist="50800">
+              <a:prstClr val="black">
+                <a:alpha val="45000"/>
+              </a:prstClr>
+            </a:innerShdw>
+          </a:effectLst>
+        </p:spPr>
+        <p:style>
+          <a:lnRef idx="2">
+            <a:schemeClr val="accent1">
+              <a:shade val="50000"/>
+            </a:schemeClr>
+          </a:lnRef>
+          <a:fillRef idx="1">
+            <a:schemeClr val="accent1"/>
+          </a:fillRef>
+          <a:effectRef idx="0">
+            <a:schemeClr val="accent1"/>
+          </a:effectRef>
+          <a:fontRef idx="minor">
+            <a:schemeClr val="lt1"/>
+          </a:fontRef>
+        </p:style>
+        <p:txBody>
+          <a:bodyPr rtlCol="0" anchor="ctr"/>
+          <a:lstStyle/>
+          <a:p>
+            <a:pPr algn="ctr"/>
+            <a:endParaRPr lang="en-US"/>
+          </a:p>
+        </p:txBody>
+      </p:sp>
+      <p:sp>
+        <p:nvSpPr>
+          <p:cNvPr id="7" name="Title 1">
+            <a:extLst>
+              <a:ext uri="{FF2B5EF4-FFF2-40B4-BE49-F238E27FC236}">
+                <a16:creationId xmlns:a16="http://schemas.microsoft.com/office/drawing/2014/main" id="{47DE1837-8B77-4128-BE1C-3D84A9B4CF32}"/>
+              </a:ext>
+            </a:extLst>
+          </p:cNvPr>
+          <p:cNvSpPr txBox="1">
+            <a:spLocks/>
+          </p:cNvSpPr>
+          <p:nvPr/>
+        </p:nvSpPr>
+        <p:spPr>
+          <a:xfrm>
+            <a:off x="838200" y="365125"/>
+            <a:ext cx="10515600" cy="1325563"/>
+          </a:xfrm>
+          <a:prstGeom prst="rect">
+            <a:avLst/>
+          </a:prstGeom>
+        </p:spPr>
+        <p:txBody>
+          <a:bodyPr vert="horz" lIns="91440" tIns="45720" rIns="91440" bIns="45720" rtlCol="0" anchor="ctr">
+            <a:normAutofit/>
+          </a:bodyPr>
+          <a:lstStyle>
+            <a:lvl1pPr algn="l" defTabSz="914400" rtl="0" eaLnBrk="1" latinLnBrk="0" hangingPunct="1">
+              <a:lnSpc>
+                <a:spcPct val="90000"/>
+              </a:lnSpc>
+              <a:spcBef>
+                <a:spcPct val="0"/>
+              </a:spcBef>
+              <a:buNone/>
+              <a:defRPr sz="4400" kern="1200">
+                <a:solidFill>
+                  <a:schemeClr val="tx1"/>
+                </a:solidFill>
+                <a:latin typeface="+mj-lt"/>
+                <a:ea typeface="+mj-ea"/>
+                <a:cs typeface="+mj-cs"/>
+              </a:defRPr>
+            </a:lvl1pPr>
+          </a:lstStyle>
+          <a:p>
+            <a:r>
+              <a:rPr lang="en-US" b="1" dirty="0">
+                <a:solidFill>
+                  <a:schemeClr val="bg1"/>
+                </a:solidFill>
+                <a:latin typeface="Assistant" panose="00000500000000000000" pitchFamily="50" charset="-79"/>
+                <a:cs typeface="Assistant" panose="00000500000000000000" pitchFamily="50" charset="-79"/>
+              </a:rPr>
+              <a:t>Questions?</a:t>
+            </a:r>
+          </a:p>
+        </p:txBody>
+      </p:sp>
+      <p:sp>
+        <p:nvSpPr>
+          <p:cNvPr id="9" name="Rectangle 8">
+            <a:extLst>
+              <a:ext uri="{FF2B5EF4-FFF2-40B4-BE49-F238E27FC236}">
+                <a16:creationId xmlns:a16="http://schemas.microsoft.com/office/drawing/2014/main" id="{454772E4-6AAC-412D-9D0C-D21C13596C94}"/>
+              </a:ext>
+            </a:extLst>
+          </p:cNvPr>
+          <p:cNvSpPr/>
+          <p:nvPr/>
+        </p:nvSpPr>
+        <p:spPr>
+          <a:xfrm>
+            <a:off x="10206681" y="-840259"/>
+            <a:ext cx="963827" cy="8501448"/>
+          </a:xfrm>
+          <a:prstGeom prst="rect">
+            <a:avLst/>
+          </a:prstGeom>
+          <a:solidFill>
+            <a:srgbClr val="861657"/>
+          </a:solidFill>
+          <a:ln>
+            <a:noFill/>
+          </a:ln>
+          <a:effectLst>
+            <a:outerShdw blurRad="63500" sx="102000" sy="102000" algn="ctr" rotWithShape="0">
+              <a:prstClr val="black">
+                <a:alpha val="40000"/>
+              </a:prstClr>
+            </a:outerShdw>
+          </a:effectLst>
+        </p:spPr>
+        <p:style>
+          <a:lnRef idx="2">
+            <a:schemeClr val="accent1">
+              <a:shade val="50000"/>
+            </a:schemeClr>
+          </a:lnRef>
+          <a:fillRef idx="1">
+            <a:schemeClr val="accent1"/>
+          </a:fillRef>
+          <a:effectRef idx="0">
+            <a:schemeClr val="accent1"/>
+          </a:effectRef>
+          <a:fontRef idx="minor">
+            <a:schemeClr val="lt1"/>
+          </a:fontRef>
+        </p:style>
+        <p:txBody>
+          <a:bodyPr rtlCol="0" anchor="ctr"/>
+          <a:lstStyle/>
+          <a:p>
+            <a:pPr algn="ctr"/>
+            <a:endParaRPr lang="en-US"/>
+          </a:p>
+        </p:txBody>
+      </p:sp>
+      <p:sp>
+        <p:nvSpPr>
+          <p:cNvPr id="10" name="Rectangle 9">
+            <a:extLst>
+              <a:ext uri="{FF2B5EF4-FFF2-40B4-BE49-F238E27FC236}">
+                <a16:creationId xmlns:a16="http://schemas.microsoft.com/office/drawing/2014/main" id="{4F77882A-6BC0-4C80-962C-0F0D7CD2BEC4}"/>
+              </a:ext>
+            </a:extLst>
+          </p:cNvPr>
+          <p:cNvSpPr/>
+          <p:nvPr/>
+        </p:nvSpPr>
+        <p:spPr>
+          <a:xfrm>
+            <a:off x="11372336" y="-821724"/>
+            <a:ext cx="243016" cy="8501448"/>
+          </a:xfrm>
+          <a:prstGeom prst="rect">
+            <a:avLst/>
+          </a:prstGeom>
+          <a:solidFill>
+            <a:srgbClr val="861657"/>
+          </a:solidFill>
+          <a:ln>
+            <a:noFill/>
+          </a:ln>
+          <a:effectLst>
+            <a:outerShdw blurRad="63500" sx="102000" sy="102000" algn="ctr" rotWithShape="0">
+              <a:prstClr val="black">
+                <a:alpha val="40000"/>
+              </a:prstClr>
+            </a:outerShdw>
+          </a:effectLst>
+        </p:spPr>
+        <p:style>
+          <a:lnRef idx="2">
+            <a:schemeClr val="accent1">
+              <a:shade val="50000"/>
+            </a:schemeClr>
+          </a:lnRef>
+          <a:fillRef idx="1">
+            <a:schemeClr val="accent1"/>
+          </a:fillRef>
+          <a:effectRef idx="0">
+            <a:schemeClr val="accent1"/>
+          </a:effectRef>
+          <a:fontRef idx="minor">
+            <a:schemeClr val="lt1"/>
+          </a:fontRef>
+        </p:style>
+        <p:txBody>
+          <a:bodyPr rtlCol="0" anchor="ctr"/>
+          <a:lstStyle/>
+          <a:p>
+            <a:pPr algn="ctr"/>
+            <a:endParaRPr lang="en-US"/>
+          </a:p>
+        </p:txBody>
+      </p:sp>
+    </p:spTree>
+    <p:extLst>
+      <p:ext uri="{BB962C8B-B14F-4D97-AF65-F5344CB8AC3E}">
+        <p14:creationId xmlns:p14="http://schemas.microsoft.com/office/powerpoint/2010/main" val="2481617398"/>
+      </p:ext>
+    </p:extLst>
+  </p:cSld>
+  <p:clrMapOvr>
+    <a:masterClrMapping/>
+  </p:clrMapOvr>
+</p:sld>
+</file>
+
+<file path=ppt/slides/slide2.xml><?xml version="1.0" encoding="utf-8"?>
+<p:sld xmlns:a="http://schemas.openxmlformats.org/drawingml/2006/main" xmlns:r="http://schemas.openxmlformats.org/officeDocument/2006/relationships" xmlns:p="http://schemas.openxmlformats.org/presentationml/2006/main">
+  <p:cSld>
+    <p:bg>
+      <p:bgPr>
+        <a:solidFill>
+          <a:srgbClr val="CE2D75"/>
+        </a:solidFill>
+        <a:effectLst/>
+      </p:bgPr>
+    </p:bg>
+    <p:spTree>
+      <p:nvGrpSpPr>
+        <p:cNvPr id="1" name=""/>
+        <p:cNvGrpSpPr/>
+        <p:nvPr/>
+      </p:nvGrpSpPr>
+      <p:grpSpPr>
+        <a:xfrm>
+          <a:off x="0" y="0"/>
+          <a:ext cx="0" cy="0"/>
+          <a:chOff x="0" y="0"/>
+          <a:chExt cx="0" cy="0"/>
+        </a:xfrm>
+      </p:grpSpPr>
+      <p:sp>
+        <p:nvSpPr>
+          <p:cNvPr id="4" name="Rectangle 3">
+            <a:extLst>
+              <a:ext uri="{FF2B5EF4-FFF2-40B4-BE49-F238E27FC236}">
+                <a16:creationId xmlns:a16="http://schemas.microsoft.com/office/drawing/2014/main" id="{DAEF528C-F486-4844-BD68-FBECBCCFDA0E}"/>
+              </a:ext>
+            </a:extLst>
+          </p:cNvPr>
+          <p:cNvSpPr/>
+          <p:nvPr/>
+        </p:nvSpPr>
+        <p:spPr>
+          <a:xfrm rot="10800000">
+            <a:off x="9714271" y="-2266335"/>
+            <a:ext cx="2477729" cy="12565626"/>
+          </a:xfrm>
+          <a:prstGeom prst="rect">
+            <a:avLst/>
+          </a:prstGeom>
+          <a:solidFill>
+            <a:srgbClr val="CE2D75"/>
+          </a:solidFill>
+          <a:ln>
+            <a:noFill/>
+          </a:ln>
+          <a:effectLst>
+            <a:innerShdw blurRad="546100" dist="50800">
+              <a:prstClr val="black">
+                <a:alpha val="45000"/>
+              </a:prstClr>
+            </a:innerShdw>
+          </a:effectLst>
+        </p:spPr>
+        <p:style>
+          <a:lnRef idx="2">
+            <a:schemeClr val="accent1">
+              <a:shade val="50000"/>
+            </a:schemeClr>
+          </a:lnRef>
+          <a:fillRef idx="1">
+            <a:schemeClr val="accent1"/>
+          </a:fillRef>
+          <a:effectRef idx="0">
+            <a:schemeClr val="accent1"/>
+          </a:effectRef>
+          <a:fontRef idx="minor">
+            <a:schemeClr val="lt1"/>
+          </a:fontRef>
+        </p:style>
+        <p:txBody>
+          <a:bodyPr rtlCol="0" anchor="ctr"/>
+          <a:lstStyle/>
+          <a:p>
+            <a:pPr algn="ctr"/>
+            <a:endParaRPr lang="en-US"/>
+          </a:p>
+        </p:txBody>
+      </p:sp>
+      <p:sp>
+        <p:nvSpPr>
+          <p:cNvPr id="13" name="Rectangle 12">
+            <a:extLst>
+              <a:ext uri="{FF2B5EF4-FFF2-40B4-BE49-F238E27FC236}">
+                <a16:creationId xmlns:a16="http://schemas.microsoft.com/office/drawing/2014/main" id="{EE740E49-8EBD-48BE-A83D-649DAE691CA0}"/>
+              </a:ext>
+            </a:extLst>
+          </p:cNvPr>
+          <p:cNvSpPr/>
+          <p:nvPr/>
+        </p:nvSpPr>
+        <p:spPr>
+          <a:xfrm rot="10800000">
+            <a:off x="8038004" y="-2477729"/>
+            <a:ext cx="3416710" cy="13219471"/>
+          </a:xfrm>
+          <a:prstGeom prst="rect">
+            <a:avLst/>
+          </a:prstGeom>
+          <a:solidFill>
+            <a:srgbClr val="CE2D75"/>
+          </a:solidFill>
+          <a:ln>
+            <a:noFill/>
+          </a:ln>
+          <a:effectLst/>
+        </p:spPr>
+        <p:style>
+          <a:lnRef idx="2">
+            <a:schemeClr val="accent1">
+              <a:shade val="50000"/>
+            </a:schemeClr>
+          </a:lnRef>
+          <a:fillRef idx="1">
+            <a:schemeClr val="accent1"/>
+          </a:fillRef>
+          <a:effectRef idx="0">
+            <a:schemeClr val="accent1"/>
+          </a:effectRef>
+          <a:fontRef idx="minor">
+            <a:schemeClr val="lt1"/>
+          </a:fontRef>
+        </p:style>
+        <p:txBody>
+          <a:bodyPr rtlCol="0" anchor="ctr"/>
+          <a:lstStyle/>
+          <a:p>
+            <a:pPr algn="ctr"/>
+            <a:endParaRPr lang="en-US"/>
           </a:p>
         </p:txBody>
       </p:sp>
@@ -4080,6 +7869,830 @@
           <a:bodyPr/>
           <a:lstStyle/>
           <a:p>
+            <a:endParaRPr lang="en-US"/>
+          </a:p>
+        </p:txBody>
+      </p:sp>
+      <p:sp>
+        <p:nvSpPr>
+          <p:cNvPr id="5" name="Rectangle 4">
+            <a:extLst>
+              <a:ext uri="{FF2B5EF4-FFF2-40B4-BE49-F238E27FC236}">
+                <a16:creationId xmlns:a16="http://schemas.microsoft.com/office/drawing/2014/main" id="{6EF79363-2E3F-42D2-9AB6-44D507EA6767}"/>
+              </a:ext>
+            </a:extLst>
+          </p:cNvPr>
+          <p:cNvSpPr/>
+          <p:nvPr/>
+        </p:nvSpPr>
+        <p:spPr>
+          <a:xfrm>
+            <a:off x="0" y="-2477729"/>
+            <a:ext cx="2477729" cy="12565626"/>
+          </a:xfrm>
+          <a:prstGeom prst="rect">
+            <a:avLst/>
+          </a:prstGeom>
+          <a:solidFill>
+            <a:srgbClr val="CE2D75"/>
+          </a:solidFill>
+          <a:ln>
+            <a:noFill/>
+          </a:ln>
+          <a:effectLst>
+            <a:innerShdw blurRad="546100" dist="50800" dir="10800000">
+              <a:prstClr val="black">
+                <a:alpha val="45000"/>
+              </a:prstClr>
+            </a:innerShdw>
+          </a:effectLst>
+        </p:spPr>
+        <p:style>
+          <a:lnRef idx="2">
+            <a:schemeClr val="accent1">
+              <a:shade val="50000"/>
+            </a:schemeClr>
+          </a:lnRef>
+          <a:fillRef idx="1">
+            <a:schemeClr val="accent1"/>
+          </a:fillRef>
+          <a:effectRef idx="0">
+            <a:schemeClr val="accent1"/>
+          </a:effectRef>
+          <a:fontRef idx="minor">
+            <a:schemeClr val="lt1"/>
+          </a:fontRef>
+        </p:style>
+        <p:txBody>
+          <a:bodyPr rtlCol="0" anchor="ctr"/>
+          <a:lstStyle/>
+          <a:p>
+            <a:pPr algn="ctr"/>
+            <a:endParaRPr lang="en-US"/>
+          </a:p>
+        </p:txBody>
+      </p:sp>
+      <p:sp>
+        <p:nvSpPr>
+          <p:cNvPr id="6" name="Rectangle 5">
+            <a:extLst>
+              <a:ext uri="{FF2B5EF4-FFF2-40B4-BE49-F238E27FC236}">
+                <a16:creationId xmlns:a16="http://schemas.microsoft.com/office/drawing/2014/main" id="{60654D08-5910-4876-9978-07BFCF66D0FD}"/>
+              </a:ext>
+            </a:extLst>
+          </p:cNvPr>
+          <p:cNvSpPr/>
+          <p:nvPr/>
+        </p:nvSpPr>
+        <p:spPr>
+          <a:xfrm>
+            <a:off x="513403" y="-2920180"/>
+            <a:ext cx="3416710" cy="13219471"/>
+          </a:xfrm>
+          <a:prstGeom prst="rect">
+            <a:avLst/>
+          </a:prstGeom>
+          <a:solidFill>
+            <a:srgbClr val="CE2D75"/>
+          </a:solidFill>
+          <a:ln>
+            <a:noFill/>
+          </a:ln>
+          <a:effectLst/>
+        </p:spPr>
+        <p:style>
+          <a:lnRef idx="2">
+            <a:schemeClr val="accent1">
+              <a:shade val="50000"/>
+            </a:schemeClr>
+          </a:lnRef>
+          <a:fillRef idx="1">
+            <a:schemeClr val="accent1"/>
+          </a:fillRef>
+          <a:effectRef idx="0">
+            <a:schemeClr val="accent1"/>
+          </a:effectRef>
+          <a:fontRef idx="minor">
+            <a:schemeClr val="lt1"/>
+          </a:fontRef>
+        </p:style>
+        <p:txBody>
+          <a:bodyPr rtlCol="0" anchor="ctr"/>
+          <a:lstStyle/>
+          <a:p>
+            <a:pPr algn="ctr"/>
+            <a:endParaRPr lang="en-US"/>
+          </a:p>
+        </p:txBody>
+      </p:sp>
+      <p:sp>
+        <p:nvSpPr>
+          <p:cNvPr id="7" name="Title 1">
+            <a:extLst>
+              <a:ext uri="{FF2B5EF4-FFF2-40B4-BE49-F238E27FC236}">
+                <a16:creationId xmlns:a16="http://schemas.microsoft.com/office/drawing/2014/main" id="{47DE1837-8B77-4128-BE1C-3D84A9B4CF32}"/>
+              </a:ext>
+            </a:extLst>
+          </p:cNvPr>
+          <p:cNvSpPr txBox="1">
+            <a:spLocks/>
+          </p:cNvSpPr>
+          <p:nvPr/>
+        </p:nvSpPr>
+        <p:spPr>
+          <a:xfrm>
+            <a:off x="838200" y="365125"/>
+            <a:ext cx="10515600" cy="1325563"/>
+          </a:xfrm>
+          <a:prstGeom prst="rect">
+            <a:avLst/>
+          </a:prstGeom>
+        </p:spPr>
+        <p:txBody>
+          <a:bodyPr vert="horz" lIns="91440" tIns="45720" rIns="91440" bIns="45720" rtlCol="0" anchor="ctr">
+            <a:normAutofit/>
+          </a:bodyPr>
+          <a:lstStyle>
+            <a:lvl1pPr algn="l" defTabSz="914400" rtl="0" eaLnBrk="1" latinLnBrk="0" hangingPunct="1">
+              <a:lnSpc>
+                <a:spcPct val="90000"/>
+              </a:lnSpc>
+              <a:spcBef>
+                <a:spcPct val="0"/>
+              </a:spcBef>
+              <a:buNone/>
+              <a:defRPr sz="4400" kern="1200">
+                <a:solidFill>
+                  <a:schemeClr val="tx1"/>
+                </a:solidFill>
+                <a:latin typeface="+mj-lt"/>
+                <a:ea typeface="+mj-ea"/>
+                <a:cs typeface="+mj-cs"/>
+              </a:defRPr>
+            </a:lvl1pPr>
+          </a:lstStyle>
+          <a:p>
+            <a:r>
+              <a:rPr lang="en-US" b="1" dirty="0">
+                <a:solidFill>
+                  <a:schemeClr val="bg1"/>
+                </a:solidFill>
+                <a:latin typeface="Assistant" panose="00000500000000000000" pitchFamily="50" charset="-79"/>
+                <a:cs typeface="Assistant" panose="00000500000000000000" pitchFamily="50" charset="-79"/>
+              </a:rPr>
+              <a:t>What is </a:t>
+            </a:r>
+            <a:r>
+              <a:rPr lang="en-US" b="1" dirty="0" err="1">
+                <a:solidFill>
+                  <a:schemeClr val="bg1"/>
+                </a:solidFill>
+                <a:latin typeface="Assistant" panose="00000500000000000000" pitchFamily="50" charset="-79"/>
+                <a:cs typeface="Assistant" panose="00000500000000000000" pitchFamily="50" charset="-79"/>
+              </a:rPr>
+              <a:t>GastroHub</a:t>
+            </a:r>
+            <a:r>
+              <a:rPr lang="en-US" b="1" dirty="0">
+                <a:solidFill>
+                  <a:schemeClr val="bg1"/>
+                </a:solidFill>
+                <a:latin typeface="Assistant" panose="00000500000000000000" pitchFamily="50" charset="-79"/>
+                <a:cs typeface="Assistant" panose="00000500000000000000" pitchFamily="50" charset="-79"/>
+              </a:rPr>
+              <a:t>?</a:t>
+            </a:r>
+          </a:p>
+        </p:txBody>
+      </p:sp>
+      <p:sp>
+        <p:nvSpPr>
+          <p:cNvPr id="8" name="Content Placeholder 2">
+            <a:extLst>
+              <a:ext uri="{FF2B5EF4-FFF2-40B4-BE49-F238E27FC236}">
+                <a16:creationId xmlns:a16="http://schemas.microsoft.com/office/drawing/2014/main" id="{89AF177D-2F52-4008-B7DA-0FEFDDEC07B5}"/>
+              </a:ext>
+            </a:extLst>
+          </p:cNvPr>
+          <p:cNvSpPr txBox="1">
+            <a:spLocks/>
+          </p:cNvSpPr>
+          <p:nvPr/>
+        </p:nvSpPr>
+        <p:spPr>
+          <a:xfrm>
+            <a:off x="838200" y="1356853"/>
+            <a:ext cx="9166653" cy="5501147"/>
+          </a:xfrm>
+          <a:prstGeom prst="rect">
+            <a:avLst/>
+          </a:prstGeom>
+        </p:spPr>
+        <p:txBody>
+          <a:bodyPr vert="horz" lIns="91440" tIns="45720" rIns="91440" bIns="45720" rtlCol="0">
+            <a:normAutofit fontScale="92500" lnSpcReduction="10000"/>
+          </a:bodyPr>
+          <a:lstStyle>
+            <a:lvl1pPr marL="228600" indent="-228600" algn="l" defTabSz="914400" rtl="0" eaLnBrk="1" latinLnBrk="0" hangingPunct="1">
+              <a:lnSpc>
+                <a:spcPct val="90000"/>
+              </a:lnSpc>
+              <a:spcBef>
+                <a:spcPts val="1000"/>
+              </a:spcBef>
+              <a:buFont typeface="Arial" panose="020B0604020202020204" pitchFamily="34" charset="0"/>
+              <a:buChar char="•"/>
+              <a:defRPr sz="2800" kern="1200">
+                <a:solidFill>
+                  <a:schemeClr val="tx1"/>
+                </a:solidFill>
+                <a:latin typeface="+mn-lt"/>
+                <a:ea typeface="+mn-ea"/>
+                <a:cs typeface="+mn-cs"/>
+              </a:defRPr>
+            </a:lvl1pPr>
+            <a:lvl2pPr marL="685800" indent="-228600" algn="l" defTabSz="914400" rtl="0" eaLnBrk="1" latinLnBrk="0" hangingPunct="1">
+              <a:lnSpc>
+                <a:spcPct val="90000"/>
+              </a:lnSpc>
+              <a:spcBef>
+                <a:spcPts val="500"/>
+              </a:spcBef>
+              <a:buFont typeface="Arial" panose="020B0604020202020204" pitchFamily="34" charset="0"/>
+              <a:buChar char="•"/>
+              <a:defRPr sz="2400" kern="1200">
+                <a:solidFill>
+                  <a:schemeClr val="tx1"/>
+                </a:solidFill>
+                <a:latin typeface="+mn-lt"/>
+                <a:ea typeface="+mn-ea"/>
+                <a:cs typeface="+mn-cs"/>
+              </a:defRPr>
+            </a:lvl2pPr>
+            <a:lvl3pPr marL="1143000" indent="-228600" algn="l" defTabSz="914400" rtl="0" eaLnBrk="1" latinLnBrk="0" hangingPunct="1">
+              <a:lnSpc>
+                <a:spcPct val="90000"/>
+              </a:lnSpc>
+              <a:spcBef>
+                <a:spcPts val="500"/>
+              </a:spcBef>
+              <a:buFont typeface="Arial" panose="020B0604020202020204" pitchFamily="34" charset="0"/>
+              <a:buChar char="•"/>
+              <a:defRPr sz="2000" kern="1200">
+                <a:solidFill>
+                  <a:schemeClr val="tx1"/>
+                </a:solidFill>
+                <a:latin typeface="+mn-lt"/>
+                <a:ea typeface="+mn-ea"/>
+                <a:cs typeface="+mn-cs"/>
+              </a:defRPr>
+            </a:lvl3pPr>
+            <a:lvl4pPr marL="1600200" indent="-228600" algn="l" defTabSz="914400" rtl="0" eaLnBrk="1" latinLnBrk="0" hangingPunct="1">
+              <a:lnSpc>
+                <a:spcPct val="90000"/>
+              </a:lnSpc>
+              <a:spcBef>
+                <a:spcPts val="500"/>
+              </a:spcBef>
+              <a:buFont typeface="Arial" panose="020B0604020202020204" pitchFamily="34" charset="0"/>
+              <a:buChar char="•"/>
+              <a:defRPr sz="1800" kern="1200">
+                <a:solidFill>
+                  <a:schemeClr val="tx1"/>
+                </a:solidFill>
+                <a:latin typeface="+mn-lt"/>
+                <a:ea typeface="+mn-ea"/>
+                <a:cs typeface="+mn-cs"/>
+              </a:defRPr>
+            </a:lvl4pPr>
+            <a:lvl5pPr marL="2057400" indent="-228600" algn="l" defTabSz="914400" rtl="0" eaLnBrk="1" latinLnBrk="0" hangingPunct="1">
+              <a:lnSpc>
+                <a:spcPct val="90000"/>
+              </a:lnSpc>
+              <a:spcBef>
+                <a:spcPts val="500"/>
+              </a:spcBef>
+              <a:buFont typeface="Arial" panose="020B0604020202020204" pitchFamily="34" charset="0"/>
+              <a:buChar char="•"/>
+              <a:defRPr sz="1800" kern="1200">
+                <a:solidFill>
+                  <a:schemeClr val="tx1"/>
+                </a:solidFill>
+                <a:latin typeface="+mn-lt"/>
+                <a:ea typeface="+mn-ea"/>
+                <a:cs typeface="+mn-cs"/>
+              </a:defRPr>
+            </a:lvl5pPr>
+            <a:lvl6pPr marL="2514600" indent="-228600" algn="l" defTabSz="914400" rtl="0" eaLnBrk="1" latinLnBrk="0" hangingPunct="1">
+              <a:lnSpc>
+                <a:spcPct val="90000"/>
+              </a:lnSpc>
+              <a:spcBef>
+                <a:spcPts val="500"/>
+              </a:spcBef>
+              <a:buFont typeface="Arial" panose="020B0604020202020204" pitchFamily="34" charset="0"/>
+              <a:buChar char="•"/>
+              <a:defRPr sz="1800" kern="1200">
+                <a:solidFill>
+                  <a:schemeClr val="tx1"/>
+                </a:solidFill>
+                <a:latin typeface="+mn-lt"/>
+                <a:ea typeface="+mn-ea"/>
+                <a:cs typeface="+mn-cs"/>
+              </a:defRPr>
+            </a:lvl6pPr>
+            <a:lvl7pPr marL="2971800" indent="-228600" algn="l" defTabSz="914400" rtl="0" eaLnBrk="1" latinLnBrk="0" hangingPunct="1">
+              <a:lnSpc>
+                <a:spcPct val="90000"/>
+              </a:lnSpc>
+              <a:spcBef>
+                <a:spcPts val="500"/>
+              </a:spcBef>
+              <a:buFont typeface="Arial" panose="020B0604020202020204" pitchFamily="34" charset="0"/>
+              <a:buChar char="•"/>
+              <a:defRPr sz="1800" kern="1200">
+                <a:solidFill>
+                  <a:schemeClr val="tx1"/>
+                </a:solidFill>
+                <a:latin typeface="+mn-lt"/>
+                <a:ea typeface="+mn-ea"/>
+                <a:cs typeface="+mn-cs"/>
+              </a:defRPr>
+            </a:lvl7pPr>
+            <a:lvl8pPr marL="3429000" indent="-228600" algn="l" defTabSz="914400" rtl="0" eaLnBrk="1" latinLnBrk="0" hangingPunct="1">
+              <a:lnSpc>
+                <a:spcPct val="90000"/>
+              </a:lnSpc>
+              <a:spcBef>
+                <a:spcPts val="500"/>
+              </a:spcBef>
+              <a:buFont typeface="Arial" panose="020B0604020202020204" pitchFamily="34" charset="0"/>
+              <a:buChar char="•"/>
+              <a:defRPr sz="1800" kern="1200">
+                <a:solidFill>
+                  <a:schemeClr val="tx1"/>
+                </a:solidFill>
+                <a:latin typeface="+mn-lt"/>
+                <a:ea typeface="+mn-ea"/>
+                <a:cs typeface="+mn-cs"/>
+              </a:defRPr>
+            </a:lvl8pPr>
+            <a:lvl9pPr marL="3886200" indent="-228600" algn="l" defTabSz="914400" rtl="0" eaLnBrk="1" latinLnBrk="0" hangingPunct="1">
+              <a:lnSpc>
+                <a:spcPct val="90000"/>
+              </a:lnSpc>
+              <a:spcBef>
+                <a:spcPts val="500"/>
+              </a:spcBef>
+              <a:buFont typeface="Arial" panose="020B0604020202020204" pitchFamily="34" charset="0"/>
+              <a:buChar char="•"/>
+              <a:defRPr sz="1800" kern="1200">
+                <a:solidFill>
+                  <a:schemeClr val="tx1"/>
+                </a:solidFill>
+                <a:latin typeface="+mn-lt"/>
+                <a:ea typeface="+mn-ea"/>
+                <a:cs typeface="+mn-cs"/>
+              </a:defRPr>
+            </a:lvl9pPr>
+          </a:lstStyle>
+          <a:p>
+            <a:pPr marL="0" indent="0">
+              <a:buFont typeface="Arial" panose="020B0604020202020204" pitchFamily="34" charset="0"/>
+              <a:buNone/>
+            </a:pPr>
+            <a:r>
+              <a:rPr lang="en-US" dirty="0">
+                <a:solidFill>
+                  <a:schemeClr val="bg1"/>
+                </a:solidFill>
+                <a:effectLst>
+                  <a:outerShdw blurRad="38100" dist="38100" dir="2700000" algn="tl">
+                    <a:srgbClr val="000000">
+                      <a:alpha val="43137"/>
+                    </a:srgbClr>
+                  </a:outerShdw>
+                </a:effectLst>
+                <a:latin typeface="Assistant" panose="00000500000000000000" pitchFamily="50" charset="-79"/>
+                <a:cs typeface="Assistant" panose="00000500000000000000" pitchFamily="50" charset="-79"/>
+              </a:rPr>
+              <a:t>Promotes a collaborative and constructive environment around creating and refining recipes.</a:t>
+            </a:r>
+          </a:p>
+          <a:p>
+            <a:pPr marL="0" indent="0">
+              <a:buFont typeface="Arial" panose="020B0604020202020204" pitchFamily="34" charset="0"/>
+              <a:buNone/>
+            </a:pPr>
+            <a:r>
+              <a:rPr lang="en-US" dirty="0">
+                <a:solidFill>
+                  <a:schemeClr val="bg1"/>
+                </a:solidFill>
+                <a:effectLst>
+                  <a:outerShdw blurRad="38100" dist="38100" dir="2700000" algn="tl">
+                    <a:srgbClr val="000000">
+                      <a:alpha val="43137"/>
+                    </a:srgbClr>
+                  </a:outerShdw>
+                </a:effectLst>
+                <a:latin typeface="Assistant" panose="00000500000000000000" pitchFamily="50" charset="-79"/>
+                <a:cs typeface="Assistant" panose="00000500000000000000" pitchFamily="50" charset="-79"/>
+              </a:rPr>
+              <a:t>Allow users to upload “Variants” to recipes. Variants can be tagged not only by cuisine or type, but by intent.</a:t>
+            </a:r>
+          </a:p>
+          <a:p>
+            <a:pPr marL="0" indent="0">
+              <a:buFont typeface="Arial" panose="020B0604020202020204" pitchFamily="34" charset="0"/>
+              <a:buNone/>
+            </a:pPr>
+            <a:r>
+              <a:rPr lang="en-US" dirty="0">
+                <a:solidFill>
+                  <a:schemeClr val="bg1"/>
+                </a:solidFill>
+                <a:effectLst>
+                  <a:outerShdw blurRad="38100" dist="38100" dir="2700000" algn="tl">
+                    <a:srgbClr val="000000">
+                      <a:alpha val="43137"/>
+                    </a:srgbClr>
+                  </a:outerShdw>
+                </a:effectLst>
+                <a:latin typeface="Assistant" panose="00000500000000000000" pitchFamily="50" charset="-79"/>
+                <a:cs typeface="Assistant" panose="00000500000000000000" pitchFamily="50" charset="-79"/>
+              </a:rPr>
+              <a:t>Possible reasons to build and search for Variants include:</a:t>
+            </a:r>
+          </a:p>
+          <a:p>
+            <a:r>
+              <a:rPr lang="en-US" b="1" dirty="0">
+                <a:solidFill>
+                  <a:schemeClr val="bg1"/>
+                </a:solidFill>
+                <a:effectLst>
+                  <a:outerShdw blurRad="38100" dist="38100" dir="2700000" algn="tl">
+                    <a:srgbClr val="000000">
+                      <a:alpha val="43137"/>
+                    </a:srgbClr>
+                  </a:outerShdw>
+                </a:effectLst>
+                <a:latin typeface="Assistant" panose="00000500000000000000" pitchFamily="50" charset="-79"/>
+                <a:cs typeface="Assistant" panose="00000500000000000000" pitchFamily="50" charset="-79"/>
+              </a:rPr>
+              <a:t>Ethical</a:t>
+            </a:r>
+            <a:r>
+              <a:rPr lang="en-US" dirty="0">
+                <a:solidFill>
+                  <a:schemeClr val="bg1"/>
+                </a:solidFill>
+                <a:effectLst>
+                  <a:outerShdw blurRad="38100" dist="38100" dir="2700000" algn="tl">
+                    <a:srgbClr val="000000">
+                      <a:alpha val="43137"/>
+                    </a:srgbClr>
+                  </a:outerShdw>
+                </a:effectLst>
+                <a:latin typeface="Assistant" panose="00000500000000000000" pitchFamily="50" charset="-79"/>
+                <a:cs typeface="Assistant" panose="00000500000000000000" pitchFamily="50" charset="-79"/>
+              </a:rPr>
+              <a:t> (Vegan, Vegetarian…)</a:t>
+            </a:r>
+          </a:p>
+          <a:p>
+            <a:r>
+              <a:rPr lang="en-US" b="1" dirty="0">
+                <a:solidFill>
+                  <a:schemeClr val="bg1"/>
+                </a:solidFill>
+                <a:effectLst>
+                  <a:outerShdw blurRad="38100" dist="38100" dir="2700000" algn="tl">
+                    <a:srgbClr val="000000">
+                      <a:alpha val="43137"/>
+                    </a:srgbClr>
+                  </a:outerShdw>
+                </a:effectLst>
+                <a:latin typeface="Assistant" panose="00000500000000000000" pitchFamily="50" charset="-79"/>
+                <a:cs typeface="Assistant" panose="00000500000000000000" pitchFamily="50" charset="-79"/>
+              </a:rPr>
+              <a:t>Health-Related</a:t>
+            </a:r>
+            <a:r>
+              <a:rPr lang="en-US" dirty="0">
+                <a:solidFill>
+                  <a:schemeClr val="bg1"/>
+                </a:solidFill>
+                <a:effectLst>
+                  <a:outerShdw blurRad="38100" dist="38100" dir="2700000" algn="tl">
+                    <a:srgbClr val="000000">
+                      <a:alpha val="43137"/>
+                    </a:srgbClr>
+                  </a:outerShdw>
+                </a:effectLst>
+                <a:latin typeface="Assistant" panose="00000500000000000000" pitchFamily="50" charset="-79"/>
+                <a:cs typeface="Assistant" panose="00000500000000000000" pitchFamily="50" charset="-79"/>
+              </a:rPr>
+              <a:t> (Low sugar…)</a:t>
+            </a:r>
+          </a:p>
+          <a:p>
+            <a:r>
+              <a:rPr lang="en-US" b="1" dirty="0">
+                <a:solidFill>
+                  <a:schemeClr val="bg1"/>
+                </a:solidFill>
+                <a:effectLst>
+                  <a:outerShdw blurRad="38100" dist="38100" dir="2700000" algn="tl">
+                    <a:srgbClr val="000000">
+                      <a:alpha val="43137"/>
+                    </a:srgbClr>
+                  </a:outerShdw>
+                </a:effectLst>
+                <a:latin typeface="Assistant" panose="00000500000000000000" pitchFamily="50" charset="-79"/>
+                <a:cs typeface="Assistant" panose="00000500000000000000" pitchFamily="50" charset="-79"/>
+              </a:rPr>
+              <a:t>Dietary</a:t>
+            </a:r>
+            <a:r>
+              <a:rPr lang="en-US" dirty="0">
+                <a:solidFill>
+                  <a:schemeClr val="bg1"/>
+                </a:solidFill>
+                <a:effectLst>
+                  <a:outerShdw blurRad="38100" dist="38100" dir="2700000" algn="tl">
+                    <a:srgbClr val="000000">
+                      <a:alpha val="43137"/>
+                    </a:srgbClr>
+                  </a:outerShdw>
+                </a:effectLst>
+                <a:latin typeface="Assistant" panose="00000500000000000000" pitchFamily="50" charset="-79"/>
+                <a:cs typeface="Assistant" panose="00000500000000000000" pitchFamily="50" charset="-79"/>
+              </a:rPr>
+              <a:t> (Keto-friendly…)</a:t>
+            </a:r>
+          </a:p>
+          <a:p>
+            <a:r>
+              <a:rPr lang="en-US" b="1" dirty="0">
+                <a:solidFill>
+                  <a:schemeClr val="bg1"/>
+                </a:solidFill>
+                <a:effectLst>
+                  <a:outerShdw blurRad="38100" dist="38100" dir="2700000" algn="tl">
+                    <a:srgbClr val="000000">
+                      <a:alpha val="43137"/>
+                    </a:srgbClr>
+                  </a:outerShdw>
+                </a:effectLst>
+                <a:latin typeface="Assistant" panose="00000500000000000000" pitchFamily="50" charset="-79"/>
+                <a:cs typeface="Assistant" panose="00000500000000000000" pitchFamily="50" charset="-79"/>
+              </a:rPr>
+              <a:t>Religious</a:t>
+            </a:r>
+            <a:r>
+              <a:rPr lang="en-US" dirty="0">
+                <a:solidFill>
+                  <a:schemeClr val="bg1"/>
+                </a:solidFill>
+                <a:effectLst>
+                  <a:outerShdw blurRad="38100" dist="38100" dir="2700000" algn="tl">
+                    <a:srgbClr val="000000">
+                      <a:alpha val="43137"/>
+                    </a:srgbClr>
+                  </a:outerShdw>
+                </a:effectLst>
+                <a:latin typeface="Assistant" panose="00000500000000000000" pitchFamily="50" charset="-79"/>
+                <a:cs typeface="Assistant" panose="00000500000000000000" pitchFamily="50" charset="-79"/>
+              </a:rPr>
+              <a:t> (Non-pork, Kosher…)</a:t>
+            </a:r>
+          </a:p>
+          <a:p>
+            <a:r>
+              <a:rPr lang="en-US" b="1" dirty="0">
+                <a:solidFill>
+                  <a:schemeClr val="bg1"/>
+                </a:solidFill>
+                <a:effectLst>
+                  <a:outerShdw blurRad="38100" dist="38100" dir="2700000" algn="tl">
+                    <a:srgbClr val="000000">
+                      <a:alpha val="43137"/>
+                    </a:srgbClr>
+                  </a:outerShdw>
+                </a:effectLst>
+                <a:latin typeface="Assistant" panose="00000500000000000000" pitchFamily="50" charset="-79"/>
+                <a:cs typeface="Assistant" panose="00000500000000000000" pitchFamily="50" charset="-79"/>
+              </a:rPr>
+              <a:t>Allergenic</a:t>
+            </a:r>
+            <a:r>
+              <a:rPr lang="en-US" dirty="0">
+                <a:solidFill>
+                  <a:schemeClr val="bg1"/>
+                </a:solidFill>
+                <a:effectLst>
+                  <a:outerShdw blurRad="38100" dist="38100" dir="2700000" algn="tl">
+                    <a:srgbClr val="000000">
+                      <a:alpha val="43137"/>
+                    </a:srgbClr>
+                  </a:outerShdw>
+                </a:effectLst>
+                <a:latin typeface="Assistant" panose="00000500000000000000" pitchFamily="50" charset="-79"/>
+                <a:cs typeface="Assistant" panose="00000500000000000000" pitchFamily="50" charset="-79"/>
+              </a:rPr>
+              <a:t> (Lactose-free, Gluten-free…)</a:t>
+            </a:r>
+          </a:p>
+          <a:p>
+            <a:r>
+              <a:rPr lang="en-US" b="1" dirty="0">
+                <a:solidFill>
+                  <a:schemeClr val="bg1"/>
+                </a:solidFill>
+                <a:effectLst>
+                  <a:outerShdw blurRad="38100" dist="38100" dir="2700000" algn="tl">
+                    <a:srgbClr val="000000">
+                      <a:alpha val="43137"/>
+                    </a:srgbClr>
+                  </a:outerShdw>
+                </a:effectLst>
+                <a:latin typeface="Assistant" panose="00000500000000000000" pitchFamily="50" charset="-79"/>
+                <a:cs typeface="Assistant" panose="00000500000000000000" pitchFamily="50" charset="-79"/>
+              </a:rPr>
+              <a:t>Monetary</a:t>
+            </a:r>
+            <a:r>
+              <a:rPr lang="en-US" dirty="0">
+                <a:solidFill>
+                  <a:schemeClr val="bg1"/>
+                </a:solidFill>
+                <a:effectLst>
+                  <a:outerShdw blurRad="38100" dist="38100" dir="2700000" algn="tl">
+                    <a:srgbClr val="000000">
+                      <a:alpha val="43137"/>
+                    </a:srgbClr>
+                  </a:outerShdw>
+                </a:effectLst>
+                <a:latin typeface="Assistant" panose="00000500000000000000" pitchFamily="50" charset="-79"/>
+                <a:cs typeface="Assistant" panose="00000500000000000000" pitchFamily="50" charset="-79"/>
+              </a:rPr>
+              <a:t> (“Wine, on my budget?”)</a:t>
+            </a:r>
+          </a:p>
+          <a:p>
+            <a:r>
+              <a:rPr lang="en-US" b="1" dirty="0">
+                <a:solidFill>
+                  <a:schemeClr val="bg1"/>
+                </a:solidFill>
+                <a:effectLst>
+                  <a:outerShdw blurRad="38100" dist="38100" dir="2700000" algn="tl">
+                    <a:srgbClr val="000000">
+                      <a:alpha val="43137"/>
+                    </a:srgbClr>
+                  </a:outerShdw>
+                </a:effectLst>
+                <a:latin typeface="Assistant" panose="00000500000000000000" pitchFamily="50" charset="-79"/>
+                <a:cs typeface="Assistant" panose="00000500000000000000" pitchFamily="50" charset="-79"/>
+              </a:rPr>
+              <a:t>Cultural</a:t>
+            </a:r>
+            <a:r>
+              <a:rPr lang="en-US" dirty="0">
+                <a:solidFill>
+                  <a:schemeClr val="bg1"/>
+                </a:solidFill>
+                <a:effectLst>
+                  <a:outerShdw blurRad="38100" dist="38100" dir="2700000" algn="tl">
+                    <a:srgbClr val="000000">
+                      <a:alpha val="43137"/>
+                    </a:srgbClr>
+                  </a:outerShdw>
+                </a:effectLst>
+                <a:latin typeface="Assistant" panose="00000500000000000000" pitchFamily="50" charset="-79"/>
+                <a:cs typeface="Assistant" panose="00000500000000000000" pitchFamily="50" charset="-79"/>
+              </a:rPr>
+              <a:t> (“This isn’t a real Texas Chili!”)</a:t>
+            </a:r>
+          </a:p>
+        </p:txBody>
+      </p:sp>
+      <p:sp>
+        <p:nvSpPr>
+          <p:cNvPr id="9" name="Rectangle 8">
+            <a:extLst>
+              <a:ext uri="{FF2B5EF4-FFF2-40B4-BE49-F238E27FC236}">
+                <a16:creationId xmlns:a16="http://schemas.microsoft.com/office/drawing/2014/main" id="{454772E4-6AAC-412D-9D0C-D21C13596C94}"/>
+              </a:ext>
+            </a:extLst>
+          </p:cNvPr>
+          <p:cNvSpPr/>
+          <p:nvPr/>
+        </p:nvSpPr>
+        <p:spPr>
+          <a:xfrm>
+            <a:off x="10206681" y="-840259"/>
+            <a:ext cx="963827" cy="8501448"/>
+          </a:xfrm>
+          <a:prstGeom prst="rect">
+            <a:avLst/>
+          </a:prstGeom>
+          <a:solidFill>
+            <a:srgbClr val="861657"/>
+          </a:solidFill>
+          <a:ln>
+            <a:noFill/>
+          </a:ln>
+          <a:effectLst>
+            <a:outerShdw blurRad="63500" sx="102000" sy="102000" algn="ctr" rotWithShape="0">
+              <a:prstClr val="black">
+                <a:alpha val="40000"/>
+              </a:prstClr>
+            </a:outerShdw>
+          </a:effectLst>
+        </p:spPr>
+        <p:style>
+          <a:lnRef idx="2">
+            <a:schemeClr val="accent1">
+              <a:shade val="50000"/>
+            </a:schemeClr>
+          </a:lnRef>
+          <a:fillRef idx="1">
+            <a:schemeClr val="accent1"/>
+          </a:fillRef>
+          <a:effectRef idx="0">
+            <a:schemeClr val="accent1"/>
+          </a:effectRef>
+          <a:fontRef idx="minor">
+            <a:schemeClr val="lt1"/>
+          </a:fontRef>
+        </p:style>
+        <p:txBody>
+          <a:bodyPr rtlCol="0" anchor="ctr"/>
+          <a:lstStyle/>
+          <a:p>
+            <a:pPr algn="ctr"/>
+            <a:endParaRPr lang="en-US"/>
+          </a:p>
+        </p:txBody>
+      </p:sp>
+      <p:sp>
+        <p:nvSpPr>
+          <p:cNvPr id="10" name="Rectangle 9">
+            <a:extLst>
+              <a:ext uri="{FF2B5EF4-FFF2-40B4-BE49-F238E27FC236}">
+                <a16:creationId xmlns:a16="http://schemas.microsoft.com/office/drawing/2014/main" id="{4F77882A-6BC0-4C80-962C-0F0D7CD2BEC4}"/>
+              </a:ext>
+            </a:extLst>
+          </p:cNvPr>
+          <p:cNvSpPr/>
+          <p:nvPr/>
+        </p:nvSpPr>
+        <p:spPr>
+          <a:xfrm>
+            <a:off x="11372336" y="-821724"/>
+            <a:ext cx="243016" cy="8501448"/>
+          </a:xfrm>
+          <a:prstGeom prst="rect">
+            <a:avLst/>
+          </a:prstGeom>
+          <a:solidFill>
+            <a:srgbClr val="861657"/>
+          </a:solidFill>
+          <a:ln>
+            <a:noFill/>
+          </a:ln>
+          <a:effectLst>
+            <a:outerShdw blurRad="63500" sx="102000" sy="102000" algn="ctr" rotWithShape="0">
+              <a:prstClr val="black">
+                <a:alpha val="40000"/>
+              </a:prstClr>
+            </a:outerShdw>
+          </a:effectLst>
+        </p:spPr>
+        <p:style>
+          <a:lnRef idx="2">
+            <a:schemeClr val="accent1">
+              <a:shade val="50000"/>
+            </a:schemeClr>
+          </a:lnRef>
+          <a:fillRef idx="1">
+            <a:schemeClr val="accent1"/>
+          </a:fillRef>
+          <a:effectRef idx="0">
+            <a:schemeClr val="accent1"/>
+          </a:effectRef>
+          <a:fontRef idx="minor">
+            <a:schemeClr val="lt1"/>
+          </a:fontRef>
+        </p:style>
+        <p:txBody>
+          <a:bodyPr rtlCol="0" anchor="ctr"/>
+          <a:lstStyle/>
+          <a:p>
+            <a:pPr algn="ctr"/>
             <a:endParaRPr lang="en-US"/>
           </a:p>
         </p:txBody>
@@ -4100,6 +8713,14 @@
 <file path=ppt/slides/slide3.xml><?xml version="1.0" encoding="utf-8"?>
 <p:sld xmlns:a="http://schemas.openxmlformats.org/drawingml/2006/main" xmlns:r="http://schemas.openxmlformats.org/officeDocument/2006/relationships" xmlns:p="http://schemas.openxmlformats.org/presentationml/2006/main">
   <p:cSld>
+    <p:bg>
+      <p:bgPr>
+        <a:solidFill>
+          <a:srgbClr val="CE2D75"/>
+        </a:solidFill>
+        <a:effectLst/>
+      </p:bgPr>
+    </p:bg>
     <p:spTree>
       <p:nvGrpSpPr>
         <p:cNvPr id="1" name=""/>
@@ -4116,61 +8737,4223 @@
       </p:grpSpPr>
       <p:sp>
         <p:nvSpPr>
-          <p:cNvPr id="2" name="Title 1">
-            <a:extLst>
-              <a:ext uri="{FF2B5EF4-FFF2-40B4-BE49-F238E27FC236}">
-                <a16:creationId xmlns:a16="http://schemas.microsoft.com/office/drawing/2014/main" id="{E394ECD3-1A62-4DEF-8934-9C5A39338436}"/>
-              </a:ext>
-            </a:extLst>
-          </p:cNvPr>
-          <p:cNvSpPr>
-            <a:spLocks noGrp="1"/>
+          <p:cNvPr id="5" name="Rectangle 4">
+            <a:extLst>
+              <a:ext uri="{FF2B5EF4-FFF2-40B4-BE49-F238E27FC236}">
+                <a16:creationId xmlns:a16="http://schemas.microsoft.com/office/drawing/2014/main" id="{6EF79363-2E3F-42D2-9AB6-44D507EA6767}"/>
+              </a:ext>
+            </a:extLst>
+          </p:cNvPr>
+          <p:cNvSpPr/>
+          <p:nvPr/>
+        </p:nvSpPr>
+        <p:spPr>
+          <a:xfrm>
+            <a:off x="0" y="-2477729"/>
+            <a:ext cx="2477729" cy="12565626"/>
+          </a:xfrm>
+          <a:prstGeom prst="rect">
+            <a:avLst/>
+          </a:prstGeom>
+          <a:solidFill>
+            <a:srgbClr val="CE2D75"/>
+          </a:solidFill>
+          <a:ln>
+            <a:noFill/>
+          </a:ln>
+          <a:effectLst>
+            <a:innerShdw blurRad="546100" dist="50800" dir="10800000">
+              <a:prstClr val="black">
+                <a:alpha val="45000"/>
+              </a:prstClr>
+            </a:innerShdw>
+          </a:effectLst>
+        </p:spPr>
+        <p:style>
+          <a:lnRef idx="2">
+            <a:schemeClr val="accent1">
+              <a:shade val="50000"/>
+            </a:schemeClr>
+          </a:lnRef>
+          <a:fillRef idx="1">
+            <a:schemeClr val="accent1"/>
+          </a:fillRef>
+          <a:effectRef idx="0">
+            <a:schemeClr val="accent1"/>
+          </a:effectRef>
+          <a:fontRef idx="minor">
+            <a:schemeClr val="lt1"/>
+          </a:fontRef>
+        </p:style>
+        <p:txBody>
+          <a:bodyPr rtlCol="0" anchor="ctr"/>
+          <a:lstStyle/>
+          <a:p>
+            <a:pPr algn="ctr"/>
+            <a:endParaRPr lang="en-US"/>
+          </a:p>
+        </p:txBody>
+      </p:sp>
+      <p:sp>
+        <p:nvSpPr>
+          <p:cNvPr id="6" name="Rectangle 5">
+            <a:extLst>
+              <a:ext uri="{FF2B5EF4-FFF2-40B4-BE49-F238E27FC236}">
+                <a16:creationId xmlns:a16="http://schemas.microsoft.com/office/drawing/2014/main" id="{60654D08-5910-4876-9978-07BFCF66D0FD}"/>
+              </a:ext>
+            </a:extLst>
+          </p:cNvPr>
+          <p:cNvSpPr/>
+          <p:nvPr/>
+        </p:nvSpPr>
+        <p:spPr>
+          <a:xfrm>
+            <a:off x="513403" y="-2920180"/>
+            <a:ext cx="3416710" cy="13219471"/>
+          </a:xfrm>
+          <a:prstGeom prst="rect">
+            <a:avLst/>
+          </a:prstGeom>
+          <a:solidFill>
+            <a:srgbClr val="CE2D75"/>
+          </a:solidFill>
+          <a:ln>
+            <a:noFill/>
+          </a:ln>
+          <a:effectLst/>
+        </p:spPr>
+        <p:style>
+          <a:lnRef idx="2">
+            <a:schemeClr val="accent1">
+              <a:shade val="50000"/>
+            </a:schemeClr>
+          </a:lnRef>
+          <a:fillRef idx="1">
+            <a:schemeClr val="accent1"/>
+          </a:fillRef>
+          <a:effectRef idx="0">
+            <a:schemeClr val="accent1"/>
+          </a:effectRef>
+          <a:fontRef idx="minor">
+            <a:schemeClr val="lt1"/>
+          </a:fontRef>
+        </p:style>
+        <p:txBody>
+          <a:bodyPr rtlCol="0" anchor="ctr"/>
+          <a:lstStyle/>
+          <a:p>
+            <a:pPr algn="ctr"/>
+            <a:endParaRPr lang="en-US"/>
+          </a:p>
+        </p:txBody>
+      </p:sp>
+      <p:sp>
+        <p:nvSpPr>
+          <p:cNvPr id="2" name="Rectangle 1">
+            <a:extLst>
+              <a:ext uri="{FF2B5EF4-FFF2-40B4-BE49-F238E27FC236}">
+                <a16:creationId xmlns:a16="http://schemas.microsoft.com/office/drawing/2014/main" id="{A6C41F6E-1D50-4C76-AD45-4C0EB3648A99}"/>
+              </a:ext>
+            </a:extLst>
+          </p:cNvPr>
+          <p:cNvSpPr/>
+          <p:nvPr/>
+        </p:nvSpPr>
+        <p:spPr>
+          <a:xfrm>
+            <a:off x="2148114" y="1430999"/>
+            <a:ext cx="6241143" cy="4911743"/>
+          </a:xfrm>
+          <a:prstGeom prst="rect">
+            <a:avLst/>
+          </a:prstGeom>
+          <a:solidFill>
+            <a:schemeClr val="bg1"/>
+          </a:solidFill>
+          <a:ln>
+            <a:noFill/>
+          </a:ln>
+          <a:effectLst>
+            <a:softEdge rad="31750"/>
+          </a:effectLst>
+        </p:spPr>
+        <p:style>
+          <a:lnRef idx="2">
+            <a:schemeClr val="accent1">
+              <a:shade val="50000"/>
+            </a:schemeClr>
+          </a:lnRef>
+          <a:fillRef idx="1">
+            <a:schemeClr val="accent1"/>
+          </a:fillRef>
+          <a:effectRef idx="0">
+            <a:schemeClr val="accent1"/>
+          </a:effectRef>
+          <a:fontRef idx="minor">
+            <a:schemeClr val="lt1"/>
+          </a:fontRef>
+        </p:style>
+        <p:txBody>
+          <a:bodyPr rtlCol="0" anchor="ctr"/>
+          <a:lstStyle/>
+          <a:p>
+            <a:pPr algn="ctr"/>
+            <a:endParaRPr lang="en-US"/>
+          </a:p>
+        </p:txBody>
+      </p:sp>
+      <p:sp>
+        <p:nvSpPr>
+          <p:cNvPr id="4" name="Rectangle 3">
+            <a:extLst>
+              <a:ext uri="{FF2B5EF4-FFF2-40B4-BE49-F238E27FC236}">
+                <a16:creationId xmlns:a16="http://schemas.microsoft.com/office/drawing/2014/main" id="{DAEF528C-F486-4844-BD68-FBECBCCFDA0E}"/>
+              </a:ext>
+            </a:extLst>
+          </p:cNvPr>
+          <p:cNvSpPr/>
+          <p:nvPr/>
+        </p:nvSpPr>
+        <p:spPr>
+          <a:xfrm rot="10800000">
+            <a:off x="9714271" y="-2266335"/>
+            <a:ext cx="2477729" cy="12565626"/>
+          </a:xfrm>
+          <a:prstGeom prst="rect">
+            <a:avLst/>
+          </a:prstGeom>
+          <a:solidFill>
+            <a:srgbClr val="CE2D75"/>
+          </a:solidFill>
+          <a:ln>
+            <a:noFill/>
+          </a:ln>
+          <a:effectLst>
+            <a:innerShdw blurRad="546100" dist="50800">
+              <a:prstClr val="black">
+                <a:alpha val="45000"/>
+              </a:prstClr>
+            </a:innerShdw>
+          </a:effectLst>
+        </p:spPr>
+        <p:style>
+          <a:lnRef idx="2">
+            <a:schemeClr val="accent1">
+              <a:shade val="50000"/>
+            </a:schemeClr>
+          </a:lnRef>
+          <a:fillRef idx="1">
+            <a:schemeClr val="accent1"/>
+          </a:fillRef>
+          <a:effectRef idx="0">
+            <a:schemeClr val="accent1"/>
+          </a:effectRef>
+          <a:fontRef idx="minor">
+            <a:schemeClr val="lt1"/>
+          </a:fontRef>
+        </p:style>
+        <p:txBody>
+          <a:bodyPr rtlCol="0" anchor="ctr"/>
+          <a:lstStyle/>
+          <a:p>
+            <a:pPr algn="ctr"/>
+            <a:endParaRPr lang="en-US"/>
+          </a:p>
+        </p:txBody>
+      </p:sp>
+      <p:sp>
+        <p:nvSpPr>
+          <p:cNvPr id="7" name="Title 1">
+            <a:extLst>
+              <a:ext uri="{FF2B5EF4-FFF2-40B4-BE49-F238E27FC236}">
+                <a16:creationId xmlns:a16="http://schemas.microsoft.com/office/drawing/2014/main" id="{47DE1837-8B77-4128-BE1C-3D84A9B4CF32}"/>
+              </a:ext>
+            </a:extLst>
+          </p:cNvPr>
+          <p:cNvSpPr txBox="1">
+            <a:spLocks/>
           </p:cNvSpPr>
-          <p:nvPr>
-            <p:ph type="title"/>
-          </p:nvPr>
-        </p:nvSpPr>
-        <p:spPr/>
-        <p:txBody>
-          <a:bodyPr/>
-          <a:lstStyle/>
-          <a:p>
-            <a:r>
-              <a:rPr lang="en-US" dirty="0"/>
-              <a:t>Tools Used</a:t>
-            </a:r>
-          </a:p>
-        </p:txBody>
-      </p:sp>
-      <p:sp>
-        <p:nvSpPr>
-          <p:cNvPr id="3" name="Content Placeholder 2">
-            <a:extLst>
-              <a:ext uri="{FF2B5EF4-FFF2-40B4-BE49-F238E27FC236}">
-                <a16:creationId xmlns:a16="http://schemas.microsoft.com/office/drawing/2014/main" id="{7B5ACE67-6EAC-46D9-A0F2-E25A6850DEF7}"/>
-              </a:ext>
-            </a:extLst>
-          </p:cNvPr>
-          <p:cNvSpPr>
-            <a:spLocks noGrp="1"/>
-          </p:cNvSpPr>
-          <p:nvPr>
-            <p:ph idx="1"/>
-          </p:nvPr>
-        </p:nvSpPr>
-        <p:spPr/>
-        <p:txBody>
-          <a:bodyPr/>
-          <a:lstStyle/>
-          <a:p>
+          <p:nvPr/>
+        </p:nvSpPr>
+        <p:spPr>
+          <a:xfrm>
+            <a:off x="838200" y="365125"/>
+            <a:ext cx="10515600" cy="1325563"/>
+          </a:xfrm>
+          <a:prstGeom prst="rect">
+            <a:avLst/>
+          </a:prstGeom>
+        </p:spPr>
+        <p:txBody>
+          <a:bodyPr vert="horz" lIns="91440" tIns="45720" rIns="91440" bIns="45720" rtlCol="0" anchor="ctr">
+            <a:normAutofit/>
+          </a:bodyPr>
+          <a:lstStyle>
+            <a:lvl1pPr algn="l" defTabSz="914400" rtl="0" eaLnBrk="1" latinLnBrk="0" hangingPunct="1">
+              <a:lnSpc>
+                <a:spcPct val="90000"/>
+              </a:lnSpc>
+              <a:spcBef>
+                <a:spcPct val="0"/>
+              </a:spcBef>
+              <a:buNone/>
+              <a:defRPr sz="4400" kern="1200">
+                <a:solidFill>
+                  <a:schemeClr val="tx1"/>
+                </a:solidFill>
+                <a:latin typeface="+mj-lt"/>
+                <a:ea typeface="+mj-ea"/>
+                <a:cs typeface="+mj-cs"/>
+              </a:defRPr>
+            </a:lvl1pPr>
+          </a:lstStyle>
+          <a:p>
+            <a:r>
+              <a:rPr lang="en-US" b="1" dirty="0">
+                <a:solidFill>
+                  <a:schemeClr val="bg1"/>
+                </a:solidFill>
+                <a:latin typeface="Assistant" panose="00000500000000000000" pitchFamily="50" charset="-79"/>
+                <a:cs typeface="Assistant" panose="00000500000000000000" pitchFamily="50" charset="-79"/>
+              </a:rPr>
+              <a:t>Software Used</a:t>
+            </a:r>
+          </a:p>
+        </p:txBody>
+      </p:sp>
+      <p:sp>
+        <p:nvSpPr>
+          <p:cNvPr id="9" name="Rectangle 8">
+            <a:extLst>
+              <a:ext uri="{FF2B5EF4-FFF2-40B4-BE49-F238E27FC236}">
+                <a16:creationId xmlns:a16="http://schemas.microsoft.com/office/drawing/2014/main" id="{454772E4-6AAC-412D-9D0C-D21C13596C94}"/>
+              </a:ext>
+            </a:extLst>
+          </p:cNvPr>
+          <p:cNvSpPr/>
+          <p:nvPr/>
+        </p:nvSpPr>
+        <p:spPr>
+          <a:xfrm>
+            <a:off x="10206681" y="-840259"/>
+            <a:ext cx="963827" cy="8501448"/>
+          </a:xfrm>
+          <a:prstGeom prst="rect">
+            <a:avLst/>
+          </a:prstGeom>
+          <a:solidFill>
+            <a:srgbClr val="861657"/>
+          </a:solidFill>
+          <a:ln>
+            <a:noFill/>
+          </a:ln>
+          <a:effectLst>
+            <a:outerShdw blurRad="63500" sx="102000" sy="102000" algn="ctr" rotWithShape="0">
+              <a:prstClr val="black">
+                <a:alpha val="40000"/>
+              </a:prstClr>
+            </a:outerShdw>
+          </a:effectLst>
+        </p:spPr>
+        <p:style>
+          <a:lnRef idx="2">
+            <a:schemeClr val="accent1">
+              <a:shade val="50000"/>
+            </a:schemeClr>
+          </a:lnRef>
+          <a:fillRef idx="1">
+            <a:schemeClr val="accent1"/>
+          </a:fillRef>
+          <a:effectRef idx="0">
+            <a:schemeClr val="accent1"/>
+          </a:effectRef>
+          <a:fontRef idx="minor">
+            <a:schemeClr val="lt1"/>
+          </a:fontRef>
+        </p:style>
+        <p:txBody>
+          <a:bodyPr rtlCol="0" anchor="ctr"/>
+          <a:lstStyle/>
+          <a:p>
+            <a:pPr algn="ctr"/>
             <a:endParaRPr lang="en-US"/>
           </a:p>
         </p:txBody>
       </p:sp>
+      <p:sp>
+        <p:nvSpPr>
+          <p:cNvPr id="10" name="Rectangle 9">
+            <a:extLst>
+              <a:ext uri="{FF2B5EF4-FFF2-40B4-BE49-F238E27FC236}">
+                <a16:creationId xmlns:a16="http://schemas.microsoft.com/office/drawing/2014/main" id="{4F77882A-6BC0-4C80-962C-0F0D7CD2BEC4}"/>
+              </a:ext>
+            </a:extLst>
+          </p:cNvPr>
+          <p:cNvSpPr/>
+          <p:nvPr/>
+        </p:nvSpPr>
+        <p:spPr>
+          <a:xfrm>
+            <a:off x="11372336" y="-821724"/>
+            <a:ext cx="243016" cy="8501448"/>
+          </a:xfrm>
+          <a:prstGeom prst="rect">
+            <a:avLst/>
+          </a:prstGeom>
+          <a:solidFill>
+            <a:srgbClr val="861657"/>
+          </a:solidFill>
+          <a:ln>
+            <a:noFill/>
+          </a:ln>
+          <a:effectLst>
+            <a:outerShdw blurRad="63500" sx="102000" sy="102000" algn="ctr" rotWithShape="0">
+              <a:prstClr val="black">
+                <a:alpha val="40000"/>
+              </a:prstClr>
+            </a:outerShdw>
+          </a:effectLst>
+        </p:spPr>
+        <p:style>
+          <a:lnRef idx="2">
+            <a:schemeClr val="accent1">
+              <a:shade val="50000"/>
+            </a:schemeClr>
+          </a:lnRef>
+          <a:fillRef idx="1">
+            <a:schemeClr val="accent1"/>
+          </a:fillRef>
+          <a:effectRef idx="0">
+            <a:schemeClr val="accent1"/>
+          </a:effectRef>
+          <a:fontRef idx="minor">
+            <a:schemeClr val="lt1"/>
+          </a:fontRef>
+        </p:style>
+        <p:txBody>
+          <a:bodyPr rtlCol="0" anchor="ctr"/>
+          <a:lstStyle/>
+          <a:p>
+            <a:pPr algn="ctr"/>
+            <a:endParaRPr lang="en-US"/>
+          </a:p>
+        </p:txBody>
+      </p:sp>
+      <p:pic>
+        <p:nvPicPr>
+          <p:cNvPr id="11" name="Content Placeholder 4">
+            <a:extLst>
+              <a:ext uri="{FF2B5EF4-FFF2-40B4-BE49-F238E27FC236}">
+                <a16:creationId xmlns:a16="http://schemas.microsoft.com/office/drawing/2014/main" id="{5D3A3232-FA8D-4316-AC50-DCAFEB8BB4E3}"/>
+              </a:ext>
+            </a:extLst>
+          </p:cNvPr>
+          <p:cNvPicPr>
+            <a:picLocks noChangeAspect="1"/>
+          </p:cNvPicPr>
+          <p:nvPr/>
+        </p:nvPicPr>
+        <p:blipFill>
+          <a:blip r:embed="rId3">
+            <a:extLst>
+              <a:ext uri="{28A0092B-C50C-407E-A947-70E740481C1C}">
+                <a14:useLocalDpi xmlns:a14="http://schemas.microsoft.com/office/drawing/2010/main" val="0"/>
+              </a:ext>
+            </a:extLst>
+          </a:blip>
+          <a:stretch>
+            <a:fillRect/>
+          </a:stretch>
+        </p:blipFill>
+        <p:spPr>
+          <a:xfrm>
+            <a:off x="5289142" y="1546529"/>
+            <a:ext cx="3114566" cy="2258555"/>
+          </a:xfrm>
+          <a:prstGeom prst="rect">
+            <a:avLst/>
+          </a:prstGeom>
+        </p:spPr>
+      </p:pic>
+      <p:pic>
+        <p:nvPicPr>
+          <p:cNvPr id="12" name="Picture 11">
+            <a:extLst>
+              <a:ext uri="{FF2B5EF4-FFF2-40B4-BE49-F238E27FC236}">
+                <a16:creationId xmlns:a16="http://schemas.microsoft.com/office/drawing/2014/main" id="{78D76B5D-A44D-4170-AD01-74076CD06EE6}"/>
+              </a:ext>
+            </a:extLst>
+          </p:cNvPr>
+          <p:cNvPicPr>
+            <a:picLocks noChangeAspect="1"/>
+          </p:cNvPicPr>
+          <p:nvPr/>
+        </p:nvPicPr>
+        <p:blipFill>
+          <a:blip r:embed="rId4">
+            <a:extLst>
+              <a:ext uri="{28A0092B-C50C-407E-A947-70E740481C1C}">
+                <a14:useLocalDpi xmlns:a14="http://schemas.microsoft.com/office/drawing/2010/main" val="0"/>
+              </a:ext>
+            </a:extLst>
+          </a:blip>
+          <a:stretch>
+            <a:fillRect/>
+          </a:stretch>
+        </p:blipFill>
+        <p:spPr>
+          <a:xfrm>
+            <a:off x="2841501" y="1825625"/>
+            <a:ext cx="1739514" cy="1739514"/>
+          </a:xfrm>
+          <a:prstGeom prst="rect">
+            <a:avLst/>
+          </a:prstGeom>
+        </p:spPr>
+      </p:pic>
+      <p:pic>
+        <p:nvPicPr>
+          <p:cNvPr id="13" name="Picture 12">
+            <a:extLst>
+              <a:ext uri="{FF2B5EF4-FFF2-40B4-BE49-F238E27FC236}">
+                <a16:creationId xmlns:a16="http://schemas.microsoft.com/office/drawing/2014/main" id="{3DF9C4F0-DF5E-4D23-8749-35001A8F581F}"/>
+              </a:ext>
+            </a:extLst>
+          </p:cNvPr>
+          <p:cNvPicPr>
+            <a:picLocks noChangeAspect="1"/>
+          </p:cNvPicPr>
+          <p:nvPr/>
+        </p:nvPicPr>
+        <p:blipFill>
+          <a:blip r:embed="rId5">
+            <a:extLst>
+              <a:ext uri="{28A0092B-C50C-407E-A947-70E740481C1C}">
+                <a14:useLocalDpi xmlns:a14="http://schemas.microsoft.com/office/drawing/2010/main" val="0"/>
+              </a:ext>
+            </a:extLst>
+          </a:blip>
+          <a:stretch>
+            <a:fillRect/>
+          </a:stretch>
+        </p:blipFill>
+        <p:spPr>
+          <a:xfrm>
+            <a:off x="2701608" y="4533542"/>
+            <a:ext cx="2019300" cy="1090422"/>
+          </a:xfrm>
+          <a:prstGeom prst="rect">
+            <a:avLst/>
+          </a:prstGeom>
+        </p:spPr>
+      </p:pic>
+      <p:pic>
+        <p:nvPicPr>
+          <p:cNvPr id="14" name="Picture 13">
+            <a:extLst>
+              <a:ext uri="{FF2B5EF4-FFF2-40B4-BE49-F238E27FC236}">
+                <a16:creationId xmlns:a16="http://schemas.microsoft.com/office/drawing/2014/main" id="{E1284D71-566C-45BD-ACD6-135B2F7C30D8}"/>
+              </a:ext>
+            </a:extLst>
+          </p:cNvPr>
+          <p:cNvPicPr>
+            <a:picLocks noChangeAspect="1"/>
+          </p:cNvPicPr>
+          <p:nvPr/>
+        </p:nvPicPr>
+        <p:blipFill>
+          <a:blip r:embed="rId6">
+            <a:extLst>
+              <a:ext uri="{28A0092B-C50C-407E-A947-70E740481C1C}">
+                <a14:useLocalDpi xmlns:a14="http://schemas.microsoft.com/office/drawing/2010/main" val="0"/>
+              </a:ext>
+            </a:extLst>
+          </a:blip>
+          <a:stretch>
+            <a:fillRect/>
+          </a:stretch>
+        </p:blipFill>
+        <p:spPr>
+          <a:xfrm>
+            <a:off x="5874202" y="4272554"/>
+            <a:ext cx="1905000" cy="1905000"/>
+          </a:xfrm>
+          <a:prstGeom prst="rect">
+            <a:avLst/>
+          </a:prstGeom>
+        </p:spPr>
+      </p:pic>
     </p:spTree>
     <p:extLst>
       <p:ext uri="{BB962C8B-B14F-4D97-AF65-F5344CB8AC3E}">
-        <p14:creationId xmlns:p14="http://schemas.microsoft.com/office/powerpoint/2010/main" val="2409325431"/>
+        <p14:creationId xmlns:p14="http://schemas.microsoft.com/office/powerpoint/2010/main" val="1081214841"/>
+      </p:ext>
+    </p:extLst>
+  </p:cSld>
+  <p:clrMapOvr>
+    <a:masterClrMapping/>
+  </p:clrMapOvr>
+</p:sld>
+</file>
+
+<file path=ppt/slides/slide4.xml><?xml version="1.0" encoding="utf-8"?>
+<p:sld xmlns:a="http://schemas.openxmlformats.org/drawingml/2006/main" xmlns:r="http://schemas.openxmlformats.org/officeDocument/2006/relationships" xmlns:p="http://schemas.openxmlformats.org/presentationml/2006/main">
+  <p:cSld>
+    <p:bg>
+      <p:bgPr>
+        <a:solidFill>
+          <a:srgbClr val="CE2D75"/>
+        </a:solidFill>
+        <a:effectLst/>
+      </p:bgPr>
+    </p:bg>
+    <p:spTree>
+      <p:nvGrpSpPr>
+        <p:cNvPr id="1" name=""/>
+        <p:cNvGrpSpPr/>
+        <p:nvPr/>
+      </p:nvGrpSpPr>
+      <p:grpSpPr>
+        <a:xfrm>
+          <a:off x="0" y="0"/>
+          <a:ext cx="0" cy="0"/>
+          <a:chOff x="0" y="0"/>
+          <a:chExt cx="0" cy="0"/>
+        </a:xfrm>
+      </p:grpSpPr>
+      <p:sp>
+        <p:nvSpPr>
+          <p:cNvPr id="5" name="Rectangle 4">
+            <a:extLst>
+              <a:ext uri="{FF2B5EF4-FFF2-40B4-BE49-F238E27FC236}">
+                <a16:creationId xmlns:a16="http://schemas.microsoft.com/office/drawing/2014/main" id="{6EF79363-2E3F-42D2-9AB6-44D507EA6767}"/>
+              </a:ext>
+            </a:extLst>
+          </p:cNvPr>
+          <p:cNvSpPr/>
+          <p:nvPr/>
+        </p:nvSpPr>
+        <p:spPr>
+          <a:xfrm>
+            <a:off x="0" y="-2477729"/>
+            <a:ext cx="2477729" cy="12565626"/>
+          </a:xfrm>
+          <a:prstGeom prst="rect">
+            <a:avLst/>
+          </a:prstGeom>
+          <a:solidFill>
+            <a:srgbClr val="CE2D75"/>
+          </a:solidFill>
+          <a:ln>
+            <a:noFill/>
+          </a:ln>
+          <a:effectLst>
+            <a:innerShdw blurRad="546100" dist="50800" dir="10800000">
+              <a:prstClr val="black">
+                <a:alpha val="45000"/>
+              </a:prstClr>
+            </a:innerShdw>
+          </a:effectLst>
+        </p:spPr>
+        <p:style>
+          <a:lnRef idx="2">
+            <a:schemeClr val="accent1">
+              <a:shade val="50000"/>
+            </a:schemeClr>
+          </a:lnRef>
+          <a:fillRef idx="1">
+            <a:schemeClr val="accent1"/>
+          </a:fillRef>
+          <a:effectRef idx="0">
+            <a:schemeClr val="accent1"/>
+          </a:effectRef>
+          <a:fontRef idx="minor">
+            <a:schemeClr val="lt1"/>
+          </a:fontRef>
+        </p:style>
+        <p:txBody>
+          <a:bodyPr rtlCol="0" anchor="ctr"/>
+          <a:lstStyle/>
+          <a:p>
+            <a:pPr algn="ctr"/>
+            <a:endParaRPr lang="en-US"/>
+          </a:p>
+        </p:txBody>
+      </p:sp>
+      <p:sp>
+        <p:nvSpPr>
+          <p:cNvPr id="6" name="Rectangle 5">
+            <a:extLst>
+              <a:ext uri="{FF2B5EF4-FFF2-40B4-BE49-F238E27FC236}">
+                <a16:creationId xmlns:a16="http://schemas.microsoft.com/office/drawing/2014/main" id="{60654D08-5910-4876-9978-07BFCF66D0FD}"/>
+              </a:ext>
+            </a:extLst>
+          </p:cNvPr>
+          <p:cNvSpPr/>
+          <p:nvPr/>
+        </p:nvSpPr>
+        <p:spPr>
+          <a:xfrm>
+            <a:off x="513403" y="-2920180"/>
+            <a:ext cx="3416710" cy="13219471"/>
+          </a:xfrm>
+          <a:prstGeom prst="rect">
+            <a:avLst/>
+          </a:prstGeom>
+          <a:solidFill>
+            <a:srgbClr val="CE2D75"/>
+          </a:solidFill>
+          <a:ln>
+            <a:noFill/>
+          </a:ln>
+          <a:effectLst/>
+        </p:spPr>
+        <p:style>
+          <a:lnRef idx="2">
+            <a:schemeClr val="accent1">
+              <a:shade val="50000"/>
+            </a:schemeClr>
+          </a:lnRef>
+          <a:fillRef idx="1">
+            <a:schemeClr val="accent1"/>
+          </a:fillRef>
+          <a:effectRef idx="0">
+            <a:schemeClr val="accent1"/>
+          </a:effectRef>
+          <a:fontRef idx="minor">
+            <a:schemeClr val="lt1"/>
+          </a:fontRef>
+        </p:style>
+        <p:txBody>
+          <a:bodyPr rtlCol="0" anchor="ctr"/>
+          <a:lstStyle/>
+          <a:p>
+            <a:pPr algn="ctr"/>
+            <a:endParaRPr lang="en-US"/>
+          </a:p>
+        </p:txBody>
+      </p:sp>
+      <p:sp>
+        <p:nvSpPr>
+          <p:cNvPr id="4" name="Rectangle 3">
+            <a:extLst>
+              <a:ext uri="{FF2B5EF4-FFF2-40B4-BE49-F238E27FC236}">
+                <a16:creationId xmlns:a16="http://schemas.microsoft.com/office/drawing/2014/main" id="{DAEF528C-F486-4844-BD68-FBECBCCFDA0E}"/>
+              </a:ext>
+            </a:extLst>
+          </p:cNvPr>
+          <p:cNvSpPr/>
+          <p:nvPr/>
+        </p:nvSpPr>
+        <p:spPr>
+          <a:xfrm rot="10800000">
+            <a:off x="9714271" y="-2266335"/>
+            <a:ext cx="2477729" cy="12565626"/>
+          </a:xfrm>
+          <a:prstGeom prst="rect">
+            <a:avLst/>
+          </a:prstGeom>
+          <a:solidFill>
+            <a:srgbClr val="CE2D75"/>
+          </a:solidFill>
+          <a:ln>
+            <a:noFill/>
+          </a:ln>
+          <a:effectLst>
+            <a:innerShdw blurRad="546100" dist="50800">
+              <a:prstClr val="black">
+                <a:alpha val="45000"/>
+              </a:prstClr>
+            </a:innerShdw>
+          </a:effectLst>
+        </p:spPr>
+        <p:style>
+          <a:lnRef idx="2">
+            <a:schemeClr val="accent1">
+              <a:shade val="50000"/>
+            </a:schemeClr>
+          </a:lnRef>
+          <a:fillRef idx="1">
+            <a:schemeClr val="accent1"/>
+          </a:fillRef>
+          <a:effectRef idx="0">
+            <a:schemeClr val="accent1"/>
+          </a:effectRef>
+          <a:fontRef idx="minor">
+            <a:schemeClr val="lt1"/>
+          </a:fontRef>
+        </p:style>
+        <p:txBody>
+          <a:bodyPr rtlCol="0" anchor="ctr"/>
+          <a:lstStyle/>
+          <a:p>
+            <a:pPr algn="ctr"/>
+            <a:endParaRPr lang="en-US"/>
+          </a:p>
+        </p:txBody>
+      </p:sp>
+      <p:sp>
+        <p:nvSpPr>
+          <p:cNvPr id="7" name="Title 1">
+            <a:extLst>
+              <a:ext uri="{FF2B5EF4-FFF2-40B4-BE49-F238E27FC236}">
+                <a16:creationId xmlns:a16="http://schemas.microsoft.com/office/drawing/2014/main" id="{47DE1837-8B77-4128-BE1C-3D84A9B4CF32}"/>
+              </a:ext>
+            </a:extLst>
+          </p:cNvPr>
+          <p:cNvSpPr txBox="1">
+            <a:spLocks/>
+          </p:cNvSpPr>
+          <p:nvPr/>
+        </p:nvSpPr>
+        <p:spPr>
+          <a:xfrm>
+            <a:off x="838200" y="365125"/>
+            <a:ext cx="10515600" cy="1325563"/>
+          </a:xfrm>
+          <a:prstGeom prst="rect">
+            <a:avLst/>
+          </a:prstGeom>
+        </p:spPr>
+        <p:txBody>
+          <a:bodyPr vert="horz" lIns="91440" tIns="45720" rIns="91440" bIns="45720" rtlCol="0" anchor="ctr">
+            <a:normAutofit/>
+          </a:bodyPr>
+          <a:lstStyle>
+            <a:lvl1pPr algn="l" defTabSz="914400" rtl="0" eaLnBrk="1" latinLnBrk="0" hangingPunct="1">
+              <a:lnSpc>
+                <a:spcPct val="90000"/>
+              </a:lnSpc>
+              <a:spcBef>
+                <a:spcPct val="0"/>
+              </a:spcBef>
+              <a:buNone/>
+              <a:defRPr sz="4400" kern="1200">
+                <a:solidFill>
+                  <a:schemeClr val="tx1"/>
+                </a:solidFill>
+                <a:latin typeface="+mj-lt"/>
+                <a:ea typeface="+mj-ea"/>
+                <a:cs typeface="+mj-cs"/>
+              </a:defRPr>
+            </a:lvl1pPr>
+          </a:lstStyle>
+          <a:p>
+            <a:r>
+              <a:rPr lang="en-US" b="1" dirty="0">
+                <a:solidFill>
+                  <a:schemeClr val="bg1"/>
+                </a:solidFill>
+                <a:latin typeface="Assistant" panose="00000500000000000000" pitchFamily="50" charset="-79"/>
+                <a:cs typeface="Assistant" panose="00000500000000000000" pitchFamily="50" charset="-79"/>
+              </a:rPr>
+              <a:t>Sitemap (TODO)</a:t>
+            </a:r>
+          </a:p>
+        </p:txBody>
+      </p:sp>
+      <p:sp>
+        <p:nvSpPr>
+          <p:cNvPr id="9" name="Rectangle 8">
+            <a:extLst>
+              <a:ext uri="{FF2B5EF4-FFF2-40B4-BE49-F238E27FC236}">
+                <a16:creationId xmlns:a16="http://schemas.microsoft.com/office/drawing/2014/main" id="{454772E4-6AAC-412D-9D0C-D21C13596C94}"/>
+              </a:ext>
+            </a:extLst>
+          </p:cNvPr>
+          <p:cNvSpPr/>
+          <p:nvPr/>
+        </p:nvSpPr>
+        <p:spPr>
+          <a:xfrm>
+            <a:off x="10206681" y="-840259"/>
+            <a:ext cx="963827" cy="8501448"/>
+          </a:xfrm>
+          <a:prstGeom prst="rect">
+            <a:avLst/>
+          </a:prstGeom>
+          <a:solidFill>
+            <a:srgbClr val="861657"/>
+          </a:solidFill>
+          <a:ln>
+            <a:noFill/>
+          </a:ln>
+          <a:effectLst>
+            <a:outerShdw blurRad="63500" sx="102000" sy="102000" algn="ctr" rotWithShape="0">
+              <a:prstClr val="black">
+                <a:alpha val="40000"/>
+              </a:prstClr>
+            </a:outerShdw>
+          </a:effectLst>
+        </p:spPr>
+        <p:style>
+          <a:lnRef idx="2">
+            <a:schemeClr val="accent1">
+              <a:shade val="50000"/>
+            </a:schemeClr>
+          </a:lnRef>
+          <a:fillRef idx="1">
+            <a:schemeClr val="accent1"/>
+          </a:fillRef>
+          <a:effectRef idx="0">
+            <a:schemeClr val="accent1"/>
+          </a:effectRef>
+          <a:fontRef idx="minor">
+            <a:schemeClr val="lt1"/>
+          </a:fontRef>
+        </p:style>
+        <p:txBody>
+          <a:bodyPr rtlCol="0" anchor="ctr"/>
+          <a:lstStyle/>
+          <a:p>
+            <a:pPr algn="ctr"/>
+            <a:endParaRPr lang="en-US"/>
+          </a:p>
+        </p:txBody>
+      </p:sp>
+      <p:sp>
+        <p:nvSpPr>
+          <p:cNvPr id="10" name="Rectangle 9">
+            <a:extLst>
+              <a:ext uri="{FF2B5EF4-FFF2-40B4-BE49-F238E27FC236}">
+                <a16:creationId xmlns:a16="http://schemas.microsoft.com/office/drawing/2014/main" id="{4F77882A-6BC0-4C80-962C-0F0D7CD2BEC4}"/>
+              </a:ext>
+            </a:extLst>
+          </p:cNvPr>
+          <p:cNvSpPr/>
+          <p:nvPr/>
+        </p:nvSpPr>
+        <p:spPr>
+          <a:xfrm>
+            <a:off x="11372336" y="-821724"/>
+            <a:ext cx="243016" cy="8501448"/>
+          </a:xfrm>
+          <a:prstGeom prst="rect">
+            <a:avLst/>
+          </a:prstGeom>
+          <a:solidFill>
+            <a:srgbClr val="861657"/>
+          </a:solidFill>
+          <a:ln>
+            <a:noFill/>
+          </a:ln>
+          <a:effectLst>
+            <a:outerShdw blurRad="63500" sx="102000" sy="102000" algn="ctr" rotWithShape="0">
+              <a:prstClr val="black">
+                <a:alpha val="40000"/>
+              </a:prstClr>
+            </a:outerShdw>
+          </a:effectLst>
+        </p:spPr>
+        <p:style>
+          <a:lnRef idx="2">
+            <a:schemeClr val="accent1">
+              <a:shade val="50000"/>
+            </a:schemeClr>
+          </a:lnRef>
+          <a:fillRef idx="1">
+            <a:schemeClr val="accent1"/>
+          </a:fillRef>
+          <a:effectRef idx="0">
+            <a:schemeClr val="accent1"/>
+          </a:effectRef>
+          <a:fontRef idx="minor">
+            <a:schemeClr val="lt1"/>
+          </a:fontRef>
+        </p:style>
+        <p:txBody>
+          <a:bodyPr rtlCol="0" anchor="ctr"/>
+          <a:lstStyle/>
+          <a:p>
+            <a:pPr algn="ctr"/>
+            <a:endParaRPr lang="en-US"/>
+          </a:p>
+        </p:txBody>
+      </p:sp>
+    </p:spTree>
+    <p:extLst>
+      <p:ext uri="{BB962C8B-B14F-4D97-AF65-F5344CB8AC3E}">
+        <p14:creationId xmlns:p14="http://schemas.microsoft.com/office/powerpoint/2010/main" val="1440430313"/>
+      </p:ext>
+    </p:extLst>
+  </p:cSld>
+  <p:clrMapOvr>
+    <a:masterClrMapping/>
+  </p:clrMapOvr>
+</p:sld>
+</file>
+
+<file path=ppt/slides/slide5.xml><?xml version="1.0" encoding="utf-8"?>
+<p:sld xmlns:a="http://schemas.openxmlformats.org/drawingml/2006/main" xmlns:r="http://schemas.openxmlformats.org/officeDocument/2006/relationships" xmlns:p="http://schemas.openxmlformats.org/presentationml/2006/main">
+  <p:cSld>
+    <p:bg>
+      <p:bgPr>
+        <a:solidFill>
+          <a:srgbClr val="CE2D75"/>
+        </a:solidFill>
+        <a:effectLst/>
+      </p:bgPr>
+    </p:bg>
+    <p:spTree>
+      <p:nvGrpSpPr>
+        <p:cNvPr id="1" name=""/>
+        <p:cNvGrpSpPr/>
+        <p:nvPr/>
+      </p:nvGrpSpPr>
+      <p:grpSpPr>
+        <a:xfrm>
+          <a:off x="0" y="0"/>
+          <a:ext cx="0" cy="0"/>
+          <a:chOff x="0" y="0"/>
+          <a:chExt cx="0" cy="0"/>
+        </a:xfrm>
+      </p:grpSpPr>
+      <p:sp>
+        <p:nvSpPr>
+          <p:cNvPr id="5" name="Rectangle 4">
+            <a:extLst>
+              <a:ext uri="{FF2B5EF4-FFF2-40B4-BE49-F238E27FC236}">
+                <a16:creationId xmlns:a16="http://schemas.microsoft.com/office/drawing/2014/main" id="{6EF79363-2E3F-42D2-9AB6-44D507EA6767}"/>
+              </a:ext>
+            </a:extLst>
+          </p:cNvPr>
+          <p:cNvSpPr/>
+          <p:nvPr/>
+        </p:nvSpPr>
+        <p:spPr>
+          <a:xfrm>
+            <a:off x="0" y="-2477729"/>
+            <a:ext cx="2477729" cy="12565626"/>
+          </a:xfrm>
+          <a:prstGeom prst="rect">
+            <a:avLst/>
+          </a:prstGeom>
+          <a:solidFill>
+            <a:srgbClr val="CE2D75"/>
+          </a:solidFill>
+          <a:ln>
+            <a:noFill/>
+          </a:ln>
+          <a:effectLst>
+            <a:innerShdw blurRad="546100" dist="50800" dir="10800000">
+              <a:prstClr val="black">
+                <a:alpha val="45000"/>
+              </a:prstClr>
+            </a:innerShdw>
+          </a:effectLst>
+        </p:spPr>
+        <p:style>
+          <a:lnRef idx="2">
+            <a:schemeClr val="accent1">
+              <a:shade val="50000"/>
+            </a:schemeClr>
+          </a:lnRef>
+          <a:fillRef idx="1">
+            <a:schemeClr val="accent1"/>
+          </a:fillRef>
+          <a:effectRef idx="0">
+            <a:schemeClr val="accent1"/>
+          </a:effectRef>
+          <a:fontRef idx="minor">
+            <a:schemeClr val="lt1"/>
+          </a:fontRef>
+        </p:style>
+        <p:txBody>
+          <a:bodyPr rtlCol="0" anchor="ctr"/>
+          <a:lstStyle/>
+          <a:p>
+            <a:pPr algn="ctr"/>
+            <a:endParaRPr lang="en-US"/>
+          </a:p>
+        </p:txBody>
+      </p:sp>
+      <p:sp>
+        <p:nvSpPr>
+          <p:cNvPr id="6" name="Rectangle 5">
+            <a:extLst>
+              <a:ext uri="{FF2B5EF4-FFF2-40B4-BE49-F238E27FC236}">
+                <a16:creationId xmlns:a16="http://schemas.microsoft.com/office/drawing/2014/main" id="{60654D08-5910-4876-9978-07BFCF66D0FD}"/>
+              </a:ext>
+            </a:extLst>
+          </p:cNvPr>
+          <p:cNvSpPr/>
+          <p:nvPr/>
+        </p:nvSpPr>
+        <p:spPr>
+          <a:xfrm>
+            <a:off x="513403" y="-2920180"/>
+            <a:ext cx="3416710" cy="13219471"/>
+          </a:xfrm>
+          <a:prstGeom prst="rect">
+            <a:avLst/>
+          </a:prstGeom>
+          <a:solidFill>
+            <a:srgbClr val="CE2D75"/>
+          </a:solidFill>
+          <a:ln>
+            <a:noFill/>
+          </a:ln>
+          <a:effectLst/>
+        </p:spPr>
+        <p:style>
+          <a:lnRef idx="2">
+            <a:schemeClr val="accent1">
+              <a:shade val="50000"/>
+            </a:schemeClr>
+          </a:lnRef>
+          <a:fillRef idx="1">
+            <a:schemeClr val="accent1"/>
+          </a:fillRef>
+          <a:effectRef idx="0">
+            <a:schemeClr val="accent1"/>
+          </a:effectRef>
+          <a:fontRef idx="minor">
+            <a:schemeClr val="lt1"/>
+          </a:fontRef>
+        </p:style>
+        <p:txBody>
+          <a:bodyPr rtlCol="0" anchor="ctr"/>
+          <a:lstStyle/>
+          <a:p>
+            <a:pPr algn="ctr"/>
+            <a:endParaRPr lang="en-US"/>
+          </a:p>
+        </p:txBody>
+      </p:sp>
+      <p:sp>
+        <p:nvSpPr>
+          <p:cNvPr id="4" name="Rectangle 3">
+            <a:extLst>
+              <a:ext uri="{FF2B5EF4-FFF2-40B4-BE49-F238E27FC236}">
+                <a16:creationId xmlns:a16="http://schemas.microsoft.com/office/drawing/2014/main" id="{DAEF528C-F486-4844-BD68-FBECBCCFDA0E}"/>
+              </a:ext>
+            </a:extLst>
+          </p:cNvPr>
+          <p:cNvSpPr/>
+          <p:nvPr/>
+        </p:nvSpPr>
+        <p:spPr>
+          <a:xfrm rot="10800000">
+            <a:off x="9714271" y="-2266335"/>
+            <a:ext cx="2477729" cy="12565626"/>
+          </a:xfrm>
+          <a:prstGeom prst="rect">
+            <a:avLst/>
+          </a:prstGeom>
+          <a:solidFill>
+            <a:srgbClr val="CE2D75"/>
+          </a:solidFill>
+          <a:ln>
+            <a:noFill/>
+          </a:ln>
+          <a:effectLst>
+            <a:innerShdw blurRad="546100" dist="50800">
+              <a:prstClr val="black">
+                <a:alpha val="45000"/>
+              </a:prstClr>
+            </a:innerShdw>
+          </a:effectLst>
+        </p:spPr>
+        <p:style>
+          <a:lnRef idx="2">
+            <a:schemeClr val="accent1">
+              <a:shade val="50000"/>
+            </a:schemeClr>
+          </a:lnRef>
+          <a:fillRef idx="1">
+            <a:schemeClr val="accent1"/>
+          </a:fillRef>
+          <a:effectRef idx="0">
+            <a:schemeClr val="accent1"/>
+          </a:effectRef>
+          <a:fontRef idx="minor">
+            <a:schemeClr val="lt1"/>
+          </a:fontRef>
+        </p:style>
+        <p:txBody>
+          <a:bodyPr rtlCol="0" anchor="ctr"/>
+          <a:lstStyle/>
+          <a:p>
+            <a:pPr algn="ctr"/>
+            <a:endParaRPr lang="en-US"/>
+          </a:p>
+        </p:txBody>
+      </p:sp>
+      <p:sp>
+        <p:nvSpPr>
+          <p:cNvPr id="7" name="Title 1">
+            <a:extLst>
+              <a:ext uri="{FF2B5EF4-FFF2-40B4-BE49-F238E27FC236}">
+                <a16:creationId xmlns:a16="http://schemas.microsoft.com/office/drawing/2014/main" id="{47DE1837-8B77-4128-BE1C-3D84A9B4CF32}"/>
+              </a:ext>
+            </a:extLst>
+          </p:cNvPr>
+          <p:cNvSpPr txBox="1">
+            <a:spLocks/>
+          </p:cNvSpPr>
+          <p:nvPr/>
+        </p:nvSpPr>
+        <p:spPr>
+          <a:xfrm>
+            <a:off x="838200" y="365125"/>
+            <a:ext cx="10515600" cy="1325563"/>
+          </a:xfrm>
+          <a:prstGeom prst="rect">
+            <a:avLst/>
+          </a:prstGeom>
+        </p:spPr>
+        <p:txBody>
+          <a:bodyPr vert="horz" lIns="91440" tIns="45720" rIns="91440" bIns="45720" rtlCol="0" anchor="ctr">
+            <a:normAutofit/>
+          </a:bodyPr>
+          <a:lstStyle>
+            <a:lvl1pPr algn="l" defTabSz="914400" rtl="0" eaLnBrk="1" latinLnBrk="0" hangingPunct="1">
+              <a:lnSpc>
+                <a:spcPct val="90000"/>
+              </a:lnSpc>
+              <a:spcBef>
+                <a:spcPct val="0"/>
+              </a:spcBef>
+              <a:buNone/>
+              <a:defRPr sz="4400" kern="1200">
+                <a:solidFill>
+                  <a:schemeClr val="tx1"/>
+                </a:solidFill>
+                <a:latin typeface="+mj-lt"/>
+                <a:ea typeface="+mj-ea"/>
+                <a:cs typeface="+mj-cs"/>
+              </a:defRPr>
+            </a:lvl1pPr>
+          </a:lstStyle>
+          <a:p>
+            <a:r>
+              <a:rPr lang="en-US" b="1">
+                <a:solidFill>
+                  <a:schemeClr val="bg1"/>
+                </a:solidFill>
+                <a:latin typeface="Assistant" panose="00000500000000000000" pitchFamily="50" charset="-79"/>
+                <a:cs typeface="Assistant" panose="00000500000000000000" pitchFamily="50" charset="-79"/>
+              </a:rPr>
+              <a:t>Database Diagram (TODO)</a:t>
+            </a:r>
+            <a:endParaRPr lang="en-US" b="1" dirty="0">
+              <a:solidFill>
+                <a:schemeClr val="bg1"/>
+              </a:solidFill>
+              <a:latin typeface="Assistant" panose="00000500000000000000" pitchFamily="50" charset="-79"/>
+              <a:cs typeface="Assistant" panose="00000500000000000000" pitchFamily="50" charset="-79"/>
+            </a:endParaRPr>
+          </a:p>
+        </p:txBody>
+      </p:sp>
+      <p:sp>
+        <p:nvSpPr>
+          <p:cNvPr id="9" name="Rectangle 8">
+            <a:extLst>
+              <a:ext uri="{FF2B5EF4-FFF2-40B4-BE49-F238E27FC236}">
+                <a16:creationId xmlns:a16="http://schemas.microsoft.com/office/drawing/2014/main" id="{454772E4-6AAC-412D-9D0C-D21C13596C94}"/>
+              </a:ext>
+            </a:extLst>
+          </p:cNvPr>
+          <p:cNvSpPr/>
+          <p:nvPr/>
+        </p:nvSpPr>
+        <p:spPr>
+          <a:xfrm>
+            <a:off x="10206681" y="-840259"/>
+            <a:ext cx="963827" cy="8501448"/>
+          </a:xfrm>
+          <a:prstGeom prst="rect">
+            <a:avLst/>
+          </a:prstGeom>
+          <a:solidFill>
+            <a:srgbClr val="861657"/>
+          </a:solidFill>
+          <a:ln>
+            <a:noFill/>
+          </a:ln>
+          <a:effectLst>
+            <a:outerShdw blurRad="63500" sx="102000" sy="102000" algn="ctr" rotWithShape="0">
+              <a:prstClr val="black">
+                <a:alpha val="40000"/>
+              </a:prstClr>
+            </a:outerShdw>
+          </a:effectLst>
+        </p:spPr>
+        <p:style>
+          <a:lnRef idx="2">
+            <a:schemeClr val="accent1">
+              <a:shade val="50000"/>
+            </a:schemeClr>
+          </a:lnRef>
+          <a:fillRef idx="1">
+            <a:schemeClr val="accent1"/>
+          </a:fillRef>
+          <a:effectRef idx="0">
+            <a:schemeClr val="accent1"/>
+          </a:effectRef>
+          <a:fontRef idx="minor">
+            <a:schemeClr val="lt1"/>
+          </a:fontRef>
+        </p:style>
+        <p:txBody>
+          <a:bodyPr rtlCol="0" anchor="ctr"/>
+          <a:lstStyle/>
+          <a:p>
+            <a:pPr algn="ctr"/>
+            <a:endParaRPr lang="en-US"/>
+          </a:p>
+        </p:txBody>
+      </p:sp>
+      <p:sp>
+        <p:nvSpPr>
+          <p:cNvPr id="10" name="Rectangle 9">
+            <a:extLst>
+              <a:ext uri="{FF2B5EF4-FFF2-40B4-BE49-F238E27FC236}">
+                <a16:creationId xmlns:a16="http://schemas.microsoft.com/office/drawing/2014/main" id="{4F77882A-6BC0-4C80-962C-0F0D7CD2BEC4}"/>
+              </a:ext>
+            </a:extLst>
+          </p:cNvPr>
+          <p:cNvSpPr/>
+          <p:nvPr/>
+        </p:nvSpPr>
+        <p:spPr>
+          <a:xfrm>
+            <a:off x="11372336" y="-821724"/>
+            <a:ext cx="243016" cy="8501448"/>
+          </a:xfrm>
+          <a:prstGeom prst="rect">
+            <a:avLst/>
+          </a:prstGeom>
+          <a:solidFill>
+            <a:srgbClr val="861657"/>
+          </a:solidFill>
+          <a:ln>
+            <a:noFill/>
+          </a:ln>
+          <a:effectLst>
+            <a:outerShdw blurRad="63500" sx="102000" sy="102000" algn="ctr" rotWithShape="0">
+              <a:prstClr val="black">
+                <a:alpha val="40000"/>
+              </a:prstClr>
+            </a:outerShdw>
+          </a:effectLst>
+        </p:spPr>
+        <p:style>
+          <a:lnRef idx="2">
+            <a:schemeClr val="accent1">
+              <a:shade val="50000"/>
+            </a:schemeClr>
+          </a:lnRef>
+          <a:fillRef idx="1">
+            <a:schemeClr val="accent1"/>
+          </a:fillRef>
+          <a:effectRef idx="0">
+            <a:schemeClr val="accent1"/>
+          </a:effectRef>
+          <a:fontRef idx="minor">
+            <a:schemeClr val="lt1"/>
+          </a:fontRef>
+        </p:style>
+        <p:txBody>
+          <a:bodyPr rtlCol="0" anchor="ctr"/>
+          <a:lstStyle/>
+          <a:p>
+            <a:pPr algn="ctr"/>
+            <a:endParaRPr lang="en-US"/>
+          </a:p>
+        </p:txBody>
+      </p:sp>
+      <p:sp>
+        <p:nvSpPr>
+          <p:cNvPr id="15" name="Rectangle 14">
+            <a:extLst>
+              <a:ext uri="{FF2B5EF4-FFF2-40B4-BE49-F238E27FC236}">
+                <a16:creationId xmlns:a16="http://schemas.microsoft.com/office/drawing/2014/main" id="{B842BD6B-38A6-41B8-ABD2-279BD7AC2EB8}"/>
+              </a:ext>
+            </a:extLst>
+          </p:cNvPr>
+          <p:cNvSpPr/>
+          <p:nvPr/>
+        </p:nvSpPr>
+        <p:spPr>
+          <a:xfrm>
+            <a:off x="6739481" y="-3720280"/>
+            <a:ext cx="3416710" cy="13219471"/>
+          </a:xfrm>
+          <a:prstGeom prst="rect">
+            <a:avLst/>
+          </a:prstGeom>
+          <a:solidFill>
+            <a:srgbClr val="CE2D75"/>
+          </a:solidFill>
+          <a:ln>
+            <a:noFill/>
+          </a:ln>
+          <a:effectLst/>
+        </p:spPr>
+        <p:style>
+          <a:lnRef idx="2">
+            <a:schemeClr val="accent1">
+              <a:shade val="50000"/>
+            </a:schemeClr>
+          </a:lnRef>
+          <a:fillRef idx="1">
+            <a:schemeClr val="accent1"/>
+          </a:fillRef>
+          <a:effectRef idx="0">
+            <a:schemeClr val="accent1"/>
+          </a:effectRef>
+          <a:fontRef idx="minor">
+            <a:schemeClr val="lt1"/>
+          </a:fontRef>
+        </p:style>
+        <p:txBody>
+          <a:bodyPr rtlCol="0" anchor="ctr"/>
+          <a:lstStyle/>
+          <a:p>
+            <a:pPr algn="ctr"/>
+            <a:endParaRPr lang="en-US"/>
+          </a:p>
+        </p:txBody>
+      </p:sp>
+    </p:spTree>
+    <p:extLst>
+      <p:ext uri="{BB962C8B-B14F-4D97-AF65-F5344CB8AC3E}">
+        <p14:creationId xmlns:p14="http://schemas.microsoft.com/office/powerpoint/2010/main" val="228423815"/>
+      </p:ext>
+    </p:extLst>
+  </p:cSld>
+  <p:clrMapOvr>
+    <a:masterClrMapping/>
+  </p:clrMapOvr>
+</p:sld>
+</file>
+
+<file path=ppt/slides/slide6.xml><?xml version="1.0" encoding="utf-8"?>
+<p:sld xmlns:a="http://schemas.openxmlformats.org/drawingml/2006/main" xmlns:r="http://schemas.openxmlformats.org/officeDocument/2006/relationships" xmlns:p="http://schemas.openxmlformats.org/presentationml/2006/main">
+  <p:cSld>
+    <p:bg>
+      <p:bgPr>
+        <a:solidFill>
+          <a:srgbClr val="CE2D75"/>
+        </a:solidFill>
+        <a:effectLst/>
+      </p:bgPr>
+    </p:bg>
+    <p:spTree>
+      <p:nvGrpSpPr>
+        <p:cNvPr id="1" name=""/>
+        <p:cNvGrpSpPr/>
+        <p:nvPr/>
+      </p:nvGrpSpPr>
+      <p:grpSpPr>
+        <a:xfrm>
+          <a:off x="0" y="0"/>
+          <a:ext cx="0" cy="0"/>
+          <a:chOff x="0" y="0"/>
+          <a:chExt cx="0" cy="0"/>
+        </a:xfrm>
+      </p:grpSpPr>
+      <p:sp>
+        <p:nvSpPr>
+          <p:cNvPr id="5" name="Rectangle 4">
+            <a:extLst>
+              <a:ext uri="{FF2B5EF4-FFF2-40B4-BE49-F238E27FC236}">
+                <a16:creationId xmlns:a16="http://schemas.microsoft.com/office/drawing/2014/main" id="{6EF79363-2E3F-42D2-9AB6-44D507EA6767}"/>
+              </a:ext>
+            </a:extLst>
+          </p:cNvPr>
+          <p:cNvSpPr/>
+          <p:nvPr/>
+        </p:nvSpPr>
+        <p:spPr>
+          <a:xfrm>
+            <a:off x="0" y="-2477729"/>
+            <a:ext cx="2477729" cy="12565626"/>
+          </a:xfrm>
+          <a:prstGeom prst="rect">
+            <a:avLst/>
+          </a:prstGeom>
+          <a:solidFill>
+            <a:srgbClr val="CE2D75"/>
+          </a:solidFill>
+          <a:ln>
+            <a:noFill/>
+          </a:ln>
+          <a:effectLst>
+            <a:innerShdw blurRad="546100" dist="50800" dir="10800000">
+              <a:prstClr val="black">
+                <a:alpha val="45000"/>
+              </a:prstClr>
+            </a:innerShdw>
+          </a:effectLst>
+        </p:spPr>
+        <p:style>
+          <a:lnRef idx="2">
+            <a:schemeClr val="accent1">
+              <a:shade val="50000"/>
+            </a:schemeClr>
+          </a:lnRef>
+          <a:fillRef idx="1">
+            <a:schemeClr val="accent1"/>
+          </a:fillRef>
+          <a:effectRef idx="0">
+            <a:schemeClr val="accent1"/>
+          </a:effectRef>
+          <a:fontRef idx="minor">
+            <a:schemeClr val="lt1"/>
+          </a:fontRef>
+        </p:style>
+        <p:txBody>
+          <a:bodyPr rtlCol="0" anchor="ctr"/>
+          <a:lstStyle/>
+          <a:p>
+            <a:pPr algn="ctr"/>
+            <a:endParaRPr lang="en-US"/>
+          </a:p>
+        </p:txBody>
+      </p:sp>
+      <p:sp>
+        <p:nvSpPr>
+          <p:cNvPr id="6" name="Rectangle 5">
+            <a:extLst>
+              <a:ext uri="{FF2B5EF4-FFF2-40B4-BE49-F238E27FC236}">
+                <a16:creationId xmlns:a16="http://schemas.microsoft.com/office/drawing/2014/main" id="{60654D08-5910-4876-9978-07BFCF66D0FD}"/>
+              </a:ext>
+            </a:extLst>
+          </p:cNvPr>
+          <p:cNvSpPr/>
+          <p:nvPr/>
+        </p:nvSpPr>
+        <p:spPr>
+          <a:xfrm>
+            <a:off x="513403" y="-2920180"/>
+            <a:ext cx="3416710" cy="13219471"/>
+          </a:xfrm>
+          <a:prstGeom prst="rect">
+            <a:avLst/>
+          </a:prstGeom>
+          <a:solidFill>
+            <a:srgbClr val="CE2D75"/>
+          </a:solidFill>
+          <a:ln>
+            <a:noFill/>
+          </a:ln>
+          <a:effectLst/>
+        </p:spPr>
+        <p:style>
+          <a:lnRef idx="2">
+            <a:schemeClr val="accent1">
+              <a:shade val="50000"/>
+            </a:schemeClr>
+          </a:lnRef>
+          <a:fillRef idx="1">
+            <a:schemeClr val="accent1"/>
+          </a:fillRef>
+          <a:effectRef idx="0">
+            <a:schemeClr val="accent1"/>
+          </a:effectRef>
+          <a:fontRef idx="minor">
+            <a:schemeClr val="lt1"/>
+          </a:fontRef>
+        </p:style>
+        <p:txBody>
+          <a:bodyPr rtlCol="0" anchor="ctr"/>
+          <a:lstStyle/>
+          <a:p>
+            <a:pPr algn="ctr"/>
+            <a:endParaRPr lang="en-US"/>
+          </a:p>
+        </p:txBody>
+      </p:sp>
+      <p:sp>
+        <p:nvSpPr>
+          <p:cNvPr id="4" name="Rectangle 3">
+            <a:extLst>
+              <a:ext uri="{FF2B5EF4-FFF2-40B4-BE49-F238E27FC236}">
+                <a16:creationId xmlns:a16="http://schemas.microsoft.com/office/drawing/2014/main" id="{DAEF528C-F486-4844-BD68-FBECBCCFDA0E}"/>
+              </a:ext>
+            </a:extLst>
+          </p:cNvPr>
+          <p:cNvSpPr/>
+          <p:nvPr/>
+        </p:nvSpPr>
+        <p:spPr>
+          <a:xfrm rot="10800000">
+            <a:off x="9714271" y="-2266335"/>
+            <a:ext cx="2477729" cy="12565626"/>
+          </a:xfrm>
+          <a:prstGeom prst="rect">
+            <a:avLst/>
+          </a:prstGeom>
+          <a:solidFill>
+            <a:srgbClr val="CE2D75"/>
+          </a:solidFill>
+          <a:ln>
+            <a:noFill/>
+          </a:ln>
+          <a:effectLst>
+            <a:innerShdw blurRad="546100" dist="50800">
+              <a:prstClr val="black">
+                <a:alpha val="45000"/>
+              </a:prstClr>
+            </a:innerShdw>
+          </a:effectLst>
+        </p:spPr>
+        <p:style>
+          <a:lnRef idx="2">
+            <a:schemeClr val="accent1">
+              <a:shade val="50000"/>
+            </a:schemeClr>
+          </a:lnRef>
+          <a:fillRef idx="1">
+            <a:schemeClr val="accent1"/>
+          </a:fillRef>
+          <a:effectRef idx="0">
+            <a:schemeClr val="accent1"/>
+          </a:effectRef>
+          <a:fontRef idx="minor">
+            <a:schemeClr val="lt1"/>
+          </a:fontRef>
+        </p:style>
+        <p:txBody>
+          <a:bodyPr rtlCol="0" anchor="ctr"/>
+          <a:lstStyle/>
+          <a:p>
+            <a:pPr algn="ctr"/>
+            <a:endParaRPr lang="en-US"/>
+          </a:p>
+        </p:txBody>
+      </p:sp>
+      <p:sp>
+        <p:nvSpPr>
+          <p:cNvPr id="7" name="Title 1">
+            <a:extLst>
+              <a:ext uri="{FF2B5EF4-FFF2-40B4-BE49-F238E27FC236}">
+                <a16:creationId xmlns:a16="http://schemas.microsoft.com/office/drawing/2014/main" id="{47DE1837-8B77-4128-BE1C-3D84A9B4CF32}"/>
+              </a:ext>
+            </a:extLst>
+          </p:cNvPr>
+          <p:cNvSpPr txBox="1">
+            <a:spLocks/>
+          </p:cNvSpPr>
+          <p:nvPr/>
+        </p:nvSpPr>
+        <p:spPr>
+          <a:xfrm>
+            <a:off x="838200" y="365125"/>
+            <a:ext cx="10515600" cy="1325563"/>
+          </a:xfrm>
+          <a:prstGeom prst="rect">
+            <a:avLst/>
+          </a:prstGeom>
+        </p:spPr>
+        <p:txBody>
+          <a:bodyPr vert="horz" lIns="91440" tIns="45720" rIns="91440" bIns="45720" rtlCol="0" anchor="ctr">
+            <a:normAutofit/>
+          </a:bodyPr>
+          <a:lstStyle>
+            <a:lvl1pPr algn="l" defTabSz="914400" rtl="0" eaLnBrk="1" latinLnBrk="0" hangingPunct="1">
+              <a:lnSpc>
+                <a:spcPct val="90000"/>
+              </a:lnSpc>
+              <a:spcBef>
+                <a:spcPct val="0"/>
+              </a:spcBef>
+              <a:buNone/>
+              <a:defRPr sz="4400" kern="1200">
+                <a:solidFill>
+                  <a:schemeClr val="tx1"/>
+                </a:solidFill>
+                <a:latin typeface="+mj-lt"/>
+                <a:ea typeface="+mj-ea"/>
+                <a:cs typeface="+mj-cs"/>
+              </a:defRPr>
+            </a:lvl1pPr>
+          </a:lstStyle>
+          <a:p>
+            <a:r>
+              <a:rPr lang="en-US" b="1" dirty="0">
+                <a:solidFill>
+                  <a:schemeClr val="bg1"/>
+                </a:solidFill>
+                <a:latin typeface="Assistant" panose="00000500000000000000" pitchFamily="50" charset="-79"/>
+                <a:cs typeface="Assistant" panose="00000500000000000000" pitchFamily="50" charset="-79"/>
+              </a:rPr>
+              <a:t>Register/Login/Logout</a:t>
+            </a:r>
+          </a:p>
+        </p:txBody>
+      </p:sp>
+      <p:sp>
+        <p:nvSpPr>
+          <p:cNvPr id="9" name="Rectangle 8">
+            <a:extLst>
+              <a:ext uri="{FF2B5EF4-FFF2-40B4-BE49-F238E27FC236}">
+                <a16:creationId xmlns:a16="http://schemas.microsoft.com/office/drawing/2014/main" id="{454772E4-6AAC-412D-9D0C-D21C13596C94}"/>
+              </a:ext>
+            </a:extLst>
+          </p:cNvPr>
+          <p:cNvSpPr/>
+          <p:nvPr/>
+        </p:nvSpPr>
+        <p:spPr>
+          <a:xfrm>
+            <a:off x="10206681" y="-840259"/>
+            <a:ext cx="963827" cy="8501448"/>
+          </a:xfrm>
+          <a:prstGeom prst="rect">
+            <a:avLst/>
+          </a:prstGeom>
+          <a:solidFill>
+            <a:srgbClr val="861657"/>
+          </a:solidFill>
+          <a:ln>
+            <a:noFill/>
+          </a:ln>
+          <a:effectLst>
+            <a:outerShdw blurRad="63500" sx="102000" sy="102000" algn="ctr" rotWithShape="0">
+              <a:prstClr val="black">
+                <a:alpha val="40000"/>
+              </a:prstClr>
+            </a:outerShdw>
+          </a:effectLst>
+        </p:spPr>
+        <p:style>
+          <a:lnRef idx="2">
+            <a:schemeClr val="accent1">
+              <a:shade val="50000"/>
+            </a:schemeClr>
+          </a:lnRef>
+          <a:fillRef idx="1">
+            <a:schemeClr val="accent1"/>
+          </a:fillRef>
+          <a:effectRef idx="0">
+            <a:schemeClr val="accent1"/>
+          </a:effectRef>
+          <a:fontRef idx="minor">
+            <a:schemeClr val="lt1"/>
+          </a:fontRef>
+        </p:style>
+        <p:txBody>
+          <a:bodyPr rtlCol="0" anchor="ctr"/>
+          <a:lstStyle/>
+          <a:p>
+            <a:pPr algn="ctr"/>
+            <a:endParaRPr lang="en-US"/>
+          </a:p>
+        </p:txBody>
+      </p:sp>
+      <p:sp>
+        <p:nvSpPr>
+          <p:cNvPr id="10" name="Rectangle 9">
+            <a:extLst>
+              <a:ext uri="{FF2B5EF4-FFF2-40B4-BE49-F238E27FC236}">
+                <a16:creationId xmlns:a16="http://schemas.microsoft.com/office/drawing/2014/main" id="{4F77882A-6BC0-4C80-962C-0F0D7CD2BEC4}"/>
+              </a:ext>
+            </a:extLst>
+          </p:cNvPr>
+          <p:cNvSpPr/>
+          <p:nvPr/>
+        </p:nvSpPr>
+        <p:spPr>
+          <a:xfrm>
+            <a:off x="11372336" y="-821724"/>
+            <a:ext cx="243016" cy="8501448"/>
+          </a:xfrm>
+          <a:prstGeom prst="rect">
+            <a:avLst/>
+          </a:prstGeom>
+          <a:solidFill>
+            <a:srgbClr val="861657"/>
+          </a:solidFill>
+          <a:ln>
+            <a:noFill/>
+          </a:ln>
+          <a:effectLst>
+            <a:outerShdw blurRad="63500" sx="102000" sy="102000" algn="ctr" rotWithShape="0">
+              <a:prstClr val="black">
+                <a:alpha val="40000"/>
+              </a:prstClr>
+            </a:outerShdw>
+          </a:effectLst>
+        </p:spPr>
+        <p:style>
+          <a:lnRef idx="2">
+            <a:schemeClr val="accent1">
+              <a:shade val="50000"/>
+            </a:schemeClr>
+          </a:lnRef>
+          <a:fillRef idx="1">
+            <a:schemeClr val="accent1"/>
+          </a:fillRef>
+          <a:effectRef idx="0">
+            <a:schemeClr val="accent1"/>
+          </a:effectRef>
+          <a:fontRef idx="minor">
+            <a:schemeClr val="lt1"/>
+          </a:fontRef>
+        </p:style>
+        <p:txBody>
+          <a:bodyPr rtlCol="0" anchor="ctr"/>
+          <a:lstStyle/>
+          <a:p>
+            <a:pPr algn="ctr"/>
+            <a:endParaRPr lang="en-US"/>
+          </a:p>
+        </p:txBody>
+      </p:sp>
+      <p:sp>
+        <p:nvSpPr>
+          <p:cNvPr id="8" name="Content Placeholder 2">
+            <a:extLst>
+              <a:ext uri="{FF2B5EF4-FFF2-40B4-BE49-F238E27FC236}">
+                <a16:creationId xmlns:a16="http://schemas.microsoft.com/office/drawing/2014/main" id="{B12BD227-41F4-4B48-8BBB-51C6C6DB1234}"/>
+              </a:ext>
+            </a:extLst>
+          </p:cNvPr>
+          <p:cNvSpPr txBox="1">
+            <a:spLocks/>
+          </p:cNvSpPr>
+          <p:nvPr/>
+        </p:nvSpPr>
+        <p:spPr>
+          <a:xfrm>
+            <a:off x="838200" y="1356853"/>
+            <a:ext cx="9166653" cy="5501147"/>
+          </a:xfrm>
+          <a:prstGeom prst="rect">
+            <a:avLst/>
+          </a:prstGeom>
+        </p:spPr>
+        <p:txBody>
+          <a:bodyPr vert="horz" lIns="91440" tIns="45720" rIns="91440" bIns="45720" rtlCol="0">
+            <a:normAutofit/>
+          </a:bodyPr>
+          <a:lstStyle>
+            <a:lvl1pPr marL="228600" indent="-228600" algn="l" defTabSz="914400" rtl="0" eaLnBrk="1" latinLnBrk="0" hangingPunct="1">
+              <a:lnSpc>
+                <a:spcPct val="90000"/>
+              </a:lnSpc>
+              <a:spcBef>
+                <a:spcPts val="1000"/>
+              </a:spcBef>
+              <a:buFont typeface="Arial" panose="020B0604020202020204" pitchFamily="34" charset="0"/>
+              <a:buChar char="•"/>
+              <a:defRPr sz="2800" kern="1200">
+                <a:solidFill>
+                  <a:schemeClr val="tx1"/>
+                </a:solidFill>
+                <a:latin typeface="+mn-lt"/>
+                <a:ea typeface="+mn-ea"/>
+                <a:cs typeface="+mn-cs"/>
+              </a:defRPr>
+            </a:lvl1pPr>
+            <a:lvl2pPr marL="685800" indent="-228600" algn="l" defTabSz="914400" rtl="0" eaLnBrk="1" latinLnBrk="0" hangingPunct="1">
+              <a:lnSpc>
+                <a:spcPct val="90000"/>
+              </a:lnSpc>
+              <a:spcBef>
+                <a:spcPts val="500"/>
+              </a:spcBef>
+              <a:buFont typeface="Arial" panose="020B0604020202020204" pitchFamily="34" charset="0"/>
+              <a:buChar char="•"/>
+              <a:defRPr sz="2400" kern="1200">
+                <a:solidFill>
+                  <a:schemeClr val="tx1"/>
+                </a:solidFill>
+                <a:latin typeface="+mn-lt"/>
+                <a:ea typeface="+mn-ea"/>
+                <a:cs typeface="+mn-cs"/>
+              </a:defRPr>
+            </a:lvl2pPr>
+            <a:lvl3pPr marL="1143000" indent="-228600" algn="l" defTabSz="914400" rtl="0" eaLnBrk="1" latinLnBrk="0" hangingPunct="1">
+              <a:lnSpc>
+                <a:spcPct val="90000"/>
+              </a:lnSpc>
+              <a:spcBef>
+                <a:spcPts val="500"/>
+              </a:spcBef>
+              <a:buFont typeface="Arial" panose="020B0604020202020204" pitchFamily="34" charset="0"/>
+              <a:buChar char="•"/>
+              <a:defRPr sz="2000" kern="1200">
+                <a:solidFill>
+                  <a:schemeClr val="tx1"/>
+                </a:solidFill>
+                <a:latin typeface="+mn-lt"/>
+                <a:ea typeface="+mn-ea"/>
+                <a:cs typeface="+mn-cs"/>
+              </a:defRPr>
+            </a:lvl3pPr>
+            <a:lvl4pPr marL="1600200" indent="-228600" algn="l" defTabSz="914400" rtl="0" eaLnBrk="1" latinLnBrk="0" hangingPunct="1">
+              <a:lnSpc>
+                <a:spcPct val="90000"/>
+              </a:lnSpc>
+              <a:spcBef>
+                <a:spcPts val="500"/>
+              </a:spcBef>
+              <a:buFont typeface="Arial" panose="020B0604020202020204" pitchFamily="34" charset="0"/>
+              <a:buChar char="•"/>
+              <a:defRPr sz="1800" kern="1200">
+                <a:solidFill>
+                  <a:schemeClr val="tx1"/>
+                </a:solidFill>
+                <a:latin typeface="+mn-lt"/>
+                <a:ea typeface="+mn-ea"/>
+                <a:cs typeface="+mn-cs"/>
+              </a:defRPr>
+            </a:lvl4pPr>
+            <a:lvl5pPr marL="2057400" indent="-228600" algn="l" defTabSz="914400" rtl="0" eaLnBrk="1" latinLnBrk="0" hangingPunct="1">
+              <a:lnSpc>
+                <a:spcPct val="90000"/>
+              </a:lnSpc>
+              <a:spcBef>
+                <a:spcPts val="500"/>
+              </a:spcBef>
+              <a:buFont typeface="Arial" panose="020B0604020202020204" pitchFamily="34" charset="0"/>
+              <a:buChar char="•"/>
+              <a:defRPr sz="1800" kern="1200">
+                <a:solidFill>
+                  <a:schemeClr val="tx1"/>
+                </a:solidFill>
+                <a:latin typeface="+mn-lt"/>
+                <a:ea typeface="+mn-ea"/>
+                <a:cs typeface="+mn-cs"/>
+              </a:defRPr>
+            </a:lvl5pPr>
+            <a:lvl6pPr marL="2514600" indent="-228600" algn="l" defTabSz="914400" rtl="0" eaLnBrk="1" latinLnBrk="0" hangingPunct="1">
+              <a:lnSpc>
+                <a:spcPct val="90000"/>
+              </a:lnSpc>
+              <a:spcBef>
+                <a:spcPts val="500"/>
+              </a:spcBef>
+              <a:buFont typeface="Arial" panose="020B0604020202020204" pitchFamily="34" charset="0"/>
+              <a:buChar char="•"/>
+              <a:defRPr sz="1800" kern="1200">
+                <a:solidFill>
+                  <a:schemeClr val="tx1"/>
+                </a:solidFill>
+                <a:latin typeface="+mn-lt"/>
+                <a:ea typeface="+mn-ea"/>
+                <a:cs typeface="+mn-cs"/>
+              </a:defRPr>
+            </a:lvl6pPr>
+            <a:lvl7pPr marL="2971800" indent="-228600" algn="l" defTabSz="914400" rtl="0" eaLnBrk="1" latinLnBrk="0" hangingPunct="1">
+              <a:lnSpc>
+                <a:spcPct val="90000"/>
+              </a:lnSpc>
+              <a:spcBef>
+                <a:spcPts val="500"/>
+              </a:spcBef>
+              <a:buFont typeface="Arial" panose="020B0604020202020204" pitchFamily="34" charset="0"/>
+              <a:buChar char="•"/>
+              <a:defRPr sz="1800" kern="1200">
+                <a:solidFill>
+                  <a:schemeClr val="tx1"/>
+                </a:solidFill>
+                <a:latin typeface="+mn-lt"/>
+                <a:ea typeface="+mn-ea"/>
+                <a:cs typeface="+mn-cs"/>
+              </a:defRPr>
+            </a:lvl7pPr>
+            <a:lvl8pPr marL="3429000" indent="-228600" algn="l" defTabSz="914400" rtl="0" eaLnBrk="1" latinLnBrk="0" hangingPunct="1">
+              <a:lnSpc>
+                <a:spcPct val="90000"/>
+              </a:lnSpc>
+              <a:spcBef>
+                <a:spcPts val="500"/>
+              </a:spcBef>
+              <a:buFont typeface="Arial" panose="020B0604020202020204" pitchFamily="34" charset="0"/>
+              <a:buChar char="•"/>
+              <a:defRPr sz="1800" kern="1200">
+                <a:solidFill>
+                  <a:schemeClr val="tx1"/>
+                </a:solidFill>
+                <a:latin typeface="+mn-lt"/>
+                <a:ea typeface="+mn-ea"/>
+                <a:cs typeface="+mn-cs"/>
+              </a:defRPr>
+            </a:lvl8pPr>
+            <a:lvl9pPr marL="3886200" indent="-228600" algn="l" defTabSz="914400" rtl="0" eaLnBrk="1" latinLnBrk="0" hangingPunct="1">
+              <a:lnSpc>
+                <a:spcPct val="90000"/>
+              </a:lnSpc>
+              <a:spcBef>
+                <a:spcPts val="500"/>
+              </a:spcBef>
+              <a:buFont typeface="Arial" panose="020B0604020202020204" pitchFamily="34" charset="0"/>
+              <a:buChar char="•"/>
+              <a:defRPr sz="1800" kern="1200">
+                <a:solidFill>
+                  <a:schemeClr val="tx1"/>
+                </a:solidFill>
+                <a:latin typeface="+mn-lt"/>
+                <a:ea typeface="+mn-ea"/>
+                <a:cs typeface="+mn-cs"/>
+              </a:defRPr>
+            </a:lvl9pPr>
+          </a:lstStyle>
+          <a:p>
+            <a:pPr marL="0" indent="0">
+              <a:buFont typeface="Arial" panose="020B0604020202020204" pitchFamily="34" charset="0"/>
+              <a:buNone/>
+            </a:pPr>
+            <a:r>
+              <a:rPr lang="en-US" dirty="0">
+                <a:solidFill>
+                  <a:schemeClr val="bg1"/>
+                </a:solidFill>
+                <a:effectLst>
+                  <a:outerShdw blurRad="38100" dist="38100" dir="2700000" algn="tl">
+                    <a:srgbClr val="000000">
+                      <a:alpha val="43137"/>
+                    </a:srgbClr>
+                  </a:outerShdw>
+                </a:effectLst>
+                <a:latin typeface="Assistant" panose="00000500000000000000" pitchFamily="50" charset="-79"/>
+                <a:cs typeface="Assistant" panose="00000500000000000000" pitchFamily="50" charset="-79"/>
+              </a:rPr>
+              <a:t>Users can create a profile with a given unique username, unique email address, and password.</a:t>
+            </a:r>
+          </a:p>
+          <a:p>
+            <a:pPr marL="0" indent="0">
+              <a:buFont typeface="Arial" panose="020B0604020202020204" pitchFamily="34" charset="0"/>
+              <a:buNone/>
+            </a:pPr>
+            <a:r>
+              <a:rPr lang="en-US" dirty="0">
+                <a:solidFill>
+                  <a:schemeClr val="bg1"/>
+                </a:solidFill>
+                <a:effectLst>
+                  <a:outerShdw blurRad="38100" dist="38100" dir="2700000" algn="tl">
+                    <a:srgbClr val="000000">
+                      <a:alpha val="43137"/>
+                    </a:srgbClr>
+                  </a:outerShdw>
+                </a:effectLst>
+                <a:latin typeface="Assistant" panose="00000500000000000000" pitchFamily="50" charset="-79"/>
+                <a:cs typeface="Assistant" panose="00000500000000000000" pitchFamily="50" charset="-79"/>
+              </a:rPr>
+              <a:t>Passwords are encrypted using </a:t>
+            </a:r>
+            <a:r>
+              <a:rPr lang="en-US" dirty="0" err="1">
+                <a:solidFill>
+                  <a:schemeClr val="bg1"/>
+                </a:solidFill>
+                <a:effectLst>
+                  <a:outerShdw blurRad="38100" dist="38100" dir="2700000" algn="tl">
+                    <a:srgbClr val="000000">
+                      <a:alpha val="43137"/>
+                    </a:srgbClr>
+                  </a:outerShdw>
+                </a:effectLst>
+                <a:latin typeface="Assistant" panose="00000500000000000000" pitchFamily="50" charset="-79"/>
+                <a:cs typeface="Assistant" panose="00000500000000000000" pitchFamily="50" charset="-79"/>
+              </a:rPr>
+              <a:t>bcrypt</a:t>
+            </a:r>
+            <a:r>
+              <a:rPr lang="en-US" dirty="0">
+                <a:solidFill>
+                  <a:schemeClr val="bg1"/>
+                </a:solidFill>
+                <a:effectLst>
+                  <a:outerShdw blurRad="38100" dist="38100" dir="2700000" algn="tl">
+                    <a:srgbClr val="000000">
+                      <a:alpha val="43137"/>
+                    </a:srgbClr>
+                  </a:outerShdw>
+                </a:effectLst>
+                <a:latin typeface="Assistant" panose="00000500000000000000" pitchFamily="50" charset="-79"/>
+                <a:cs typeface="Assistant" panose="00000500000000000000" pitchFamily="50" charset="-79"/>
+              </a:rPr>
+              <a:t>; they are never stored as plaintext.</a:t>
+            </a:r>
+          </a:p>
+        </p:txBody>
+      </p:sp>
+    </p:spTree>
+    <p:extLst>
+      <p:ext uri="{BB962C8B-B14F-4D97-AF65-F5344CB8AC3E}">
+        <p14:creationId xmlns:p14="http://schemas.microsoft.com/office/powerpoint/2010/main" val="1260076723"/>
+      </p:ext>
+    </p:extLst>
+  </p:cSld>
+  <p:clrMapOvr>
+    <a:masterClrMapping/>
+  </p:clrMapOvr>
+</p:sld>
+</file>
+
+<file path=ppt/slides/slide7.xml><?xml version="1.0" encoding="utf-8"?>
+<p:sld xmlns:a="http://schemas.openxmlformats.org/drawingml/2006/main" xmlns:r="http://schemas.openxmlformats.org/officeDocument/2006/relationships" xmlns:p="http://schemas.openxmlformats.org/presentationml/2006/main">
+  <p:cSld>
+    <p:bg>
+      <p:bgPr>
+        <a:solidFill>
+          <a:srgbClr val="CE2D75"/>
+        </a:solidFill>
+        <a:effectLst/>
+      </p:bgPr>
+    </p:bg>
+    <p:spTree>
+      <p:nvGrpSpPr>
+        <p:cNvPr id="1" name=""/>
+        <p:cNvGrpSpPr/>
+        <p:nvPr/>
+      </p:nvGrpSpPr>
+      <p:grpSpPr>
+        <a:xfrm>
+          <a:off x="0" y="0"/>
+          <a:ext cx="0" cy="0"/>
+          <a:chOff x="0" y="0"/>
+          <a:chExt cx="0" cy="0"/>
+        </a:xfrm>
+      </p:grpSpPr>
+      <p:sp>
+        <p:nvSpPr>
+          <p:cNvPr id="5" name="Rectangle 4">
+            <a:extLst>
+              <a:ext uri="{FF2B5EF4-FFF2-40B4-BE49-F238E27FC236}">
+                <a16:creationId xmlns:a16="http://schemas.microsoft.com/office/drawing/2014/main" id="{6EF79363-2E3F-42D2-9AB6-44D507EA6767}"/>
+              </a:ext>
+            </a:extLst>
+          </p:cNvPr>
+          <p:cNvSpPr/>
+          <p:nvPr/>
+        </p:nvSpPr>
+        <p:spPr>
+          <a:xfrm>
+            <a:off x="0" y="-2477729"/>
+            <a:ext cx="2477729" cy="12565626"/>
+          </a:xfrm>
+          <a:prstGeom prst="rect">
+            <a:avLst/>
+          </a:prstGeom>
+          <a:solidFill>
+            <a:srgbClr val="CE2D75"/>
+          </a:solidFill>
+          <a:ln>
+            <a:noFill/>
+          </a:ln>
+          <a:effectLst>
+            <a:innerShdw blurRad="546100" dist="50800" dir="10800000">
+              <a:prstClr val="black">
+                <a:alpha val="45000"/>
+              </a:prstClr>
+            </a:innerShdw>
+          </a:effectLst>
+        </p:spPr>
+        <p:style>
+          <a:lnRef idx="2">
+            <a:schemeClr val="accent1">
+              <a:shade val="50000"/>
+            </a:schemeClr>
+          </a:lnRef>
+          <a:fillRef idx="1">
+            <a:schemeClr val="accent1"/>
+          </a:fillRef>
+          <a:effectRef idx="0">
+            <a:schemeClr val="accent1"/>
+          </a:effectRef>
+          <a:fontRef idx="minor">
+            <a:schemeClr val="lt1"/>
+          </a:fontRef>
+        </p:style>
+        <p:txBody>
+          <a:bodyPr rtlCol="0" anchor="ctr"/>
+          <a:lstStyle/>
+          <a:p>
+            <a:pPr algn="ctr"/>
+            <a:endParaRPr lang="en-US"/>
+          </a:p>
+        </p:txBody>
+      </p:sp>
+      <p:sp>
+        <p:nvSpPr>
+          <p:cNvPr id="6" name="Rectangle 5">
+            <a:extLst>
+              <a:ext uri="{FF2B5EF4-FFF2-40B4-BE49-F238E27FC236}">
+                <a16:creationId xmlns:a16="http://schemas.microsoft.com/office/drawing/2014/main" id="{60654D08-5910-4876-9978-07BFCF66D0FD}"/>
+              </a:ext>
+            </a:extLst>
+          </p:cNvPr>
+          <p:cNvSpPr/>
+          <p:nvPr/>
+        </p:nvSpPr>
+        <p:spPr>
+          <a:xfrm>
+            <a:off x="513403" y="-2920180"/>
+            <a:ext cx="3416710" cy="13219471"/>
+          </a:xfrm>
+          <a:prstGeom prst="rect">
+            <a:avLst/>
+          </a:prstGeom>
+          <a:solidFill>
+            <a:srgbClr val="CE2D75"/>
+          </a:solidFill>
+          <a:ln>
+            <a:noFill/>
+          </a:ln>
+          <a:effectLst/>
+        </p:spPr>
+        <p:style>
+          <a:lnRef idx="2">
+            <a:schemeClr val="accent1">
+              <a:shade val="50000"/>
+            </a:schemeClr>
+          </a:lnRef>
+          <a:fillRef idx="1">
+            <a:schemeClr val="accent1"/>
+          </a:fillRef>
+          <a:effectRef idx="0">
+            <a:schemeClr val="accent1"/>
+          </a:effectRef>
+          <a:fontRef idx="minor">
+            <a:schemeClr val="lt1"/>
+          </a:fontRef>
+        </p:style>
+        <p:txBody>
+          <a:bodyPr rtlCol="0" anchor="ctr"/>
+          <a:lstStyle/>
+          <a:p>
+            <a:pPr algn="ctr"/>
+            <a:endParaRPr lang="en-US"/>
+          </a:p>
+        </p:txBody>
+      </p:sp>
+      <p:sp>
+        <p:nvSpPr>
+          <p:cNvPr id="4" name="Rectangle 3">
+            <a:extLst>
+              <a:ext uri="{FF2B5EF4-FFF2-40B4-BE49-F238E27FC236}">
+                <a16:creationId xmlns:a16="http://schemas.microsoft.com/office/drawing/2014/main" id="{DAEF528C-F486-4844-BD68-FBECBCCFDA0E}"/>
+              </a:ext>
+            </a:extLst>
+          </p:cNvPr>
+          <p:cNvSpPr/>
+          <p:nvPr/>
+        </p:nvSpPr>
+        <p:spPr>
+          <a:xfrm rot="10800000">
+            <a:off x="9714271" y="-2266335"/>
+            <a:ext cx="2477729" cy="12565626"/>
+          </a:xfrm>
+          <a:prstGeom prst="rect">
+            <a:avLst/>
+          </a:prstGeom>
+          <a:solidFill>
+            <a:srgbClr val="CE2D75"/>
+          </a:solidFill>
+          <a:ln>
+            <a:noFill/>
+          </a:ln>
+          <a:effectLst>
+            <a:innerShdw blurRad="546100" dist="50800">
+              <a:prstClr val="black">
+                <a:alpha val="45000"/>
+              </a:prstClr>
+            </a:innerShdw>
+          </a:effectLst>
+        </p:spPr>
+        <p:style>
+          <a:lnRef idx="2">
+            <a:schemeClr val="accent1">
+              <a:shade val="50000"/>
+            </a:schemeClr>
+          </a:lnRef>
+          <a:fillRef idx="1">
+            <a:schemeClr val="accent1"/>
+          </a:fillRef>
+          <a:effectRef idx="0">
+            <a:schemeClr val="accent1"/>
+          </a:effectRef>
+          <a:fontRef idx="minor">
+            <a:schemeClr val="lt1"/>
+          </a:fontRef>
+        </p:style>
+        <p:txBody>
+          <a:bodyPr rtlCol="0" anchor="ctr"/>
+          <a:lstStyle/>
+          <a:p>
+            <a:pPr algn="ctr"/>
+            <a:endParaRPr lang="en-US"/>
+          </a:p>
+        </p:txBody>
+      </p:sp>
+      <p:sp>
+        <p:nvSpPr>
+          <p:cNvPr id="7" name="Title 1">
+            <a:extLst>
+              <a:ext uri="{FF2B5EF4-FFF2-40B4-BE49-F238E27FC236}">
+                <a16:creationId xmlns:a16="http://schemas.microsoft.com/office/drawing/2014/main" id="{47DE1837-8B77-4128-BE1C-3D84A9B4CF32}"/>
+              </a:ext>
+            </a:extLst>
+          </p:cNvPr>
+          <p:cNvSpPr txBox="1">
+            <a:spLocks/>
+          </p:cNvSpPr>
+          <p:nvPr/>
+        </p:nvSpPr>
+        <p:spPr>
+          <a:xfrm>
+            <a:off x="838200" y="365125"/>
+            <a:ext cx="10515600" cy="1325563"/>
+          </a:xfrm>
+          <a:prstGeom prst="rect">
+            <a:avLst/>
+          </a:prstGeom>
+        </p:spPr>
+        <p:txBody>
+          <a:bodyPr vert="horz" lIns="91440" tIns="45720" rIns="91440" bIns="45720" rtlCol="0" anchor="ctr">
+            <a:normAutofit/>
+          </a:bodyPr>
+          <a:lstStyle>
+            <a:lvl1pPr algn="l" defTabSz="914400" rtl="0" eaLnBrk="1" latinLnBrk="0" hangingPunct="1">
+              <a:lnSpc>
+                <a:spcPct val="90000"/>
+              </a:lnSpc>
+              <a:spcBef>
+                <a:spcPct val="0"/>
+              </a:spcBef>
+              <a:buNone/>
+              <a:defRPr sz="4400" kern="1200">
+                <a:solidFill>
+                  <a:schemeClr val="tx1"/>
+                </a:solidFill>
+                <a:latin typeface="+mj-lt"/>
+                <a:ea typeface="+mj-ea"/>
+                <a:cs typeface="+mj-cs"/>
+              </a:defRPr>
+            </a:lvl1pPr>
+          </a:lstStyle>
+          <a:p>
+            <a:r>
+              <a:rPr lang="en-US" b="1" dirty="0">
+                <a:solidFill>
+                  <a:schemeClr val="bg1"/>
+                </a:solidFill>
+                <a:latin typeface="Assistant" panose="00000500000000000000" pitchFamily="50" charset="-79"/>
+                <a:cs typeface="Assistant" panose="00000500000000000000" pitchFamily="50" charset="-79"/>
+              </a:rPr>
+              <a:t>Recipe Creation</a:t>
+            </a:r>
+          </a:p>
+        </p:txBody>
+      </p:sp>
+      <p:sp>
+        <p:nvSpPr>
+          <p:cNvPr id="9" name="Rectangle 8">
+            <a:extLst>
+              <a:ext uri="{FF2B5EF4-FFF2-40B4-BE49-F238E27FC236}">
+                <a16:creationId xmlns:a16="http://schemas.microsoft.com/office/drawing/2014/main" id="{454772E4-6AAC-412D-9D0C-D21C13596C94}"/>
+              </a:ext>
+            </a:extLst>
+          </p:cNvPr>
+          <p:cNvSpPr/>
+          <p:nvPr/>
+        </p:nvSpPr>
+        <p:spPr>
+          <a:xfrm>
+            <a:off x="10206681" y="-840259"/>
+            <a:ext cx="963827" cy="8501448"/>
+          </a:xfrm>
+          <a:prstGeom prst="rect">
+            <a:avLst/>
+          </a:prstGeom>
+          <a:solidFill>
+            <a:srgbClr val="861657"/>
+          </a:solidFill>
+          <a:ln>
+            <a:noFill/>
+          </a:ln>
+          <a:effectLst>
+            <a:outerShdw blurRad="63500" sx="102000" sy="102000" algn="ctr" rotWithShape="0">
+              <a:prstClr val="black">
+                <a:alpha val="40000"/>
+              </a:prstClr>
+            </a:outerShdw>
+          </a:effectLst>
+        </p:spPr>
+        <p:style>
+          <a:lnRef idx="2">
+            <a:schemeClr val="accent1">
+              <a:shade val="50000"/>
+            </a:schemeClr>
+          </a:lnRef>
+          <a:fillRef idx="1">
+            <a:schemeClr val="accent1"/>
+          </a:fillRef>
+          <a:effectRef idx="0">
+            <a:schemeClr val="accent1"/>
+          </a:effectRef>
+          <a:fontRef idx="minor">
+            <a:schemeClr val="lt1"/>
+          </a:fontRef>
+        </p:style>
+        <p:txBody>
+          <a:bodyPr rtlCol="0" anchor="ctr"/>
+          <a:lstStyle/>
+          <a:p>
+            <a:pPr algn="ctr"/>
+            <a:endParaRPr lang="en-US"/>
+          </a:p>
+        </p:txBody>
+      </p:sp>
+      <p:sp>
+        <p:nvSpPr>
+          <p:cNvPr id="10" name="Rectangle 9">
+            <a:extLst>
+              <a:ext uri="{FF2B5EF4-FFF2-40B4-BE49-F238E27FC236}">
+                <a16:creationId xmlns:a16="http://schemas.microsoft.com/office/drawing/2014/main" id="{4F77882A-6BC0-4C80-962C-0F0D7CD2BEC4}"/>
+              </a:ext>
+            </a:extLst>
+          </p:cNvPr>
+          <p:cNvSpPr/>
+          <p:nvPr/>
+        </p:nvSpPr>
+        <p:spPr>
+          <a:xfrm>
+            <a:off x="11372336" y="-821724"/>
+            <a:ext cx="243016" cy="8501448"/>
+          </a:xfrm>
+          <a:prstGeom prst="rect">
+            <a:avLst/>
+          </a:prstGeom>
+          <a:solidFill>
+            <a:srgbClr val="861657"/>
+          </a:solidFill>
+          <a:ln>
+            <a:noFill/>
+          </a:ln>
+          <a:effectLst>
+            <a:outerShdw blurRad="63500" sx="102000" sy="102000" algn="ctr" rotWithShape="0">
+              <a:prstClr val="black">
+                <a:alpha val="40000"/>
+              </a:prstClr>
+            </a:outerShdw>
+          </a:effectLst>
+        </p:spPr>
+        <p:style>
+          <a:lnRef idx="2">
+            <a:schemeClr val="accent1">
+              <a:shade val="50000"/>
+            </a:schemeClr>
+          </a:lnRef>
+          <a:fillRef idx="1">
+            <a:schemeClr val="accent1"/>
+          </a:fillRef>
+          <a:effectRef idx="0">
+            <a:schemeClr val="accent1"/>
+          </a:effectRef>
+          <a:fontRef idx="minor">
+            <a:schemeClr val="lt1"/>
+          </a:fontRef>
+        </p:style>
+        <p:txBody>
+          <a:bodyPr rtlCol="0" anchor="ctr"/>
+          <a:lstStyle/>
+          <a:p>
+            <a:pPr algn="ctr"/>
+            <a:endParaRPr lang="en-US"/>
+          </a:p>
+        </p:txBody>
+      </p:sp>
+      <p:sp>
+        <p:nvSpPr>
+          <p:cNvPr id="8" name="Content Placeholder 2">
+            <a:extLst>
+              <a:ext uri="{FF2B5EF4-FFF2-40B4-BE49-F238E27FC236}">
+                <a16:creationId xmlns:a16="http://schemas.microsoft.com/office/drawing/2014/main" id="{A732765A-43CC-4564-A942-6DE8DC68D4A1}"/>
+              </a:ext>
+            </a:extLst>
+          </p:cNvPr>
+          <p:cNvSpPr txBox="1">
+            <a:spLocks/>
+          </p:cNvSpPr>
+          <p:nvPr/>
+        </p:nvSpPr>
+        <p:spPr>
+          <a:xfrm>
+            <a:off x="838200" y="1356853"/>
+            <a:ext cx="9166653" cy="5501147"/>
+          </a:xfrm>
+          <a:prstGeom prst="rect">
+            <a:avLst/>
+          </a:prstGeom>
+        </p:spPr>
+        <p:txBody>
+          <a:bodyPr vert="horz" lIns="91440" tIns="45720" rIns="91440" bIns="45720" rtlCol="0">
+            <a:normAutofit/>
+          </a:bodyPr>
+          <a:lstStyle>
+            <a:lvl1pPr marL="228600" indent="-228600" algn="l" defTabSz="914400" rtl="0" eaLnBrk="1" latinLnBrk="0" hangingPunct="1">
+              <a:lnSpc>
+                <a:spcPct val="90000"/>
+              </a:lnSpc>
+              <a:spcBef>
+                <a:spcPts val="1000"/>
+              </a:spcBef>
+              <a:buFont typeface="Arial" panose="020B0604020202020204" pitchFamily="34" charset="0"/>
+              <a:buChar char="•"/>
+              <a:defRPr sz="2800" kern="1200">
+                <a:solidFill>
+                  <a:schemeClr val="tx1"/>
+                </a:solidFill>
+                <a:latin typeface="+mn-lt"/>
+                <a:ea typeface="+mn-ea"/>
+                <a:cs typeface="+mn-cs"/>
+              </a:defRPr>
+            </a:lvl1pPr>
+            <a:lvl2pPr marL="685800" indent="-228600" algn="l" defTabSz="914400" rtl="0" eaLnBrk="1" latinLnBrk="0" hangingPunct="1">
+              <a:lnSpc>
+                <a:spcPct val="90000"/>
+              </a:lnSpc>
+              <a:spcBef>
+                <a:spcPts val="500"/>
+              </a:spcBef>
+              <a:buFont typeface="Arial" panose="020B0604020202020204" pitchFamily="34" charset="0"/>
+              <a:buChar char="•"/>
+              <a:defRPr sz="2400" kern="1200">
+                <a:solidFill>
+                  <a:schemeClr val="tx1"/>
+                </a:solidFill>
+                <a:latin typeface="+mn-lt"/>
+                <a:ea typeface="+mn-ea"/>
+                <a:cs typeface="+mn-cs"/>
+              </a:defRPr>
+            </a:lvl2pPr>
+            <a:lvl3pPr marL="1143000" indent="-228600" algn="l" defTabSz="914400" rtl="0" eaLnBrk="1" latinLnBrk="0" hangingPunct="1">
+              <a:lnSpc>
+                <a:spcPct val="90000"/>
+              </a:lnSpc>
+              <a:spcBef>
+                <a:spcPts val="500"/>
+              </a:spcBef>
+              <a:buFont typeface="Arial" panose="020B0604020202020204" pitchFamily="34" charset="0"/>
+              <a:buChar char="•"/>
+              <a:defRPr sz="2000" kern="1200">
+                <a:solidFill>
+                  <a:schemeClr val="tx1"/>
+                </a:solidFill>
+                <a:latin typeface="+mn-lt"/>
+                <a:ea typeface="+mn-ea"/>
+                <a:cs typeface="+mn-cs"/>
+              </a:defRPr>
+            </a:lvl3pPr>
+            <a:lvl4pPr marL="1600200" indent="-228600" algn="l" defTabSz="914400" rtl="0" eaLnBrk="1" latinLnBrk="0" hangingPunct="1">
+              <a:lnSpc>
+                <a:spcPct val="90000"/>
+              </a:lnSpc>
+              <a:spcBef>
+                <a:spcPts val="500"/>
+              </a:spcBef>
+              <a:buFont typeface="Arial" panose="020B0604020202020204" pitchFamily="34" charset="0"/>
+              <a:buChar char="•"/>
+              <a:defRPr sz="1800" kern="1200">
+                <a:solidFill>
+                  <a:schemeClr val="tx1"/>
+                </a:solidFill>
+                <a:latin typeface="+mn-lt"/>
+                <a:ea typeface="+mn-ea"/>
+                <a:cs typeface="+mn-cs"/>
+              </a:defRPr>
+            </a:lvl4pPr>
+            <a:lvl5pPr marL="2057400" indent="-228600" algn="l" defTabSz="914400" rtl="0" eaLnBrk="1" latinLnBrk="0" hangingPunct="1">
+              <a:lnSpc>
+                <a:spcPct val="90000"/>
+              </a:lnSpc>
+              <a:spcBef>
+                <a:spcPts val="500"/>
+              </a:spcBef>
+              <a:buFont typeface="Arial" panose="020B0604020202020204" pitchFamily="34" charset="0"/>
+              <a:buChar char="•"/>
+              <a:defRPr sz="1800" kern="1200">
+                <a:solidFill>
+                  <a:schemeClr val="tx1"/>
+                </a:solidFill>
+                <a:latin typeface="+mn-lt"/>
+                <a:ea typeface="+mn-ea"/>
+                <a:cs typeface="+mn-cs"/>
+              </a:defRPr>
+            </a:lvl5pPr>
+            <a:lvl6pPr marL="2514600" indent="-228600" algn="l" defTabSz="914400" rtl="0" eaLnBrk="1" latinLnBrk="0" hangingPunct="1">
+              <a:lnSpc>
+                <a:spcPct val="90000"/>
+              </a:lnSpc>
+              <a:spcBef>
+                <a:spcPts val="500"/>
+              </a:spcBef>
+              <a:buFont typeface="Arial" panose="020B0604020202020204" pitchFamily="34" charset="0"/>
+              <a:buChar char="•"/>
+              <a:defRPr sz="1800" kern="1200">
+                <a:solidFill>
+                  <a:schemeClr val="tx1"/>
+                </a:solidFill>
+                <a:latin typeface="+mn-lt"/>
+                <a:ea typeface="+mn-ea"/>
+                <a:cs typeface="+mn-cs"/>
+              </a:defRPr>
+            </a:lvl6pPr>
+            <a:lvl7pPr marL="2971800" indent="-228600" algn="l" defTabSz="914400" rtl="0" eaLnBrk="1" latinLnBrk="0" hangingPunct="1">
+              <a:lnSpc>
+                <a:spcPct val="90000"/>
+              </a:lnSpc>
+              <a:spcBef>
+                <a:spcPts val="500"/>
+              </a:spcBef>
+              <a:buFont typeface="Arial" panose="020B0604020202020204" pitchFamily="34" charset="0"/>
+              <a:buChar char="•"/>
+              <a:defRPr sz="1800" kern="1200">
+                <a:solidFill>
+                  <a:schemeClr val="tx1"/>
+                </a:solidFill>
+                <a:latin typeface="+mn-lt"/>
+                <a:ea typeface="+mn-ea"/>
+                <a:cs typeface="+mn-cs"/>
+              </a:defRPr>
+            </a:lvl7pPr>
+            <a:lvl8pPr marL="3429000" indent="-228600" algn="l" defTabSz="914400" rtl="0" eaLnBrk="1" latinLnBrk="0" hangingPunct="1">
+              <a:lnSpc>
+                <a:spcPct val="90000"/>
+              </a:lnSpc>
+              <a:spcBef>
+                <a:spcPts val="500"/>
+              </a:spcBef>
+              <a:buFont typeface="Arial" panose="020B0604020202020204" pitchFamily="34" charset="0"/>
+              <a:buChar char="•"/>
+              <a:defRPr sz="1800" kern="1200">
+                <a:solidFill>
+                  <a:schemeClr val="tx1"/>
+                </a:solidFill>
+                <a:latin typeface="+mn-lt"/>
+                <a:ea typeface="+mn-ea"/>
+                <a:cs typeface="+mn-cs"/>
+              </a:defRPr>
+            </a:lvl8pPr>
+            <a:lvl9pPr marL="3886200" indent="-228600" algn="l" defTabSz="914400" rtl="0" eaLnBrk="1" latinLnBrk="0" hangingPunct="1">
+              <a:lnSpc>
+                <a:spcPct val="90000"/>
+              </a:lnSpc>
+              <a:spcBef>
+                <a:spcPts val="500"/>
+              </a:spcBef>
+              <a:buFont typeface="Arial" panose="020B0604020202020204" pitchFamily="34" charset="0"/>
+              <a:buChar char="•"/>
+              <a:defRPr sz="1800" kern="1200">
+                <a:solidFill>
+                  <a:schemeClr val="tx1"/>
+                </a:solidFill>
+                <a:latin typeface="+mn-lt"/>
+                <a:ea typeface="+mn-ea"/>
+                <a:cs typeface="+mn-cs"/>
+              </a:defRPr>
+            </a:lvl9pPr>
+          </a:lstStyle>
+          <a:p>
+            <a:pPr marL="0" indent="0">
+              <a:buFont typeface="Arial" panose="020B0604020202020204" pitchFamily="34" charset="0"/>
+              <a:buNone/>
+            </a:pPr>
+            <a:r>
+              <a:rPr lang="en-US" dirty="0">
+                <a:solidFill>
+                  <a:schemeClr val="bg1"/>
+                </a:solidFill>
+                <a:effectLst>
+                  <a:outerShdw blurRad="38100" dist="38100" dir="2700000" algn="tl">
+                    <a:srgbClr val="000000">
+                      <a:alpha val="43137"/>
+                    </a:srgbClr>
+                  </a:outerShdw>
+                </a:effectLst>
+                <a:latin typeface="Assistant" panose="00000500000000000000" pitchFamily="50" charset="-79"/>
+                <a:cs typeface="Assistant" panose="00000500000000000000" pitchFamily="50" charset="-79"/>
+              </a:rPr>
+              <a:t>Users can create recipes!</a:t>
+            </a:r>
+          </a:p>
+          <a:p>
+            <a:pPr marL="0" indent="0">
+              <a:buFont typeface="Arial" panose="020B0604020202020204" pitchFamily="34" charset="0"/>
+              <a:buNone/>
+            </a:pPr>
+            <a:r>
+              <a:rPr lang="en-US" dirty="0">
+                <a:solidFill>
+                  <a:schemeClr val="bg1"/>
+                </a:solidFill>
+                <a:effectLst>
+                  <a:outerShdw blurRad="38100" dist="38100" dir="2700000" algn="tl">
+                    <a:srgbClr val="000000">
+                      <a:alpha val="43137"/>
+                    </a:srgbClr>
+                  </a:outerShdw>
+                </a:effectLst>
+                <a:latin typeface="Assistant" panose="00000500000000000000" pitchFamily="50" charset="-79"/>
+                <a:cs typeface="Assistant" panose="00000500000000000000" pitchFamily="50" charset="-79"/>
+              </a:rPr>
+              <a:t>Recipes require a </a:t>
+            </a:r>
+            <a:r>
+              <a:rPr lang="en-US" b="1" dirty="0">
+                <a:solidFill>
+                  <a:schemeClr val="bg1"/>
+                </a:solidFill>
+                <a:effectLst>
+                  <a:outerShdw blurRad="38100" dist="38100" dir="2700000" algn="tl">
+                    <a:srgbClr val="000000">
+                      <a:alpha val="43137"/>
+                    </a:srgbClr>
+                  </a:outerShdw>
+                </a:effectLst>
+                <a:latin typeface="Assistant" panose="00000500000000000000" pitchFamily="50" charset="-79"/>
+                <a:cs typeface="Assistant" panose="00000500000000000000" pitchFamily="50" charset="-79"/>
+              </a:rPr>
+              <a:t>title</a:t>
+            </a:r>
+            <a:r>
+              <a:rPr lang="en-US" dirty="0">
+                <a:solidFill>
+                  <a:schemeClr val="bg1"/>
+                </a:solidFill>
+                <a:effectLst>
+                  <a:outerShdw blurRad="38100" dist="38100" dir="2700000" algn="tl">
+                    <a:srgbClr val="000000">
+                      <a:alpha val="43137"/>
+                    </a:srgbClr>
+                  </a:outerShdw>
+                </a:effectLst>
+                <a:latin typeface="Assistant" panose="00000500000000000000" pitchFamily="50" charset="-79"/>
+                <a:cs typeface="Assistant" panose="00000500000000000000" pitchFamily="50" charset="-79"/>
+              </a:rPr>
+              <a:t>, a </a:t>
+            </a:r>
+            <a:r>
+              <a:rPr lang="en-US" b="1" dirty="0">
+                <a:solidFill>
+                  <a:schemeClr val="bg1"/>
+                </a:solidFill>
+                <a:effectLst>
+                  <a:outerShdw blurRad="38100" dist="38100" dir="2700000" algn="tl">
+                    <a:srgbClr val="000000">
+                      <a:alpha val="43137"/>
+                    </a:srgbClr>
+                  </a:outerShdw>
+                </a:effectLst>
+                <a:latin typeface="Assistant" panose="00000500000000000000" pitchFamily="50" charset="-79"/>
+                <a:cs typeface="Assistant" panose="00000500000000000000" pitchFamily="50" charset="-79"/>
+              </a:rPr>
+              <a:t>description</a:t>
+            </a:r>
+            <a:r>
+              <a:rPr lang="en-US" dirty="0">
+                <a:solidFill>
+                  <a:schemeClr val="bg1"/>
+                </a:solidFill>
+                <a:effectLst>
+                  <a:outerShdw blurRad="38100" dist="38100" dir="2700000" algn="tl">
+                    <a:srgbClr val="000000">
+                      <a:alpha val="43137"/>
+                    </a:srgbClr>
+                  </a:outerShdw>
+                </a:effectLst>
+                <a:latin typeface="Assistant" panose="00000500000000000000" pitchFamily="50" charset="-79"/>
+                <a:cs typeface="Assistant" panose="00000500000000000000" pitchFamily="50" charset="-79"/>
+              </a:rPr>
+              <a:t>, at least one </a:t>
+            </a:r>
+            <a:r>
+              <a:rPr lang="en-US" b="1" dirty="0">
+                <a:solidFill>
+                  <a:schemeClr val="bg1"/>
+                </a:solidFill>
+                <a:effectLst>
+                  <a:outerShdw blurRad="38100" dist="38100" dir="2700000" algn="tl">
+                    <a:srgbClr val="000000">
+                      <a:alpha val="43137"/>
+                    </a:srgbClr>
+                  </a:outerShdw>
+                </a:effectLst>
+                <a:latin typeface="Assistant" panose="00000500000000000000" pitchFamily="50" charset="-79"/>
+                <a:cs typeface="Assistant" panose="00000500000000000000" pitchFamily="50" charset="-79"/>
+              </a:rPr>
+              <a:t>ingredient amount </a:t>
+            </a:r>
+            <a:r>
+              <a:rPr lang="en-US" dirty="0">
+                <a:solidFill>
+                  <a:schemeClr val="bg1"/>
+                </a:solidFill>
+                <a:effectLst>
+                  <a:outerShdw blurRad="38100" dist="38100" dir="2700000" algn="tl">
+                    <a:srgbClr val="000000">
+                      <a:alpha val="43137"/>
+                    </a:srgbClr>
+                  </a:outerShdw>
+                </a:effectLst>
+                <a:latin typeface="Assistant" panose="00000500000000000000" pitchFamily="50" charset="-79"/>
+                <a:cs typeface="Assistant" panose="00000500000000000000" pitchFamily="50" charset="-79"/>
+              </a:rPr>
+              <a:t>and </a:t>
+            </a:r>
+            <a:r>
+              <a:rPr lang="en-US" b="1" dirty="0">
+                <a:solidFill>
+                  <a:schemeClr val="bg1"/>
+                </a:solidFill>
+                <a:effectLst>
+                  <a:outerShdw blurRad="38100" dist="38100" dir="2700000" algn="tl">
+                    <a:srgbClr val="000000">
+                      <a:alpha val="43137"/>
+                    </a:srgbClr>
+                  </a:outerShdw>
+                </a:effectLst>
+                <a:latin typeface="Assistant" panose="00000500000000000000" pitchFamily="50" charset="-79"/>
+                <a:cs typeface="Assistant" panose="00000500000000000000" pitchFamily="50" charset="-79"/>
+              </a:rPr>
+              <a:t>name</a:t>
+            </a:r>
+            <a:r>
+              <a:rPr lang="en-US" dirty="0">
+                <a:solidFill>
+                  <a:schemeClr val="bg1"/>
+                </a:solidFill>
+                <a:effectLst>
+                  <a:outerShdw blurRad="38100" dist="38100" dir="2700000" algn="tl">
+                    <a:srgbClr val="000000">
+                      <a:alpha val="43137"/>
+                    </a:srgbClr>
+                  </a:outerShdw>
+                </a:effectLst>
+                <a:latin typeface="Assistant" panose="00000500000000000000" pitchFamily="50" charset="-79"/>
+                <a:cs typeface="Assistant" panose="00000500000000000000" pitchFamily="50" charset="-79"/>
+              </a:rPr>
+              <a:t>, and at least one </a:t>
+            </a:r>
+            <a:r>
+              <a:rPr lang="en-US" b="1" dirty="0">
+                <a:solidFill>
+                  <a:schemeClr val="bg1"/>
+                </a:solidFill>
+                <a:effectLst>
+                  <a:outerShdw blurRad="38100" dist="38100" dir="2700000" algn="tl">
+                    <a:srgbClr val="000000">
+                      <a:alpha val="43137"/>
+                    </a:srgbClr>
+                  </a:outerShdw>
+                </a:effectLst>
+                <a:latin typeface="Assistant" panose="00000500000000000000" pitchFamily="50" charset="-79"/>
+                <a:cs typeface="Assistant" panose="00000500000000000000" pitchFamily="50" charset="-79"/>
+              </a:rPr>
+              <a:t>step</a:t>
+            </a:r>
+            <a:r>
+              <a:rPr lang="en-US" dirty="0">
+                <a:solidFill>
+                  <a:schemeClr val="bg1"/>
+                </a:solidFill>
+                <a:effectLst>
+                  <a:outerShdw blurRad="38100" dist="38100" dir="2700000" algn="tl">
+                    <a:srgbClr val="000000">
+                      <a:alpha val="43137"/>
+                    </a:srgbClr>
+                  </a:outerShdw>
+                </a:effectLst>
+                <a:latin typeface="Assistant" panose="00000500000000000000" pitchFamily="50" charset="-79"/>
+                <a:cs typeface="Assistant" panose="00000500000000000000" pitchFamily="50" charset="-79"/>
+              </a:rPr>
+              <a:t>.</a:t>
+            </a:r>
+          </a:p>
+          <a:p>
+            <a:pPr marL="0" indent="0">
+              <a:buFont typeface="Arial" panose="020B0604020202020204" pitchFamily="34" charset="0"/>
+              <a:buNone/>
+            </a:pPr>
+            <a:r>
+              <a:rPr lang="en-US" dirty="0">
+                <a:solidFill>
+                  <a:schemeClr val="bg1"/>
+                </a:solidFill>
+                <a:effectLst>
+                  <a:outerShdw blurRad="38100" dist="38100" dir="2700000" algn="tl">
+                    <a:srgbClr val="000000">
+                      <a:alpha val="43137"/>
+                    </a:srgbClr>
+                  </a:outerShdw>
+                </a:effectLst>
+                <a:latin typeface="Assistant" panose="00000500000000000000" pitchFamily="50" charset="-79"/>
+                <a:cs typeface="Assistant" panose="00000500000000000000" pitchFamily="50" charset="-79"/>
+              </a:rPr>
+              <a:t>Optionally, recipes can have an </a:t>
+            </a:r>
+            <a:r>
+              <a:rPr lang="en-US" b="1" dirty="0">
+                <a:solidFill>
+                  <a:schemeClr val="bg1"/>
+                </a:solidFill>
+                <a:effectLst>
+                  <a:outerShdw blurRad="38100" dist="38100" dir="2700000" algn="tl">
+                    <a:srgbClr val="000000">
+                      <a:alpha val="43137"/>
+                    </a:srgbClr>
+                  </a:outerShdw>
+                </a:effectLst>
+                <a:latin typeface="Assistant" panose="00000500000000000000" pitchFamily="50" charset="-79"/>
+                <a:cs typeface="Assistant" panose="00000500000000000000" pitchFamily="50" charset="-79"/>
+              </a:rPr>
+              <a:t>image</a:t>
+            </a:r>
+            <a:r>
+              <a:rPr lang="en-US" dirty="0">
+                <a:solidFill>
+                  <a:schemeClr val="bg1"/>
+                </a:solidFill>
+                <a:effectLst>
+                  <a:outerShdw blurRad="38100" dist="38100" dir="2700000" algn="tl">
+                    <a:srgbClr val="000000">
+                      <a:alpha val="43137"/>
+                    </a:srgbClr>
+                  </a:outerShdw>
+                </a:effectLst>
+                <a:latin typeface="Assistant" panose="00000500000000000000" pitchFamily="50" charset="-79"/>
+                <a:cs typeface="Assistant" panose="00000500000000000000" pitchFamily="50" charset="-79"/>
+              </a:rPr>
+              <a:t> and/or zero or more </a:t>
+            </a:r>
+            <a:r>
+              <a:rPr lang="en-US" b="1" dirty="0">
+                <a:solidFill>
+                  <a:schemeClr val="bg1"/>
+                </a:solidFill>
+                <a:effectLst>
+                  <a:outerShdw blurRad="38100" dist="38100" dir="2700000" algn="tl">
+                    <a:srgbClr val="000000">
+                      <a:alpha val="43137"/>
+                    </a:srgbClr>
+                  </a:outerShdw>
+                </a:effectLst>
+                <a:latin typeface="Assistant" panose="00000500000000000000" pitchFamily="50" charset="-79"/>
+                <a:cs typeface="Assistant" panose="00000500000000000000" pitchFamily="50" charset="-79"/>
+              </a:rPr>
+              <a:t>tags</a:t>
+            </a:r>
+            <a:r>
+              <a:rPr lang="en-US" dirty="0">
+                <a:solidFill>
+                  <a:schemeClr val="bg1"/>
+                </a:solidFill>
+                <a:effectLst>
+                  <a:outerShdw blurRad="38100" dist="38100" dir="2700000" algn="tl">
+                    <a:srgbClr val="000000">
+                      <a:alpha val="43137"/>
+                    </a:srgbClr>
+                  </a:outerShdw>
+                </a:effectLst>
+                <a:latin typeface="Assistant" panose="00000500000000000000" pitchFamily="50" charset="-79"/>
+                <a:cs typeface="Assistant" panose="00000500000000000000" pitchFamily="50" charset="-79"/>
+              </a:rPr>
+              <a:t>.</a:t>
+            </a:r>
+          </a:p>
+        </p:txBody>
+      </p:sp>
+    </p:spTree>
+    <p:extLst>
+      <p:ext uri="{BB962C8B-B14F-4D97-AF65-F5344CB8AC3E}">
+        <p14:creationId xmlns:p14="http://schemas.microsoft.com/office/powerpoint/2010/main" val="2100518836"/>
+      </p:ext>
+    </p:extLst>
+  </p:cSld>
+  <p:clrMapOvr>
+    <a:masterClrMapping/>
+  </p:clrMapOvr>
+</p:sld>
+</file>
+
+<file path=ppt/slides/slide8.xml><?xml version="1.0" encoding="utf-8"?>
+<p:sld xmlns:a="http://schemas.openxmlformats.org/drawingml/2006/main" xmlns:r="http://schemas.openxmlformats.org/officeDocument/2006/relationships" xmlns:p="http://schemas.openxmlformats.org/presentationml/2006/main">
+  <p:cSld>
+    <p:bg>
+      <p:bgPr>
+        <a:solidFill>
+          <a:srgbClr val="CE2D75"/>
+        </a:solidFill>
+        <a:effectLst/>
+      </p:bgPr>
+    </p:bg>
+    <p:spTree>
+      <p:nvGrpSpPr>
+        <p:cNvPr id="1" name=""/>
+        <p:cNvGrpSpPr/>
+        <p:nvPr/>
+      </p:nvGrpSpPr>
+      <p:grpSpPr>
+        <a:xfrm>
+          <a:off x="0" y="0"/>
+          <a:ext cx="0" cy="0"/>
+          <a:chOff x="0" y="0"/>
+          <a:chExt cx="0" cy="0"/>
+        </a:xfrm>
+      </p:grpSpPr>
+      <p:sp>
+        <p:nvSpPr>
+          <p:cNvPr id="5" name="Rectangle 4">
+            <a:extLst>
+              <a:ext uri="{FF2B5EF4-FFF2-40B4-BE49-F238E27FC236}">
+                <a16:creationId xmlns:a16="http://schemas.microsoft.com/office/drawing/2014/main" id="{6EF79363-2E3F-42D2-9AB6-44D507EA6767}"/>
+              </a:ext>
+            </a:extLst>
+          </p:cNvPr>
+          <p:cNvSpPr/>
+          <p:nvPr/>
+        </p:nvSpPr>
+        <p:spPr>
+          <a:xfrm>
+            <a:off x="0" y="-2477729"/>
+            <a:ext cx="2477729" cy="12565626"/>
+          </a:xfrm>
+          <a:prstGeom prst="rect">
+            <a:avLst/>
+          </a:prstGeom>
+          <a:solidFill>
+            <a:srgbClr val="CE2D75"/>
+          </a:solidFill>
+          <a:ln>
+            <a:noFill/>
+          </a:ln>
+          <a:effectLst>
+            <a:innerShdw blurRad="546100" dist="50800" dir="10800000">
+              <a:prstClr val="black">
+                <a:alpha val="45000"/>
+              </a:prstClr>
+            </a:innerShdw>
+          </a:effectLst>
+        </p:spPr>
+        <p:style>
+          <a:lnRef idx="2">
+            <a:schemeClr val="accent1">
+              <a:shade val="50000"/>
+            </a:schemeClr>
+          </a:lnRef>
+          <a:fillRef idx="1">
+            <a:schemeClr val="accent1"/>
+          </a:fillRef>
+          <a:effectRef idx="0">
+            <a:schemeClr val="accent1"/>
+          </a:effectRef>
+          <a:fontRef idx="minor">
+            <a:schemeClr val="lt1"/>
+          </a:fontRef>
+        </p:style>
+        <p:txBody>
+          <a:bodyPr rtlCol="0" anchor="ctr"/>
+          <a:lstStyle/>
+          <a:p>
+            <a:pPr algn="ctr"/>
+            <a:endParaRPr lang="en-US"/>
+          </a:p>
+        </p:txBody>
+      </p:sp>
+      <p:sp>
+        <p:nvSpPr>
+          <p:cNvPr id="6" name="Rectangle 5">
+            <a:extLst>
+              <a:ext uri="{FF2B5EF4-FFF2-40B4-BE49-F238E27FC236}">
+                <a16:creationId xmlns:a16="http://schemas.microsoft.com/office/drawing/2014/main" id="{60654D08-5910-4876-9978-07BFCF66D0FD}"/>
+              </a:ext>
+            </a:extLst>
+          </p:cNvPr>
+          <p:cNvSpPr/>
+          <p:nvPr/>
+        </p:nvSpPr>
+        <p:spPr>
+          <a:xfrm>
+            <a:off x="513403" y="-2920180"/>
+            <a:ext cx="3416710" cy="13219471"/>
+          </a:xfrm>
+          <a:prstGeom prst="rect">
+            <a:avLst/>
+          </a:prstGeom>
+          <a:solidFill>
+            <a:srgbClr val="CE2D75"/>
+          </a:solidFill>
+          <a:ln>
+            <a:noFill/>
+          </a:ln>
+          <a:effectLst/>
+        </p:spPr>
+        <p:style>
+          <a:lnRef idx="2">
+            <a:schemeClr val="accent1">
+              <a:shade val="50000"/>
+            </a:schemeClr>
+          </a:lnRef>
+          <a:fillRef idx="1">
+            <a:schemeClr val="accent1"/>
+          </a:fillRef>
+          <a:effectRef idx="0">
+            <a:schemeClr val="accent1"/>
+          </a:effectRef>
+          <a:fontRef idx="minor">
+            <a:schemeClr val="lt1"/>
+          </a:fontRef>
+        </p:style>
+        <p:txBody>
+          <a:bodyPr rtlCol="0" anchor="ctr"/>
+          <a:lstStyle/>
+          <a:p>
+            <a:pPr algn="ctr"/>
+            <a:endParaRPr lang="en-US"/>
+          </a:p>
+        </p:txBody>
+      </p:sp>
+      <p:sp>
+        <p:nvSpPr>
+          <p:cNvPr id="4" name="Rectangle 3">
+            <a:extLst>
+              <a:ext uri="{FF2B5EF4-FFF2-40B4-BE49-F238E27FC236}">
+                <a16:creationId xmlns:a16="http://schemas.microsoft.com/office/drawing/2014/main" id="{DAEF528C-F486-4844-BD68-FBECBCCFDA0E}"/>
+              </a:ext>
+            </a:extLst>
+          </p:cNvPr>
+          <p:cNvSpPr/>
+          <p:nvPr/>
+        </p:nvSpPr>
+        <p:spPr>
+          <a:xfrm rot="10800000">
+            <a:off x="9714271" y="-2266335"/>
+            <a:ext cx="2477729" cy="12565626"/>
+          </a:xfrm>
+          <a:prstGeom prst="rect">
+            <a:avLst/>
+          </a:prstGeom>
+          <a:solidFill>
+            <a:srgbClr val="CE2D75"/>
+          </a:solidFill>
+          <a:ln>
+            <a:noFill/>
+          </a:ln>
+          <a:effectLst>
+            <a:innerShdw blurRad="546100" dist="50800">
+              <a:prstClr val="black">
+                <a:alpha val="45000"/>
+              </a:prstClr>
+            </a:innerShdw>
+          </a:effectLst>
+        </p:spPr>
+        <p:style>
+          <a:lnRef idx="2">
+            <a:schemeClr val="accent1">
+              <a:shade val="50000"/>
+            </a:schemeClr>
+          </a:lnRef>
+          <a:fillRef idx="1">
+            <a:schemeClr val="accent1"/>
+          </a:fillRef>
+          <a:effectRef idx="0">
+            <a:schemeClr val="accent1"/>
+          </a:effectRef>
+          <a:fontRef idx="minor">
+            <a:schemeClr val="lt1"/>
+          </a:fontRef>
+        </p:style>
+        <p:txBody>
+          <a:bodyPr rtlCol="0" anchor="ctr"/>
+          <a:lstStyle/>
+          <a:p>
+            <a:pPr algn="ctr"/>
+            <a:endParaRPr lang="en-US"/>
+          </a:p>
+        </p:txBody>
+      </p:sp>
+      <p:sp>
+        <p:nvSpPr>
+          <p:cNvPr id="7" name="Title 1">
+            <a:extLst>
+              <a:ext uri="{FF2B5EF4-FFF2-40B4-BE49-F238E27FC236}">
+                <a16:creationId xmlns:a16="http://schemas.microsoft.com/office/drawing/2014/main" id="{47DE1837-8B77-4128-BE1C-3D84A9B4CF32}"/>
+              </a:ext>
+            </a:extLst>
+          </p:cNvPr>
+          <p:cNvSpPr txBox="1">
+            <a:spLocks/>
+          </p:cNvSpPr>
+          <p:nvPr/>
+        </p:nvSpPr>
+        <p:spPr>
+          <a:xfrm>
+            <a:off x="838200" y="365125"/>
+            <a:ext cx="10515600" cy="1325563"/>
+          </a:xfrm>
+          <a:prstGeom prst="rect">
+            <a:avLst/>
+          </a:prstGeom>
+        </p:spPr>
+        <p:txBody>
+          <a:bodyPr vert="horz" lIns="91440" tIns="45720" rIns="91440" bIns="45720" rtlCol="0" anchor="ctr">
+            <a:normAutofit/>
+          </a:bodyPr>
+          <a:lstStyle>
+            <a:lvl1pPr algn="l" defTabSz="914400" rtl="0" eaLnBrk="1" latinLnBrk="0" hangingPunct="1">
+              <a:lnSpc>
+                <a:spcPct val="90000"/>
+              </a:lnSpc>
+              <a:spcBef>
+                <a:spcPct val="0"/>
+              </a:spcBef>
+              <a:buNone/>
+              <a:defRPr sz="4400" kern="1200">
+                <a:solidFill>
+                  <a:schemeClr val="tx1"/>
+                </a:solidFill>
+                <a:latin typeface="+mj-lt"/>
+                <a:ea typeface="+mj-ea"/>
+                <a:cs typeface="+mj-cs"/>
+              </a:defRPr>
+            </a:lvl1pPr>
+          </a:lstStyle>
+          <a:p>
+            <a:r>
+              <a:rPr lang="en-US" b="1" dirty="0">
+                <a:solidFill>
+                  <a:schemeClr val="bg1"/>
+                </a:solidFill>
+                <a:latin typeface="Assistant" panose="00000500000000000000" pitchFamily="50" charset="-79"/>
+                <a:cs typeface="Assistant" panose="00000500000000000000" pitchFamily="50" charset="-79"/>
+              </a:rPr>
+              <a:t>Commenting</a:t>
+            </a:r>
+          </a:p>
+        </p:txBody>
+      </p:sp>
+      <p:sp>
+        <p:nvSpPr>
+          <p:cNvPr id="9" name="Rectangle 8">
+            <a:extLst>
+              <a:ext uri="{FF2B5EF4-FFF2-40B4-BE49-F238E27FC236}">
+                <a16:creationId xmlns:a16="http://schemas.microsoft.com/office/drawing/2014/main" id="{454772E4-6AAC-412D-9D0C-D21C13596C94}"/>
+              </a:ext>
+            </a:extLst>
+          </p:cNvPr>
+          <p:cNvSpPr/>
+          <p:nvPr/>
+        </p:nvSpPr>
+        <p:spPr>
+          <a:xfrm>
+            <a:off x="10206681" y="-840259"/>
+            <a:ext cx="963827" cy="8501448"/>
+          </a:xfrm>
+          <a:prstGeom prst="rect">
+            <a:avLst/>
+          </a:prstGeom>
+          <a:solidFill>
+            <a:srgbClr val="861657"/>
+          </a:solidFill>
+          <a:ln>
+            <a:noFill/>
+          </a:ln>
+          <a:effectLst>
+            <a:outerShdw blurRad="63500" sx="102000" sy="102000" algn="ctr" rotWithShape="0">
+              <a:prstClr val="black">
+                <a:alpha val="40000"/>
+              </a:prstClr>
+            </a:outerShdw>
+          </a:effectLst>
+        </p:spPr>
+        <p:style>
+          <a:lnRef idx="2">
+            <a:schemeClr val="accent1">
+              <a:shade val="50000"/>
+            </a:schemeClr>
+          </a:lnRef>
+          <a:fillRef idx="1">
+            <a:schemeClr val="accent1"/>
+          </a:fillRef>
+          <a:effectRef idx="0">
+            <a:schemeClr val="accent1"/>
+          </a:effectRef>
+          <a:fontRef idx="minor">
+            <a:schemeClr val="lt1"/>
+          </a:fontRef>
+        </p:style>
+        <p:txBody>
+          <a:bodyPr rtlCol="0" anchor="ctr"/>
+          <a:lstStyle/>
+          <a:p>
+            <a:pPr algn="ctr"/>
+            <a:endParaRPr lang="en-US"/>
+          </a:p>
+        </p:txBody>
+      </p:sp>
+      <p:sp>
+        <p:nvSpPr>
+          <p:cNvPr id="10" name="Rectangle 9">
+            <a:extLst>
+              <a:ext uri="{FF2B5EF4-FFF2-40B4-BE49-F238E27FC236}">
+                <a16:creationId xmlns:a16="http://schemas.microsoft.com/office/drawing/2014/main" id="{4F77882A-6BC0-4C80-962C-0F0D7CD2BEC4}"/>
+              </a:ext>
+            </a:extLst>
+          </p:cNvPr>
+          <p:cNvSpPr/>
+          <p:nvPr/>
+        </p:nvSpPr>
+        <p:spPr>
+          <a:xfrm>
+            <a:off x="11372336" y="-821724"/>
+            <a:ext cx="243016" cy="8501448"/>
+          </a:xfrm>
+          <a:prstGeom prst="rect">
+            <a:avLst/>
+          </a:prstGeom>
+          <a:solidFill>
+            <a:srgbClr val="861657"/>
+          </a:solidFill>
+          <a:ln>
+            <a:noFill/>
+          </a:ln>
+          <a:effectLst>
+            <a:outerShdw blurRad="63500" sx="102000" sy="102000" algn="ctr" rotWithShape="0">
+              <a:prstClr val="black">
+                <a:alpha val="40000"/>
+              </a:prstClr>
+            </a:outerShdw>
+          </a:effectLst>
+        </p:spPr>
+        <p:style>
+          <a:lnRef idx="2">
+            <a:schemeClr val="accent1">
+              <a:shade val="50000"/>
+            </a:schemeClr>
+          </a:lnRef>
+          <a:fillRef idx="1">
+            <a:schemeClr val="accent1"/>
+          </a:fillRef>
+          <a:effectRef idx="0">
+            <a:schemeClr val="accent1"/>
+          </a:effectRef>
+          <a:fontRef idx="minor">
+            <a:schemeClr val="lt1"/>
+          </a:fontRef>
+        </p:style>
+        <p:txBody>
+          <a:bodyPr rtlCol="0" anchor="ctr"/>
+          <a:lstStyle/>
+          <a:p>
+            <a:pPr algn="ctr"/>
+            <a:endParaRPr lang="en-US"/>
+          </a:p>
+        </p:txBody>
+      </p:sp>
+      <p:sp>
+        <p:nvSpPr>
+          <p:cNvPr id="8" name="Content Placeholder 2">
+            <a:extLst>
+              <a:ext uri="{FF2B5EF4-FFF2-40B4-BE49-F238E27FC236}">
+                <a16:creationId xmlns:a16="http://schemas.microsoft.com/office/drawing/2014/main" id="{4C5A9163-339A-411E-A431-989BD5DDEC50}"/>
+              </a:ext>
+            </a:extLst>
+          </p:cNvPr>
+          <p:cNvSpPr txBox="1">
+            <a:spLocks/>
+          </p:cNvSpPr>
+          <p:nvPr/>
+        </p:nvSpPr>
+        <p:spPr>
+          <a:xfrm>
+            <a:off x="838200" y="1356853"/>
+            <a:ext cx="9166653" cy="5501147"/>
+          </a:xfrm>
+          <a:prstGeom prst="rect">
+            <a:avLst/>
+          </a:prstGeom>
+        </p:spPr>
+        <p:txBody>
+          <a:bodyPr vert="horz" lIns="91440" tIns="45720" rIns="91440" bIns="45720" rtlCol="0">
+            <a:normAutofit/>
+          </a:bodyPr>
+          <a:lstStyle>
+            <a:lvl1pPr marL="228600" indent="-228600" algn="l" defTabSz="914400" rtl="0" eaLnBrk="1" latinLnBrk="0" hangingPunct="1">
+              <a:lnSpc>
+                <a:spcPct val="90000"/>
+              </a:lnSpc>
+              <a:spcBef>
+                <a:spcPts val="1000"/>
+              </a:spcBef>
+              <a:buFont typeface="Arial" panose="020B0604020202020204" pitchFamily="34" charset="0"/>
+              <a:buChar char="•"/>
+              <a:defRPr sz="2800" kern="1200">
+                <a:solidFill>
+                  <a:schemeClr val="tx1"/>
+                </a:solidFill>
+                <a:latin typeface="+mn-lt"/>
+                <a:ea typeface="+mn-ea"/>
+                <a:cs typeface="+mn-cs"/>
+              </a:defRPr>
+            </a:lvl1pPr>
+            <a:lvl2pPr marL="685800" indent="-228600" algn="l" defTabSz="914400" rtl="0" eaLnBrk="1" latinLnBrk="0" hangingPunct="1">
+              <a:lnSpc>
+                <a:spcPct val="90000"/>
+              </a:lnSpc>
+              <a:spcBef>
+                <a:spcPts val="500"/>
+              </a:spcBef>
+              <a:buFont typeface="Arial" panose="020B0604020202020204" pitchFamily="34" charset="0"/>
+              <a:buChar char="•"/>
+              <a:defRPr sz="2400" kern="1200">
+                <a:solidFill>
+                  <a:schemeClr val="tx1"/>
+                </a:solidFill>
+                <a:latin typeface="+mn-lt"/>
+                <a:ea typeface="+mn-ea"/>
+                <a:cs typeface="+mn-cs"/>
+              </a:defRPr>
+            </a:lvl2pPr>
+            <a:lvl3pPr marL="1143000" indent="-228600" algn="l" defTabSz="914400" rtl="0" eaLnBrk="1" latinLnBrk="0" hangingPunct="1">
+              <a:lnSpc>
+                <a:spcPct val="90000"/>
+              </a:lnSpc>
+              <a:spcBef>
+                <a:spcPts val="500"/>
+              </a:spcBef>
+              <a:buFont typeface="Arial" panose="020B0604020202020204" pitchFamily="34" charset="0"/>
+              <a:buChar char="•"/>
+              <a:defRPr sz="2000" kern="1200">
+                <a:solidFill>
+                  <a:schemeClr val="tx1"/>
+                </a:solidFill>
+                <a:latin typeface="+mn-lt"/>
+                <a:ea typeface="+mn-ea"/>
+                <a:cs typeface="+mn-cs"/>
+              </a:defRPr>
+            </a:lvl3pPr>
+            <a:lvl4pPr marL="1600200" indent="-228600" algn="l" defTabSz="914400" rtl="0" eaLnBrk="1" latinLnBrk="0" hangingPunct="1">
+              <a:lnSpc>
+                <a:spcPct val="90000"/>
+              </a:lnSpc>
+              <a:spcBef>
+                <a:spcPts val="500"/>
+              </a:spcBef>
+              <a:buFont typeface="Arial" panose="020B0604020202020204" pitchFamily="34" charset="0"/>
+              <a:buChar char="•"/>
+              <a:defRPr sz="1800" kern="1200">
+                <a:solidFill>
+                  <a:schemeClr val="tx1"/>
+                </a:solidFill>
+                <a:latin typeface="+mn-lt"/>
+                <a:ea typeface="+mn-ea"/>
+                <a:cs typeface="+mn-cs"/>
+              </a:defRPr>
+            </a:lvl4pPr>
+            <a:lvl5pPr marL="2057400" indent="-228600" algn="l" defTabSz="914400" rtl="0" eaLnBrk="1" latinLnBrk="0" hangingPunct="1">
+              <a:lnSpc>
+                <a:spcPct val="90000"/>
+              </a:lnSpc>
+              <a:spcBef>
+                <a:spcPts val="500"/>
+              </a:spcBef>
+              <a:buFont typeface="Arial" panose="020B0604020202020204" pitchFamily="34" charset="0"/>
+              <a:buChar char="•"/>
+              <a:defRPr sz="1800" kern="1200">
+                <a:solidFill>
+                  <a:schemeClr val="tx1"/>
+                </a:solidFill>
+                <a:latin typeface="+mn-lt"/>
+                <a:ea typeface="+mn-ea"/>
+                <a:cs typeface="+mn-cs"/>
+              </a:defRPr>
+            </a:lvl5pPr>
+            <a:lvl6pPr marL="2514600" indent="-228600" algn="l" defTabSz="914400" rtl="0" eaLnBrk="1" latinLnBrk="0" hangingPunct="1">
+              <a:lnSpc>
+                <a:spcPct val="90000"/>
+              </a:lnSpc>
+              <a:spcBef>
+                <a:spcPts val="500"/>
+              </a:spcBef>
+              <a:buFont typeface="Arial" panose="020B0604020202020204" pitchFamily="34" charset="0"/>
+              <a:buChar char="•"/>
+              <a:defRPr sz="1800" kern="1200">
+                <a:solidFill>
+                  <a:schemeClr val="tx1"/>
+                </a:solidFill>
+                <a:latin typeface="+mn-lt"/>
+                <a:ea typeface="+mn-ea"/>
+                <a:cs typeface="+mn-cs"/>
+              </a:defRPr>
+            </a:lvl6pPr>
+            <a:lvl7pPr marL="2971800" indent="-228600" algn="l" defTabSz="914400" rtl="0" eaLnBrk="1" latinLnBrk="0" hangingPunct="1">
+              <a:lnSpc>
+                <a:spcPct val="90000"/>
+              </a:lnSpc>
+              <a:spcBef>
+                <a:spcPts val="500"/>
+              </a:spcBef>
+              <a:buFont typeface="Arial" panose="020B0604020202020204" pitchFamily="34" charset="0"/>
+              <a:buChar char="•"/>
+              <a:defRPr sz="1800" kern="1200">
+                <a:solidFill>
+                  <a:schemeClr val="tx1"/>
+                </a:solidFill>
+                <a:latin typeface="+mn-lt"/>
+                <a:ea typeface="+mn-ea"/>
+                <a:cs typeface="+mn-cs"/>
+              </a:defRPr>
+            </a:lvl7pPr>
+            <a:lvl8pPr marL="3429000" indent="-228600" algn="l" defTabSz="914400" rtl="0" eaLnBrk="1" latinLnBrk="0" hangingPunct="1">
+              <a:lnSpc>
+                <a:spcPct val="90000"/>
+              </a:lnSpc>
+              <a:spcBef>
+                <a:spcPts val="500"/>
+              </a:spcBef>
+              <a:buFont typeface="Arial" panose="020B0604020202020204" pitchFamily="34" charset="0"/>
+              <a:buChar char="•"/>
+              <a:defRPr sz="1800" kern="1200">
+                <a:solidFill>
+                  <a:schemeClr val="tx1"/>
+                </a:solidFill>
+                <a:latin typeface="+mn-lt"/>
+                <a:ea typeface="+mn-ea"/>
+                <a:cs typeface="+mn-cs"/>
+              </a:defRPr>
+            </a:lvl8pPr>
+            <a:lvl9pPr marL="3886200" indent="-228600" algn="l" defTabSz="914400" rtl="0" eaLnBrk="1" latinLnBrk="0" hangingPunct="1">
+              <a:lnSpc>
+                <a:spcPct val="90000"/>
+              </a:lnSpc>
+              <a:spcBef>
+                <a:spcPts val="500"/>
+              </a:spcBef>
+              <a:buFont typeface="Arial" panose="020B0604020202020204" pitchFamily="34" charset="0"/>
+              <a:buChar char="•"/>
+              <a:defRPr sz="1800" kern="1200">
+                <a:solidFill>
+                  <a:schemeClr val="tx1"/>
+                </a:solidFill>
+                <a:latin typeface="+mn-lt"/>
+                <a:ea typeface="+mn-ea"/>
+                <a:cs typeface="+mn-cs"/>
+              </a:defRPr>
+            </a:lvl9pPr>
+          </a:lstStyle>
+          <a:p>
+            <a:pPr marL="0" indent="0">
+              <a:buFont typeface="Arial" panose="020B0604020202020204" pitchFamily="34" charset="0"/>
+              <a:buNone/>
+            </a:pPr>
+            <a:r>
+              <a:rPr lang="en-US" dirty="0">
+                <a:solidFill>
+                  <a:schemeClr val="bg1"/>
+                </a:solidFill>
+                <a:effectLst>
+                  <a:outerShdw blurRad="38100" dist="38100" dir="2700000" algn="tl">
+                    <a:srgbClr val="000000">
+                      <a:alpha val="43137"/>
+                    </a:srgbClr>
+                  </a:outerShdw>
+                </a:effectLst>
+                <a:latin typeface="Assistant" panose="00000500000000000000" pitchFamily="50" charset="-79"/>
+                <a:cs typeface="Assistant" panose="00000500000000000000" pitchFamily="50" charset="-79"/>
+              </a:rPr>
+              <a:t>Users can comment on posts, or on other comments.</a:t>
+            </a:r>
+          </a:p>
+          <a:p>
+            <a:pPr marL="0" indent="0">
+              <a:buFont typeface="Arial" panose="020B0604020202020204" pitchFamily="34" charset="0"/>
+              <a:buNone/>
+            </a:pPr>
+            <a:r>
+              <a:rPr lang="en-US" dirty="0">
+                <a:solidFill>
+                  <a:schemeClr val="bg1"/>
+                </a:solidFill>
+                <a:effectLst>
+                  <a:outerShdw blurRad="38100" dist="38100" dir="2700000" algn="tl">
+                    <a:srgbClr val="000000">
+                      <a:alpha val="43137"/>
+                    </a:srgbClr>
+                  </a:outerShdw>
+                </a:effectLst>
+                <a:latin typeface="Assistant" panose="00000500000000000000" pitchFamily="50" charset="-79"/>
+                <a:cs typeface="Assistant" panose="00000500000000000000" pitchFamily="50" charset="-79"/>
+              </a:rPr>
+              <a:t>More powerfully, users can create </a:t>
+            </a:r>
+            <a:r>
+              <a:rPr lang="en-US" b="1" dirty="0">
+                <a:solidFill>
+                  <a:schemeClr val="bg1"/>
+                </a:solidFill>
+                <a:effectLst>
+                  <a:outerShdw blurRad="38100" dist="38100" dir="2700000" algn="tl">
+                    <a:srgbClr val="000000">
+                      <a:alpha val="43137"/>
+                    </a:srgbClr>
+                  </a:outerShdw>
+                </a:effectLst>
+                <a:latin typeface="Assistant" panose="00000500000000000000" pitchFamily="50" charset="-79"/>
+                <a:cs typeface="Assistant" panose="00000500000000000000" pitchFamily="50" charset="-79"/>
+              </a:rPr>
+              <a:t>variants </a:t>
+            </a:r>
+            <a:r>
+              <a:rPr lang="en-US" dirty="0">
+                <a:solidFill>
+                  <a:schemeClr val="bg1"/>
+                </a:solidFill>
+                <a:effectLst>
+                  <a:outerShdw blurRad="38100" dist="38100" dir="2700000" algn="tl">
+                    <a:srgbClr val="000000">
+                      <a:alpha val="43137"/>
+                    </a:srgbClr>
+                  </a:outerShdw>
+                </a:effectLst>
+                <a:latin typeface="Assistant" panose="00000500000000000000" pitchFamily="50" charset="-79"/>
+                <a:cs typeface="Assistant" panose="00000500000000000000" pitchFamily="50" charset="-79"/>
+              </a:rPr>
+              <a:t>of both base recipes and other variants.</a:t>
+            </a:r>
+          </a:p>
+        </p:txBody>
+      </p:sp>
+    </p:spTree>
+    <p:extLst>
+      <p:ext uri="{BB962C8B-B14F-4D97-AF65-F5344CB8AC3E}">
+        <p14:creationId xmlns:p14="http://schemas.microsoft.com/office/powerpoint/2010/main" val="1277052279"/>
+      </p:ext>
+    </p:extLst>
+  </p:cSld>
+  <p:clrMapOvr>
+    <a:masterClrMapping/>
+  </p:clrMapOvr>
+</p:sld>
+</file>
+
+<file path=ppt/slides/slide9.xml><?xml version="1.0" encoding="utf-8"?>
+<p:sld xmlns:a="http://schemas.openxmlformats.org/drawingml/2006/main" xmlns:r="http://schemas.openxmlformats.org/officeDocument/2006/relationships" xmlns:p="http://schemas.openxmlformats.org/presentationml/2006/main">
+  <p:cSld>
+    <p:bg>
+      <p:bgPr>
+        <a:solidFill>
+          <a:srgbClr val="CE2D75"/>
+        </a:solidFill>
+        <a:effectLst/>
+      </p:bgPr>
+    </p:bg>
+    <p:spTree>
+      <p:nvGrpSpPr>
+        <p:cNvPr id="1" name=""/>
+        <p:cNvGrpSpPr/>
+        <p:nvPr/>
+      </p:nvGrpSpPr>
+      <p:grpSpPr>
+        <a:xfrm>
+          <a:off x="0" y="0"/>
+          <a:ext cx="0" cy="0"/>
+          <a:chOff x="0" y="0"/>
+          <a:chExt cx="0" cy="0"/>
+        </a:xfrm>
+      </p:grpSpPr>
+      <p:sp>
+        <p:nvSpPr>
+          <p:cNvPr id="5" name="Rectangle 4">
+            <a:extLst>
+              <a:ext uri="{FF2B5EF4-FFF2-40B4-BE49-F238E27FC236}">
+                <a16:creationId xmlns:a16="http://schemas.microsoft.com/office/drawing/2014/main" id="{6EF79363-2E3F-42D2-9AB6-44D507EA6767}"/>
+              </a:ext>
+            </a:extLst>
+          </p:cNvPr>
+          <p:cNvSpPr/>
+          <p:nvPr/>
+        </p:nvSpPr>
+        <p:spPr>
+          <a:xfrm>
+            <a:off x="0" y="-2477729"/>
+            <a:ext cx="2477729" cy="12565626"/>
+          </a:xfrm>
+          <a:prstGeom prst="rect">
+            <a:avLst/>
+          </a:prstGeom>
+          <a:solidFill>
+            <a:srgbClr val="CE2D75"/>
+          </a:solidFill>
+          <a:ln>
+            <a:noFill/>
+          </a:ln>
+          <a:effectLst>
+            <a:innerShdw blurRad="546100" dist="50800" dir="10800000">
+              <a:prstClr val="black">
+                <a:alpha val="45000"/>
+              </a:prstClr>
+            </a:innerShdw>
+          </a:effectLst>
+        </p:spPr>
+        <p:style>
+          <a:lnRef idx="2">
+            <a:schemeClr val="accent1">
+              <a:shade val="50000"/>
+            </a:schemeClr>
+          </a:lnRef>
+          <a:fillRef idx="1">
+            <a:schemeClr val="accent1"/>
+          </a:fillRef>
+          <a:effectRef idx="0">
+            <a:schemeClr val="accent1"/>
+          </a:effectRef>
+          <a:fontRef idx="minor">
+            <a:schemeClr val="lt1"/>
+          </a:fontRef>
+        </p:style>
+        <p:txBody>
+          <a:bodyPr rtlCol="0" anchor="ctr"/>
+          <a:lstStyle/>
+          <a:p>
+            <a:pPr algn="ctr"/>
+            <a:endParaRPr lang="en-US"/>
+          </a:p>
+        </p:txBody>
+      </p:sp>
+      <p:sp>
+        <p:nvSpPr>
+          <p:cNvPr id="6" name="Rectangle 5">
+            <a:extLst>
+              <a:ext uri="{FF2B5EF4-FFF2-40B4-BE49-F238E27FC236}">
+                <a16:creationId xmlns:a16="http://schemas.microsoft.com/office/drawing/2014/main" id="{60654D08-5910-4876-9978-07BFCF66D0FD}"/>
+              </a:ext>
+            </a:extLst>
+          </p:cNvPr>
+          <p:cNvSpPr/>
+          <p:nvPr/>
+        </p:nvSpPr>
+        <p:spPr>
+          <a:xfrm>
+            <a:off x="513403" y="-2920180"/>
+            <a:ext cx="3416710" cy="13219471"/>
+          </a:xfrm>
+          <a:prstGeom prst="rect">
+            <a:avLst/>
+          </a:prstGeom>
+          <a:solidFill>
+            <a:srgbClr val="CE2D75"/>
+          </a:solidFill>
+          <a:ln>
+            <a:noFill/>
+          </a:ln>
+          <a:effectLst/>
+        </p:spPr>
+        <p:style>
+          <a:lnRef idx="2">
+            <a:schemeClr val="accent1">
+              <a:shade val="50000"/>
+            </a:schemeClr>
+          </a:lnRef>
+          <a:fillRef idx="1">
+            <a:schemeClr val="accent1"/>
+          </a:fillRef>
+          <a:effectRef idx="0">
+            <a:schemeClr val="accent1"/>
+          </a:effectRef>
+          <a:fontRef idx="minor">
+            <a:schemeClr val="lt1"/>
+          </a:fontRef>
+        </p:style>
+        <p:txBody>
+          <a:bodyPr rtlCol="0" anchor="ctr"/>
+          <a:lstStyle/>
+          <a:p>
+            <a:pPr algn="ctr"/>
+            <a:endParaRPr lang="en-US"/>
+          </a:p>
+        </p:txBody>
+      </p:sp>
+      <p:sp>
+        <p:nvSpPr>
+          <p:cNvPr id="4" name="Rectangle 3">
+            <a:extLst>
+              <a:ext uri="{FF2B5EF4-FFF2-40B4-BE49-F238E27FC236}">
+                <a16:creationId xmlns:a16="http://schemas.microsoft.com/office/drawing/2014/main" id="{DAEF528C-F486-4844-BD68-FBECBCCFDA0E}"/>
+              </a:ext>
+            </a:extLst>
+          </p:cNvPr>
+          <p:cNvSpPr/>
+          <p:nvPr/>
+        </p:nvSpPr>
+        <p:spPr>
+          <a:xfrm rot="10800000">
+            <a:off x="9714271" y="-2266335"/>
+            <a:ext cx="2477729" cy="12565626"/>
+          </a:xfrm>
+          <a:prstGeom prst="rect">
+            <a:avLst/>
+          </a:prstGeom>
+          <a:solidFill>
+            <a:srgbClr val="CE2D75"/>
+          </a:solidFill>
+          <a:ln>
+            <a:noFill/>
+          </a:ln>
+          <a:effectLst>
+            <a:innerShdw blurRad="546100" dist="50800">
+              <a:prstClr val="black">
+                <a:alpha val="45000"/>
+              </a:prstClr>
+            </a:innerShdw>
+          </a:effectLst>
+        </p:spPr>
+        <p:style>
+          <a:lnRef idx="2">
+            <a:schemeClr val="accent1">
+              <a:shade val="50000"/>
+            </a:schemeClr>
+          </a:lnRef>
+          <a:fillRef idx="1">
+            <a:schemeClr val="accent1"/>
+          </a:fillRef>
+          <a:effectRef idx="0">
+            <a:schemeClr val="accent1"/>
+          </a:effectRef>
+          <a:fontRef idx="minor">
+            <a:schemeClr val="lt1"/>
+          </a:fontRef>
+        </p:style>
+        <p:txBody>
+          <a:bodyPr rtlCol="0" anchor="ctr"/>
+          <a:lstStyle/>
+          <a:p>
+            <a:pPr algn="ctr"/>
+            <a:endParaRPr lang="en-US"/>
+          </a:p>
+        </p:txBody>
+      </p:sp>
+      <p:sp>
+        <p:nvSpPr>
+          <p:cNvPr id="7" name="Title 1">
+            <a:extLst>
+              <a:ext uri="{FF2B5EF4-FFF2-40B4-BE49-F238E27FC236}">
+                <a16:creationId xmlns:a16="http://schemas.microsoft.com/office/drawing/2014/main" id="{47DE1837-8B77-4128-BE1C-3D84A9B4CF32}"/>
+              </a:ext>
+            </a:extLst>
+          </p:cNvPr>
+          <p:cNvSpPr txBox="1">
+            <a:spLocks/>
+          </p:cNvSpPr>
+          <p:nvPr/>
+        </p:nvSpPr>
+        <p:spPr>
+          <a:xfrm>
+            <a:off x="838200" y="365125"/>
+            <a:ext cx="10515600" cy="1325563"/>
+          </a:xfrm>
+          <a:prstGeom prst="rect">
+            <a:avLst/>
+          </a:prstGeom>
+        </p:spPr>
+        <p:txBody>
+          <a:bodyPr vert="horz" lIns="91440" tIns="45720" rIns="91440" bIns="45720" rtlCol="0" anchor="ctr">
+            <a:normAutofit/>
+          </a:bodyPr>
+          <a:lstStyle>
+            <a:lvl1pPr algn="l" defTabSz="914400" rtl="0" eaLnBrk="1" latinLnBrk="0" hangingPunct="1">
+              <a:lnSpc>
+                <a:spcPct val="90000"/>
+              </a:lnSpc>
+              <a:spcBef>
+                <a:spcPct val="0"/>
+              </a:spcBef>
+              <a:buNone/>
+              <a:defRPr sz="4400" kern="1200">
+                <a:solidFill>
+                  <a:schemeClr val="tx1"/>
+                </a:solidFill>
+                <a:latin typeface="+mj-lt"/>
+                <a:ea typeface="+mj-ea"/>
+                <a:cs typeface="+mj-cs"/>
+              </a:defRPr>
+            </a:lvl1pPr>
+          </a:lstStyle>
+          <a:p>
+            <a:r>
+              <a:rPr lang="en-US" b="1" dirty="0">
+                <a:solidFill>
+                  <a:schemeClr val="bg1"/>
+                </a:solidFill>
+                <a:latin typeface="Assistant" panose="00000500000000000000" pitchFamily="50" charset="-79"/>
+                <a:cs typeface="Assistant" panose="00000500000000000000" pitchFamily="50" charset="-79"/>
+              </a:rPr>
+              <a:t>Creating Variants</a:t>
+            </a:r>
+          </a:p>
+        </p:txBody>
+      </p:sp>
+      <p:sp>
+        <p:nvSpPr>
+          <p:cNvPr id="9" name="Rectangle 8">
+            <a:extLst>
+              <a:ext uri="{FF2B5EF4-FFF2-40B4-BE49-F238E27FC236}">
+                <a16:creationId xmlns:a16="http://schemas.microsoft.com/office/drawing/2014/main" id="{454772E4-6AAC-412D-9D0C-D21C13596C94}"/>
+              </a:ext>
+            </a:extLst>
+          </p:cNvPr>
+          <p:cNvSpPr/>
+          <p:nvPr/>
+        </p:nvSpPr>
+        <p:spPr>
+          <a:xfrm>
+            <a:off x="10206681" y="-840259"/>
+            <a:ext cx="963827" cy="8501448"/>
+          </a:xfrm>
+          <a:prstGeom prst="rect">
+            <a:avLst/>
+          </a:prstGeom>
+          <a:solidFill>
+            <a:srgbClr val="861657"/>
+          </a:solidFill>
+          <a:ln>
+            <a:noFill/>
+          </a:ln>
+          <a:effectLst>
+            <a:outerShdw blurRad="63500" sx="102000" sy="102000" algn="ctr" rotWithShape="0">
+              <a:prstClr val="black">
+                <a:alpha val="40000"/>
+              </a:prstClr>
+            </a:outerShdw>
+          </a:effectLst>
+        </p:spPr>
+        <p:style>
+          <a:lnRef idx="2">
+            <a:schemeClr val="accent1">
+              <a:shade val="50000"/>
+            </a:schemeClr>
+          </a:lnRef>
+          <a:fillRef idx="1">
+            <a:schemeClr val="accent1"/>
+          </a:fillRef>
+          <a:effectRef idx="0">
+            <a:schemeClr val="accent1"/>
+          </a:effectRef>
+          <a:fontRef idx="minor">
+            <a:schemeClr val="lt1"/>
+          </a:fontRef>
+        </p:style>
+        <p:txBody>
+          <a:bodyPr rtlCol="0" anchor="ctr"/>
+          <a:lstStyle/>
+          <a:p>
+            <a:pPr algn="ctr"/>
+            <a:endParaRPr lang="en-US"/>
+          </a:p>
+        </p:txBody>
+      </p:sp>
+      <p:sp>
+        <p:nvSpPr>
+          <p:cNvPr id="10" name="Rectangle 9">
+            <a:extLst>
+              <a:ext uri="{FF2B5EF4-FFF2-40B4-BE49-F238E27FC236}">
+                <a16:creationId xmlns:a16="http://schemas.microsoft.com/office/drawing/2014/main" id="{4F77882A-6BC0-4C80-962C-0F0D7CD2BEC4}"/>
+              </a:ext>
+            </a:extLst>
+          </p:cNvPr>
+          <p:cNvSpPr/>
+          <p:nvPr/>
+        </p:nvSpPr>
+        <p:spPr>
+          <a:xfrm>
+            <a:off x="11372336" y="-821724"/>
+            <a:ext cx="243016" cy="8501448"/>
+          </a:xfrm>
+          <a:prstGeom prst="rect">
+            <a:avLst/>
+          </a:prstGeom>
+          <a:solidFill>
+            <a:srgbClr val="861657"/>
+          </a:solidFill>
+          <a:ln>
+            <a:noFill/>
+          </a:ln>
+          <a:effectLst>
+            <a:outerShdw blurRad="63500" sx="102000" sy="102000" algn="ctr" rotWithShape="0">
+              <a:prstClr val="black">
+                <a:alpha val="40000"/>
+              </a:prstClr>
+            </a:outerShdw>
+          </a:effectLst>
+        </p:spPr>
+        <p:style>
+          <a:lnRef idx="2">
+            <a:schemeClr val="accent1">
+              <a:shade val="50000"/>
+            </a:schemeClr>
+          </a:lnRef>
+          <a:fillRef idx="1">
+            <a:schemeClr val="accent1"/>
+          </a:fillRef>
+          <a:effectRef idx="0">
+            <a:schemeClr val="accent1"/>
+          </a:effectRef>
+          <a:fontRef idx="minor">
+            <a:schemeClr val="lt1"/>
+          </a:fontRef>
+        </p:style>
+        <p:txBody>
+          <a:bodyPr rtlCol="0" anchor="ctr"/>
+          <a:lstStyle/>
+          <a:p>
+            <a:pPr algn="ctr"/>
+            <a:endParaRPr lang="en-US"/>
+          </a:p>
+        </p:txBody>
+      </p:sp>
+      <p:sp>
+        <p:nvSpPr>
+          <p:cNvPr id="8" name="Content Placeholder 2">
+            <a:extLst>
+              <a:ext uri="{FF2B5EF4-FFF2-40B4-BE49-F238E27FC236}">
+                <a16:creationId xmlns:a16="http://schemas.microsoft.com/office/drawing/2014/main" id="{1EA62D24-4315-4252-BE8C-BA06B88253DE}"/>
+              </a:ext>
+            </a:extLst>
+          </p:cNvPr>
+          <p:cNvSpPr txBox="1">
+            <a:spLocks/>
+          </p:cNvSpPr>
+          <p:nvPr/>
+        </p:nvSpPr>
+        <p:spPr>
+          <a:xfrm>
+            <a:off x="838200" y="1356853"/>
+            <a:ext cx="9166653" cy="5501147"/>
+          </a:xfrm>
+          <a:prstGeom prst="rect">
+            <a:avLst/>
+          </a:prstGeom>
+        </p:spPr>
+        <p:txBody>
+          <a:bodyPr vert="horz" lIns="91440" tIns="45720" rIns="91440" bIns="45720" rtlCol="0">
+            <a:normAutofit/>
+          </a:bodyPr>
+          <a:lstStyle>
+            <a:lvl1pPr marL="228600" indent="-228600" algn="l" defTabSz="914400" rtl="0" eaLnBrk="1" latinLnBrk="0" hangingPunct="1">
+              <a:lnSpc>
+                <a:spcPct val="90000"/>
+              </a:lnSpc>
+              <a:spcBef>
+                <a:spcPts val="1000"/>
+              </a:spcBef>
+              <a:buFont typeface="Arial" panose="020B0604020202020204" pitchFamily="34" charset="0"/>
+              <a:buChar char="•"/>
+              <a:defRPr sz="2800" kern="1200">
+                <a:solidFill>
+                  <a:schemeClr val="tx1"/>
+                </a:solidFill>
+                <a:latin typeface="+mn-lt"/>
+                <a:ea typeface="+mn-ea"/>
+                <a:cs typeface="+mn-cs"/>
+              </a:defRPr>
+            </a:lvl1pPr>
+            <a:lvl2pPr marL="685800" indent="-228600" algn="l" defTabSz="914400" rtl="0" eaLnBrk="1" latinLnBrk="0" hangingPunct="1">
+              <a:lnSpc>
+                <a:spcPct val="90000"/>
+              </a:lnSpc>
+              <a:spcBef>
+                <a:spcPts val="500"/>
+              </a:spcBef>
+              <a:buFont typeface="Arial" panose="020B0604020202020204" pitchFamily="34" charset="0"/>
+              <a:buChar char="•"/>
+              <a:defRPr sz="2400" kern="1200">
+                <a:solidFill>
+                  <a:schemeClr val="tx1"/>
+                </a:solidFill>
+                <a:latin typeface="+mn-lt"/>
+                <a:ea typeface="+mn-ea"/>
+                <a:cs typeface="+mn-cs"/>
+              </a:defRPr>
+            </a:lvl2pPr>
+            <a:lvl3pPr marL="1143000" indent="-228600" algn="l" defTabSz="914400" rtl="0" eaLnBrk="1" latinLnBrk="0" hangingPunct="1">
+              <a:lnSpc>
+                <a:spcPct val="90000"/>
+              </a:lnSpc>
+              <a:spcBef>
+                <a:spcPts val="500"/>
+              </a:spcBef>
+              <a:buFont typeface="Arial" panose="020B0604020202020204" pitchFamily="34" charset="0"/>
+              <a:buChar char="•"/>
+              <a:defRPr sz="2000" kern="1200">
+                <a:solidFill>
+                  <a:schemeClr val="tx1"/>
+                </a:solidFill>
+                <a:latin typeface="+mn-lt"/>
+                <a:ea typeface="+mn-ea"/>
+                <a:cs typeface="+mn-cs"/>
+              </a:defRPr>
+            </a:lvl3pPr>
+            <a:lvl4pPr marL="1600200" indent="-228600" algn="l" defTabSz="914400" rtl="0" eaLnBrk="1" latinLnBrk="0" hangingPunct="1">
+              <a:lnSpc>
+                <a:spcPct val="90000"/>
+              </a:lnSpc>
+              <a:spcBef>
+                <a:spcPts val="500"/>
+              </a:spcBef>
+              <a:buFont typeface="Arial" panose="020B0604020202020204" pitchFamily="34" charset="0"/>
+              <a:buChar char="•"/>
+              <a:defRPr sz="1800" kern="1200">
+                <a:solidFill>
+                  <a:schemeClr val="tx1"/>
+                </a:solidFill>
+                <a:latin typeface="+mn-lt"/>
+                <a:ea typeface="+mn-ea"/>
+                <a:cs typeface="+mn-cs"/>
+              </a:defRPr>
+            </a:lvl4pPr>
+            <a:lvl5pPr marL="2057400" indent="-228600" algn="l" defTabSz="914400" rtl="0" eaLnBrk="1" latinLnBrk="0" hangingPunct="1">
+              <a:lnSpc>
+                <a:spcPct val="90000"/>
+              </a:lnSpc>
+              <a:spcBef>
+                <a:spcPts val="500"/>
+              </a:spcBef>
+              <a:buFont typeface="Arial" panose="020B0604020202020204" pitchFamily="34" charset="0"/>
+              <a:buChar char="•"/>
+              <a:defRPr sz="1800" kern="1200">
+                <a:solidFill>
+                  <a:schemeClr val="tx1"/>
+                </a:solidFill>
+                <a:latin typeface="+mn-lt"/>
+                <a:ea typeface="+mn-ea"/>
+                <a:cs typeface="+mn-cs"/>
+              </a:defRPr>
+            </a:lvl5pPr>
+            <a:lvl6pPr marL="2514600" indent="-228600" algn="l" defTabSz="914400" rtl="0" eaLnBrk="1" latinLnBrk="0" hangingPunct="1">
+              <a:lnSpc>
+                <a:spcPct val="90000"/>
+              </a:lnSpc>
+              <a:spcBef>
+                <a:spcPts val="500"/>
+              </a:spcBef>
+              <a:buFont typeface="Arial" panose="020B0604020202020204" pitchFamily="34" charset="0"/>
+              <a:buChar char="•"/>
+              <a:defRPr sz="1800" kern="1200">
+                <a:solidFill>
+                  <a:schemeClr val="tx1"/>
+                </a:solidFill>
+                <a:latin typeface="+mn-lt"/>
+                <a:ea typeface="+mn-ea"/>
+                <a:cs typeface="+mn-cs"/>
+              </a:defRPr>
+            </a:lvl6pPr>
+            <a:lvl7pPr marL="2971800" indent="-228600" algn="l" defTabSz="914400" rtl="0" eaLnBrk="1" latinLnBrk="0" hangingPunct="1">
+              <a:lnSpc>
+                <a:spcPct val="90000"/>
+              </a:lnSpc>
+              <a:spcBef>
+                <a:spcPts val="500"/>
+              </a:spcBef>
+              <a:buFont typeface="Arial" panose="020B0604020202020204" pitchFamily="34" charset="0"/>
+              <a:buChar char="•"/>
+              <a:defRPr sz="1800" kern="1200">
+                <a:solidFill>
+                  <a:schemeClr val="tx1"/>
+                </a:solidFill>
+                <a:latin typeface="+mn-lt"/>
+                <a:ea typeface="+mn-ea"/>
+                <a:cs typeface="+mn-cs"/>
+              </a:defRPr>
+            </a:lvl7pPr>
+            <a:lvl8pPr marL="3429000" indent="-228600" algn="l" defTabSz="914400" rtl="0" eaLnBrk="1" latinLnBrk="0" hangingPunct="1">
+              <a:lnSpc>
+                <a:spcPct val="90000"/>
+              </a:lnSpc>
+              <a:spcBef>
+                <a:spcPts val="500"/>
+              </a:spcBef>
+              <a:buFont typeface="Arial" panose="020B0604020202020204" pitchFamily="34" charset="0"/>
+              <a:buChar char="•"/>
+              <a:defRPr sz="1800" kern="1200">
+                <a:solidFill>
+                  <a:schemeClr val="tx1"/>
+                </a:solidFill>
+                <a:latin typeface="+mn-lt"/>
+                <a:ea typeface="+mn-ea"/>
+                <a:cs typeface="+mn-cs"/>
+              </a:defRPr>
+            </a:lvl8pPr>
+            <a:lvl9pPr marL="3886200" indent="-228600" algn="l" defTabSz="914400" rtl="0" eaLnBrk="1" latinLnBrk="0" hangingPunct="1">
+              <a:lnSpc>
+                <a:spcPct val="90000"/>
+              </a:lnSpc>
+              <a:spcBef>
+                <a:spcPts val="500"/>
+              </a:spcBef>
+              <a:buFont typeface="Arial" panose="020B0604020202020204" pitchFamily="34" charset="0"/>
+              <a:buChar char="•"/>
+              <a:defRPr sz="1800" kern="1200">
+                <a:solidFill>
+                  <a:schemeClr val="tx1"/>
+                </a:solidFill>
+                <a:latin typeface="+mn-lt"/>
+                <a:ea typeface="+mn-ea"/>
+                <a:cs typeface="+mn-cs"/>
+              </a:defRPr>
+            </a:lvl9pPr>
+          </a:lstStyle>
+          <a:p>
+            <a:pPr marL="0" indent="0">
+              <a:buFont typeface="Arial" panose="020B0604020202020204" pitchFamily="34" charset="0"/>
+              <a:buNone/>
+            </a:pPr>
+            <a:r>
+              <a:rPr lang="en-US" dirty="0">
+                <a:solidFill>
+                  <a:schemeClr val="bg1"/>
+                </a:solidFill>
+                <a:effectLst>
+                  <a:outerShdw blurRad="38100" dist="38100" dir="2700000" algn="tl">
+                    <a:srgbClr val="000000">
+                      <a:alpha val="43137"/>
+                    </a:srgbClr>
+                  </a:outerShdw>
+                </a:effectLst>
+                <a:latin typeface="Assistant" panose="00000500000000000000" pitchFamily="50" charset="-79"/>
+                <a:cs typeface="Assistant" panose="00000500000000000000" pitchFamily="50" charset="-79"/>
+              </a:rPr>
+              <a:t>A variant is an alteration on a base recipe or other variant.</a:t>
+            </a:r>
+          </a:p>
+          <a:p>
+            <a:pPr marL="0" indent="0">
+              <a:buFont typeface="Arial" panose="020B0604020202020204" pitchFamily="34" charset="0"/>
+              <a:buNone/>
+            </a:pPr>
+            <a:r>
+              <a:rPr lang="en-US" dirty="0">
+                <a:solidFill>
+                  <a:schemeClr val="bg1"/>
+                </a:solidFill>
+                <a:effectLst>
+                  <a:outerShdw blurRad="38100" dist="38100" dir="2700000" algn="tl">
+                    <a:srgbClr val="000000">
+                      <a:alpha val="43137"/>
+                    </a:srgbClr>
+                  </a:outerShdw>
+                </a:effectLst>
+                <a:latin typeface="Assistant" panose="00000500000000000000" pitchFamily="50" charset="-79"/>
+                <a:cs typeface="Assistant" panose="00000500000000000000" pitchFamily="50" charset="-79"/>
+              </a:rPr>
+              <a:t>Users can create variants with their comments, and change ingredient names/amounts, steps, and tags.</a:t>
+            </a:r>
+          </a:p>
+        </p:txBody>
+      </p:sp>
+    </p:spTree>
+    <p:extLst>
+      <p:ext uri="{BB962C8B-B14F-4D97-AF65-F5344CB8AC3E}">
+        <p14:creationId xmlns:p14="http://schemas.microsoft.com/office/powerpoint/2010/main" val="686816584"/>
       </p:ext>
     </p:extLst>
   </p:cSld>
